--- a/Report_TingWei.pptx
+++ b/Report_TingWei.pptx
@@ -2,7 +2,7 @@
 <file path=ppt/presentation.xml><?xml version="1.0" encoding="utf-8"?>
 <p:presentation xmlns:a="http://schemas.openxmlformats.org/drawingml/2006/main" xmlns:r="http://schemas.openxmlformats.org/officeDocument/2006/relationships" xmlns:p="http://schemas.openxmlformats.org/presentationml/2006/main" saveSubsetFonts="1">
   <p:sldMasterIdLst>
-    <p:sldMasterId id="2147483648" r:id="rId1"/>
+    <p:sldMasterId id="2147483660" r:id="rId1"/>
   </p:sldMasterIdLst>
   <p:sldIdLst>
     <p:sldId id="256" r:id="rId2"/>
@@ -12,6 +12,7 @@
     <p:sldId id="259" r:id="rId6"/>
     <p:sldId id="260" r:id="rId7"/>
     <p:sldId id="262" r:id="rId8"/>
+    <p:sldId id="263" r:id="rId9"/>
   </p:sldIdLst>
   <p:sldSz cx="9144000" cy="6858000" type="screen4x3"/>
   <p:notesSz cx="6858000" cy="9144000"/>
@@ -132,7 +133,7 @@
       </p:grpSpPr>
       <p:sp>
         <p:nvSpPr>
-          <p:cNvPr id="2" name="標題 1"/>
+          <p:cNvPr id="2" name="Title 1"/>
           <p:cNvSpPr>
             <a:spLocks noGrp="1"/>
           </p:cNvSpPr>
@@ -142,25 +143,31 @@
         </p:nvSpPr>
         <p:spPr>
           <a:xfrm>
-            <a:off x="685800" y="2130425"/>
-            <a:ext cx="7772400" cy="1470025"/>
+            <a:off x="685800" y="1371600"/>
+            <a:ext cx="7848600" cy="1927225"/>
           </a:xfrm>
         </p:spPr>
         <p:txBody>
-          <a:bodyPr/>
-          <a:lstStyle/>
+          <a:bodyPr anchor="b">
+            <a:noAutofit/>
+          </a:bodyPr>
+          <a:lstStyle>
+            <a:lvl1pPr>
+              <a:defRPr sz="5400" cap="all" baseline="0"/>
+            </a:lvl1pPr>
+          </a:lstStyle>
           <a:p>
             <a:r>
               <a:rPr lang="zh-TW" altLang="en-US" smtClean="0"/>
               <a:t>按一下以編輯母片標題樣式</a:t>
             </a:r>
-            <a:endParaRPr lang="zh-TW" altLang="en-US"/>
-          </a:p>
-        </p:txBody>
-      </p:sp>
-      <p:sp>
-        <p:nvSpPr>
-          <p:cNvPr id="3" name="副標題 2"/>
+            <a:endParaRPr lang="en-US" dirty="0"/>
+          </a:p>
+        </p:txBody>
+      </p:sp>
+      <p:sp>
+        <p:nvSpPr>
+          <p:cNvPr id="3" name="Subtitle 2"/>
           <p:cNvSpPr>
             <a:spLocks noGrp="1"/>
           </p:cNvSpPr>
@@ -170,19 +177,20 @@
         </p:nvSpPr>
         <p:spPr>
           <a:xfrm>
-            <a:off x="1371600" y="3886200"/>
+            <a:off x="685800" y="3505200"/>
             <a:ext cx="6400800" cy="1752600"/>
           </a:xfrm>
         </p:spPr>
         <p:txBody>
           <a:bodyPr/>
           <a:lstStyle>
-            <a:lvl1pPr marL="0" indent="0" algn="ctr">
+            <a:lvl1pPr marL="0" indent="0" algn="l">
               <a:buNone/>
               <a:defRPr>
                 <a:solidFill>
                   <a:schemeClr val="tx1">
-                    <a:tint val="75000"/>
+                    <a:lumMod val="75000"/>
+                    <a:lumOff val="25000"/>
                   </a:schemeClr>
                 </a:solidFill>
               </a:defRPr>
@@ -273,13 +281,13 @@
               <a:rPr lang="zh-TW" altLang="en-US" smtClean="0"/>
               <a:t>按一下以編輯母片副標題樣式</a:t>
             </a:r>
-            <a:endParaRPr lang="zh-TW" altLang="en-US"/>
-          </a:p>
-        </p:txBody>
-      </p:sp>
-      <p:sp>
-        <p:nvSpPr>
-          <p:cNvPr id="4" name="日期版面配置區 3"/>
+            <a:endParaRPr lang="en-US" dirty="0"/>
+          </a:p>
+        </p:txBody>
+      </p:sp>
+      <p:sp>
+        <p:nvSpPr>
+          <p:cNvPr id="4" name="Date Placeholder 3"/>
           <p:cNvSpPr>
             <a:spLocks noGrp="1"/>
           </p:cNvSpPr>
@@ -302,7 +310,7 @@
       </p:sp>
       <p:sp>
         <p:nvSpPr>
-          <p:cNvPr id="5" name="頁尾版面配置區 4"/>
+          <p:cNvPr id="5" name="Footer Placeholder 4"/>
           <p:cNvSpPr>
             <a:spLocks noGrp="1"/>
           </p:cNvSpPr>
@@ -321,7 +329,7 @@
       </p:sp>
       <p:sp>
         <p:nvSpPr>
-          <p:cNvPr id="6" name="投影片編號版面配置區 5"/>
+          <p:cNvPr id="6" name="Slide Number Placeholder 5"/>
           <p:cNvSpPr>
             <a:spLocks noGrp="1"/>
           </p:cNvSpPr>
@@ -342,12 +350,42 @@
           </a:p>
         </p:txBody>
       </p:sp>
+      <p:cxnSp>
+        <p:nvCxnSpPr>
+          <p:cNvPr id="8" name="Straight Connector 7"/>
+          <p:cNvCxnSpPr/>
+          <p:nvPr/>
+        </p:nvCxnSpPr>
+        <p:spPr>
+          <a:xfrm>
+            <a:off x="685800" y="3398520"/>
+            <a:ext cx="7848600" cy="1588"/>
+          </a:xfrm>
+          <a:prstGeom prst="line">
+            <a:avLst/>
+          </a:prstGeom>
+          <a:ln w="19050">
+            <a:solidFill>
+              <a:schemeClr val="tx2"/>
+            </a:solidFill>
+          </a:ln>
+        </p:spPr>
+        <p:style>
+          <a:lnRef idx="1">
+            <a:schemeClr val="accent1"/>
+          </a:lnRef>
+          <a:fillRef idx="0">
+            <a:schemeClr val="accent1"/>
+          </a:fillRef>
+          <a:effectRef idx="0">
+            <a:schemeClr val="accent1"/>
+          </a:effectRef>
+          <a:fontRef idx="minor">
+            <a:schemeClr val="tx1"/>
+          </a:fontRef>
+        </p:style>
+      </p:cxnSp>
     </p:spTree>
-    <p:extLst>
-      <p:ext uri="{BB962C8B-B14F-4D97-AF65-F5344CB8AC3E}">
-        <p14:creationId xmlns:p14="http://schemas.microsoft.com/office/powerpoint/2010/main" val="3049149067"/>
-      </p:ext>
-    </p:extLst>
   </p:cSld>
   <p:clrMapOvr>
     <a:masterClrMapping/>
@@ -374,7 +412,7 @@
       </p:grpSpPr>
       <p:sp>
         <p:nvSpPr>
-          <p:cNvPr id="2" name="標題 1"/>
+          <p:cNvPr id="2" name="Title 1"/>
           <p:cNvSpPr>
             <a:spLocks noGrp="1"/>
           </p:cNvSpPr>
@@ -391,13 +429,13 @@
               <a:rPr lang="zh-TW" altLang="en-US" smtClean="0"/>
               <a:t>按一下以編輯母片標題樣式</a:t>
             </a:r>
-            <a:endParaRPr lang="zh-TW" altLang="en-US"/>
-          </a:p>
-        </p:txBody>
-      </p:sp>
-      <p:sp>
-        <p:nvSpPr>
-          <p:cNvPr id="3" name="直排文字版面配置區 2"/>
+            <a:endParaRPr lang="en-US"/>
+          </a:p>
+        </p:txBody>
+      </p:sp>
+      <p:sp>
+        <p:nvSpPr>
+          <p:cNvPr id="3" name="Vertical Text Placeholder 2"/>
           <p:cNvSpPr>
             <a:spLocks noGrp="1"/>
           </p:cNvSpPr>
@@ -443,13 +481,13 @@
               <a:rPr lang="zh-TW" altLang="en-US" smtClean="0"/>
               <a:t>第五層</a:t>
             </a:r>
-            <a:endParaRPr lang="zh-TW" altLang="en-US"/>
-          </a:p>
-        </p:txBody>
-      </p:sp>
-      <p:sp>
-        <p:nvSpPr>
-          <p:cNvPr id="4" name="日期版面配置區 3"/>
+            <a:endParaRPr lang="en-US"/>
+          </a:p>
+        </p:txBody>
+      </p:sp>
+      <p:sp>
+        <p:nvSpPr>
+          <p:cNvPr id="4" name="Date Placeholder 3"/>
           <p:cNvSpPr>
             <a:spLocks noGrp="1"/>
           </p:cNvSpPr>
@@ -472,7 +510,7 @@
       </p:sp>
       <p:sp>
         <p:nvSpPr>
-          <p:cNvPr id="5" name="頁尾版面配置區 4"/>
+          <p:cNvPr id="5" name="Footer Placeholder 4"/>
           <p:cNvSpPr>
             <a:spLocks noGrp="1"/>
           </p:cNvSpPr>
@@ -491,7 +529,7 @@
       </p:sp>
       <p:sp>
         <p:nvSpPr>
-          <p:cNvPr id="6" name="投影片編號版面配置區 5"/>
+          <p:cNvPr id="6" name="Slide Number Placeholder 5"/>
           <p:cNvSpPr>
             <a:spLocks noGrp="1"/>
           </p:cNvSpPr>
@@ -513,11 +551,6 @@
         </p:txBody>
       </p:sp>
     </p:spTree>
-    <p:extLst>
-      <p:ext uri="{BB962C8B-B14F-4D97-AF65-F5344CB8AC3E}">
-        <p14:creationId xmlns:p14="http://schemas.microsoft.com/office/powerpoint/2010/main" val="1008612764"/>
-      </p:ext>
-    </p:extLst>
   </p:cSld>
   <p:clrMapOvr>
     <a:masterClrMapping/>
@@ -544,7 +577,7 @@
       </p:grpSpPr>
       <p:sp>
         <p:nvSpPr>
-          <p:cNvPr id="2" name="直排標題 1"/>
+          <p:cNvPr id="2" name="Vertical Title 1"/>
           <p:cNvSpPr>
             <a:spLocks noGrp="1"/>
           </p:cNvSpPr>
@@ -554,25 +587,25 @@
         </p:nvSpPr>
         <p:spPr>
           <a:xfrm>
-            <a:off x="6629400" y="274638"/>
-            <a:ext cx="2057400" cy="5851525"/>
+            <a:off x="6629400" y="609600"/>
+            <a:ext cx="2057400" cy="5867400"/>
           </a:xfrm>
         </p:spPr>
         <p:txBody>
-          <a:bodyPr vert="eaVert"/>
+          <a:bodyPr vert="eaVert" anchor="b"/>
           <a:lstStyle/>
           <a:p>
             <a:r>
               <a:rPr lang="zh-TW" altLang="en-US" smtClean="0"/>
               <a:t>按一下以編輯母片標題樣式</a:t>
             </a:r>
-            <a:endParaRPr lang="zh-TW" altLang="en-US"/>
-          </a:p>
-        </p:txBody>
-      </p:sp>
-      <p:sp>
-        <p:nvSpPr>
-          <p:cNvPr id="3" name="直排文字版面配置區 2"/>
+            <a:endParaRPr lang="en-US" dirty="0"/>
+          </a:p>
+        </p:txBody>
+      </p:sp>
+      <p:sp>
+        <p:nvSpPr>
+          <p:cNvPr id="3" name="Vertical Text Placeholder 2"/>
           <p:cNvSpPr>
             <a:spLocks noGrp="1"/>
           </p:cNvSpPr>
@@ -582,8 +615,8 @@
         </p:nvSpPr>
         <p:spPr>
           <a:xfrm>
-            <a:off x="457200" y="274638"/>
-            <a:ext cx="6019800" cy="5851525"/>
+            <a:off x="457200" y="609600"/>
+            <a:ext cx="6019800" cy="5867400"/>
           </a:xfrm>
         </p:spPr>
         <p:txBody>
@@ -623,13 +656,13 @@
               <a:rPr lang="zh-TW" altLang="en-US" smtClean="0"/>
               <a:t>第五層</a:t>
             </a:r>
-            <a:endParaRPr lang="zh-TW" altLang="en-US"/>
-          </a:p>
-        </p:txBody>
-      </p:sp>
-      <p:sp>
-        <p:nvSpPr>
-          <p:cNvPr id="4" name="日期版面配置區 3"/>
+            <a:endParaRPr lang="en-US" dirty="0"/>
+          </a:p>
+        </p:txBody>
+      </p:sp>
+      <p:sp>
+        <p:nvSpPr>
+          <p:cNvPr id="4" name="Date Placeholder 3"/>
           <p:cNvSpPr>
             <a:spLocks noGrp="1"/>
           </p:cNvSpPr>
@@ -652,7 +685,7 @@
       </p:sp>
       <p:sp>
         <p:nvSpPr>
-          <p:cNvPr id="5" name="頁尾版面配置區 4"/>
+          <p:cNvPr id="5" name="Footer Placeholder 4"/>
           <p:cNvSpPr>
             <a:spLocks noGrp="1"/>
           </p:cNvSpPr>
@@ -671,7 +704,7 @@
       </p:sp>
       <p:sp>
         <p:nvSpPr>
-          <p:cNvPr id="6" name="投影片編號版面配置區 5"/>
+          <p:cNvPr id="6" name="Slide Number Placeholder 5"/>
           <p:cNvSpPr>
             <a:spLocks noGrp="1"/>
           </p:cNvSpPr>
@@ -693,11 +726,6 @@
         </p:txBody>
       </p:sp>
     </p:spTree>
-    <p:extLst>
-      <p:ext uri="{BB962C8B-B14F-4D97-AF65-F5344CB8AC3E}">
-        <p14:creationId xmlns:p14="http://schemas.microsoft.com/office/powerpoint/2010/main" val="1788261432"/>
-      </p:ext>
-    </p:extLst>
   </p:cSld>
   <p:clrMapOvr>
     <a:masterClrMapping/>
@@ -724,7 +752,7 @@
       </p:grpSpPr>
       <p:sp>
         <p:nvSpPr>
-          <p:cNvPr id="2" name="標題 1"/>
+          <p:cNvPr id="2" name="Title 1"/>
           <p:cNvSpPr>
             <a:spLocks noGrp="1"/>
           </p:cNvSpPr>
@@ -741,13 +769,13 @@
               <a:rPr lang="zh-TW" altLang="en-US" smtClean="0"/>
               <a:t>按一下以編輯母片標題樣式</a:t>
             </a:r>
-            <a:endParaRPr lang="zh-TW" altLang="en-US"/>
-          </a:p>
-        </p:txBody>
-      </p:sp>
-      <p:sp>
-        <p:nvSpPr>
-          <p:cNvPr id="3" name="內容版面配置區 2"/>
+            <a:endParaRPr lang="en-US"/>
+          </a:p>
+        </p:txBody>
+      </p:sp>
+      <p:sp>
+        <p:nvSpPr>
+          <p:cNvPr id="3" name="Content Placeholder 2"/>
           <p:cNvSpPr>
             <a:spLocks noGrp="1"/>
           </p:cNvSpPr>
@@ -793,13 +821,13 @@
               <a:rPr lang="zh-TW" altLang="en-US" smtClean="0"/>
               <a:t>第五層</a:t>
             </a:r>
-            <a:endParaRPr lang="zh-TW" altLang="en-US"/>
-          </a:p>
-        </p:txBody>
-      </p:sp>
-      <p:sp>
-        <p:nvSpPr>
-          <p:cNvPr id="4" name="日期版面配置區 3"/>
+            <a:endParaRPr lang="en-US"/>
+          </a:p>
+        </p:txBody>
+      </p:sp>
+      <p:sp>
+        <p:nvSpPr>
+          <p:cNvPr id="4" name="Date Placeholder 3"/>
           <p:cNvSpPr>
             <a:spLocks noGrp="1"/>
           </p:cNvSpPr>
@@ -822,7 +850,7 @@
       </p:sp>
       <p:sp>
         <p:nvSpPr>
-          <p:cNvPr id="5" name="頁尾版面配置區 4"/>
+          <p:cNvPr id="5" name="Footer Placeholder 4"/>
           <p:cNvSpPr>
             <a:spLocks noGrp="1"/>
           </p:cNvSpPr>
@@ -841,7 +869,7 @@
       </p:sp>
       <p:sp>
         <p:nvSpPr>
-          <p:cNvPr id="6" name="投影片編號版面配置區 5"/>
+          <p:cNvPr id="6" name="Slide Number Placeholder 5"/>
           <p:cNvSpPr>
             <a:spLocks noGrp="1"/>
           </p:cNvSpPr>
@@ -863,11 +891,6 @@
         </p:txBody>
       </p:sp>
     </p:spTree>
-    <p:extLst>
-      <p:ext uri="{BB962C8B-B14F-4D97-AF65-F5344CB8AC3E}">
-        <p14:creationId xmlns:p14="http://schemas.microsoft.com/office/powerpoint/2010/main" val="2102863466"/>
-      </p:ext>
-    </p:extLst>
   </p:cSld>
   <p:clrMapOvr>
     <a:masterClrMapping/>
@@ -878,6 +901,11 @@
 <file path=ppt/slideLayouts/slideLayout3.xml><?xml version="1.0" encoding="utf-8"?>
 <p:sldLayout xmlns:a="http://schemas.openxmlformats.org/drawingml/2006/main" xmlns:r="http://schemas.openxmlformats.org/officeDocument/2006/relationships" xmlns:p="http://schemas.openxmlformats.org/presentationml/2006/main" type="secHead" preserve="1">
   <p:cSld name="章節標題">
+    <p:bg>
+      <p:bgRef idx="1001">
+        <a:schemeClr val="bg2"/>
+      </p:bgRef>
+    </p:bg>
     <p:spTree>
       <p:nvGrpSpPr>
         <p:cNvPr id="1" name=""/>
@@ -894,7 +922,7 @@
       </p:grpSpPr>
       <p:sp>
         <p:nvSpPr>
-          <p:cNvPr id="2" name="標題 1"/>
+          <p:cNvPr id="2" name="Title 1"/>
           <p:cNvSpPr>
             <a:spLocks noGrp="1"/>
           </p:cNvSpPr>
@@ -904,15 +932,17 @@
         </p:nvSpPr>
         <p:spPr>
           <a:xfrm>
-            <a:off x="722313" y="4406900"/>
-            <a:ext cx="7772400" cy="1362075"/>
+            <a:off x="722313" y="2362200"/>
+            <a:ext cx="7772400" cy="2200275"/>
           </a:xfrm>
         </p:spPr>
         <p:txBody>
-          <a:bodyPr anchor="t"/>
+          <a:bodyPr anchor="b">
+            <a:normAutofit/>
+          </a:bodyPr>
           <a:lstStyle>
             <a:lvl1pPr algn="l">
-              <a:defRPr sz="4000" b="1" cap="all"/>
+              <a:defRPr sz="4800" b="0" cap="all"/>
             </a:lvl1pPr>
           </a:lstStyle>
           <a:p>
@@ -920,13 +950,13 @@
               <a:rPr lang="zh-TW" altLang="en-US" smtClean="0"/>
               <a:t>按一下以編輯母片標題樣式</a:t>
             </a:r>
-            <a:endParaRPr lang="zh-TW" altLang="en-US"/>
-          </a:p>
-        </p:txBody>
-      </p:sp>
-      <p:sp>
-        <p:nvSpPr>
-          <p:cNvPr id="3" name="文字版面配置區 2"/>
+            <a:endParaRPr lang="en-US" dirty="0"/>
+          </a:p>
+        </p:txBody>
+      </p:sp>
+      <p:sp>
+        <p:nvSpPr>
+          <p:cNvPr id="3" name="Text Placeholder 2"/>
           <p:cNvSpPr>
             <a:spLocks noGrp="1"/>
           </p:cNvSpPr>
@@ -936,20 +966,20 @@
         </p:nvSpPr>
         <p:spPr>
           <a:xfrm>
-            <a:off x="722313" y="2906713"/>
+            <a:off x="722313" y="4626864"/>
             <a:ext cx="7772400" cy="1500187"/>
           </a:xfrm>
         </p:spPr>
         <p:txBody>
-          <a:bodyPr anchor="b"/>
+          <a:bodyPr anchor="t">
+            <a:normAutofit/>
+          </a:bodyPr>
           <a:lstStyle>
             <a:lvl1pPr marL="0" indent="0">
               <a:buNone/>
-              <a:defRPr sz="2000">
+              <a:defRPr sz="2400">
                 <a:solidFill>
-                  <a:schemeClr val="tx1">
-                    <a:tint val="75000"/>
-                  </a:schemeClr>
+                  <a:schemeClr val="tx2"/>
                 </a:solidFill>
               </a:defRPr>
             </a:lvl1pPr>
@@ -1045,7 +1075,7 @@
       </p:sp>
       <p:sp>
         <p:nvSpPr>
-          <p:cNvPr id="4" name="日期版面配置區 3"/>
+          <p:cNvPr id="4" name="Date Placeholder 3"/>
           <p:cNvSpPr>
             <a:spLocks noGrp="1"/>
           </p:cNvSpPr>
@@ -1068,7 +1098,7 @@
       </p:sp>
       <p:sp>
         <p:nvSpPr>
-          <p:cNvPr id="5" name="頁尾版面配置區 4"/>
+          <p:cNvPr id="5" name="Footer Placeholder 4"/>
           <p:cNvSpPr>
             <a:spLocks noGrp="1"/>
           </p:cNvSpPr>
@@ -1087,7 +1117,7 @@
       </p:sp>
       <p:sp>
         <p:nvSpPr>
-          <p:cNvPr id="6" name="投影片編號版面配置區 5"/>
+          <p:cNvPr id="6" name="Slide Number Placeholder 5"/>
           <p:cNvSpPr>
             <a:spLocks noGrp="1"/>
           </p:cNvSpPr>
@@ -1108,15 +1138,45 @@
           </a:p>
         </p:txBody>
       </p:sp>
+      <p:cxnSp>
+        <p:nvCxnSpPr>
+          <p:cNvPr id="7" name="Straight Connector 6"/>
+          <p:cNvCxnSpPr/>
+          <p:nvPr/>
+        </p:nvCxnSpPr>
+        <p:spPr>
+          <a:xfrm>
+            <a:off x="731520" y="4599432"/>
+            <a:ext cx="7848600" cy="1588"/>
+          </a:xfrm>
+          <a:prstGeom prst="line">
+            <a:avLst/>
+          </a:prstGeom>
+          <a:ln w="19050">
+            <a:solidFill>
+              <a:schemeClr val="tx2"/>
+            </a:solidFill>
+          </a:ln>
+        </p:spPr>
+        <p:style>
+          <a:lnRef idx="1">
+            <a:schemeClr val="accent1"/>
+          </a:lnRef>
+          <a:fillRef idx="0">
+            <a:schemeClr val="accent1"/>
+          </a:fillRef>
+          <a:effectRef idx="0">
+            <a:schemeClr val="accent1"/>
+          </a:effectRef>
+          <a:fontRef idx="minor">
+            <a:schemeClr val="tx1"/>
+          </a:fontRef>
+        </p:style>
+      </p:cxnSp>
     </p:spTree>
-    <p:extLst>
-      <p:ext uri="{BB962C8B-B14F-4D97-AF65-F5344CB8AC3E}">
-        <p14:creationId xmlns:p14="http://schemas.microsoft.com/office/powerpoint/2010/main" val="515802905"/>
-      </p:ext>
-    </p:extLst>
   </p:cSld>
   <p:clrMapOvr>
-    <a:masterClrMapping/>
+    <a:overrideClrMapping bg1="dk1" tx1="lt1" bg2="dk2" tx2="lt2" accent1="accent1" accent2="accent2" accent3="accent3" accent4="accent4" accent5="accent5" accent6="accent6" hlink="hlink" folHlink="folHlink"/>
   </p:clrMapOvr>
 </p:sldLayout>
 </file>
@@ -1140,7 +1200,7 @@
       </p:grpSpPr>
       <p:sp>
         <p:nvSpPr>
-          <p:cNvPr id="2" name="標題 1"/>
+          <p:cNvPr id="2" name="Title 1"/>
           <p:cNvSpPr>
             <a:spLocks noGrp="1"/>
           </p:cNvSpPr>
@@ -1157,13 +1217,13 @@
               <a:rPr lang="zh-TW" altLang="en-US" smtClean="0"/>
               <a:t>按一下以編輯母片標題樣式</a:t>
             </a:r>
-            <a:endParaRPr lang="zh-TW" altLang="en-US"/>
-          </a:p>
-        </p:txBody>
-      </p:sp>
-      <p:sp>
-        <p:nvSpPr>
-          <p:cNvPr id="3" name="內容版面配置區 2"/>
+            <a:endParaRPr lang="en-US"/>
+          </a:p>
+        </p:txBody>
+      </p:sp>
+      <p:sp>
+        <p:nvSpPr>
+          <p:cNvPr id="3" name="Content Placeholder 2"/>
           <p:cNvSpPr>
             <a:spLocks noGrp="1"/>
           </p:cNvSpPr>
@@ -1173,8 +1233,8 @@
         </p:nvSpPr>
         <p:spPr>
           <a:xfrm>
-            <a:off x="457200" y="1600200"/>
-            <a:ext cx="4038600" cy="4525963"/>
+            <a:off x="457200" y="1673352"/>
+            <a:ext cx="4038600" cy="4718304"/>
           </a:xfrm>
         </p:spPr>
         <p:txBody>
@@ -1242,13 +1302,13 @@
               <a:rPr lang="zh-TW" altLang="en-US" smtClean="0"/>
               <a:t>第五層</a:t>
             </a:r>
-            <a:endParaRPr lang="zh-TW" altLang="en-US"/>
-          </a:p>
-        </p:txBody>
-      </p:sp>
-      <p:sp>
-        <p:nvSpPr>
-          <p:cNvPr id="4" name="內容版面配置區 3"/>
+            <a:endParaRPr lang="en-US" dirty="0"/>
+          </a:p>
+        </p:txBody>
+      </p:sp>
+      <p:sp>
+        <p:nvSpPr>
+          <p:cNvPr id="4" name="Content Placeholder 3"/>
           <p:cNvSpPr>
             <a:spLocks noGrp="1"/>
           </p:cNvSpPr>
@@ -1258,8 +1318,8 @@
         </p:nvSpPr>
         <p:spPr>
           <a:xfrm>
-            <a:off x="4648200" y="1600200"/>
-            <a:ext cx="4038600" cy="4525963"/>
+            <a:off x="4648200" y="1673352"/>
+            <a:ext cx="4038600" cy="4718304"/>
           </a:xfrm>
         </p:spPr>
         <p:txBody>
@@ -1327,13 +1387,13 @@
               <a:rPr lang="zh-TW" altLang="en-US" smtClean="0"/>
               <a:t>第五層</a:t>
             </a:r>
-            <a:endParaRPr lang="zh-TW" altLang="en-US"/>
-          </a:p>
-        </p:txBody>
-      </p:sp>
-      <p:sp>
-        <p:nvSpPr>
-          <p:cNvPr id="5" name="日期版面配置區 4"/>
+            <a:endParaRPr lang="en-US" dirty="0"/>
+          </a:p>
+        </p:txBody>
+      </p:sp>
+      <p:sp>
+        <p:nvSpPr>
+          <p:cNvPr id="5" name="Date Placeholder 4"/>
           <p:cNvSpPr>
             <a:spLocks noGrp="1"/>
           </p:cNvSpPr>
@@ -1356,7 +1416,7 @@
       </p:sp>
       <p:sp>
         <p:nvSpPr>
-          <p:cNvPr id="6" name="頁尾版面配置區 5"/>
+          <p:cNvPr id="6" name="Footer Placeholder 5"/>
           <p:cNvSpPr>
             <a:spLocks noGrp="1"/>
           </p:cNvSpPr>
@@ -1375,7 +1435,7 @@
       </p:sp>
       <p:sp>
         <p:nvSpPr>
-          <p:cNvPr id="7" name="投影片編號版面配置區 6"/>
+          <p:cNvPr id="7" name="Slide Number Placeholder 6"/>
           <p:cNvSpPr>
             <a:spLocks noGrp="1"/>
           </p:cNvSpPr>
@@ -1397,11 +1457,6 @@
         </p:txBody>
       </p:sp>
     </p:spTree>
-    <p:extLst>
-      <p:ext uri="{BB962C8B-B14F-4D97-AF65-F5344CB8AC3E}">
-        <p14:creationId xmlns:p14="http://schemas.microsoft.com/office/powerpoint/2010/main" val="2671857101"/>
-      </p:ext>
-    </p:extLst>
   </p:cSld>
   <p:clrMapOvr>
     <a:masterClrMapping/>
@@ -1428,7 +1483,7 @@
       </p:grpSpPr>
       <p:sp>
         <p:nvSpPr>
-          <p:cNvPr id="2" name="標題 1"/>
+          <p:cNvPr id="2" name="Title 1"/>
           <p:cNvSpPr>
             <a:spLocks noGrp="1"/>
           </p:cNvSpPr>
@@ -1449,13 +1504,13 @@
               <a:rPr lang="zh-TW" altLang="en-US" smtClean="0"/>
               <a:t>按一下以編輯母片標題樣式</a:t>
             </a:r>
-            <a:endParaRPr lang="zh-TW" altLang="en-US"/>
-          </a:p>
-        </p:txBody>
-      </p:sp>
-      <p:sp>
-        <p:nvSpPr>
-          <p:cNvPr id="3" name="文字版面配置區 2"/>
+            <a:endParaRPr lang="en-US" dirty="0"/>
+          </a:p>
+        </p:txBody>
+      </p:sp>
+      <p:sp>
+        <p:nvSpPr>
+          <p:cNvPr id="3" name="Text Placeholder 2"/>
           <p:cNvSpPr>
             <a:spLocks noGrp="1"/>
           </p:cNvSpPr>
@@ -1465,16 +1520,39 @@
         </p:nvSpPr>
         <p:spPr>
           <a:xfrm>
-            <a:off x="457200" y="1535113"/>
-            <a:ext cx="4040188" cy="639762"/>
+            <a:off x="457200" y="1676400"/>
+            <a:ext cx="3931920" cy="639762"/>
           </a:xfrm>
+          <a:noFill/>
+          <a:ln>
+            <a:noFill/>
+          </a:ln>
+          <a:effectLst/>
         </p:spPr>
-        <p:txBody>
-          <a:bodyPr anchor="b"/>
+        <p:style>
+          <a:lnRef idx="3">
+            <a:schemeClr val="lt1"/>
+          </a:lnRef>
+          <a:fillRef idx="1">
+            <a:schemeClr val="accent2"/>
+          </a:fillRef>
+          <a:effectRef idx="1">
+            <a:schemeClr val="accent2"/>
+          </a:effectRef>
+          <a:fontRef idx="none"/>
+        </p:style>
+        <p:txBody>
+          <a:bodyPr anchor="ctr">
+            <a:normAutofit/>
+          </a:bodyPr>
           <a:lstStyle>
-            <a:lvl1pPr marL="0" indent="0">
-              <a:buNone/>
-              <a:defRPr sz="2400" b="1"/>
+            <a:lvl1pPr marL="0" indent="0" algn="ctr">
+              <a:buNone/>
+              <a:defRPr sz="2000" b="0">
+                <a:solidFill>
+                  <a:schemeClr val="tx2"/>
+                </a:solidFill>
+              </a:defRPr>
             </a:lvl1pPr>
             <a:lvl2pPr marL="457200" indent="0">
               <a:buNone/>
@@ -1520,7 +1598,7 @@
       </p:sp>
       <p:sp>
         <p:nvSpPr>
-          <p:cNvPr id="4" name="內容版面配置區 3"/>
+          <p:cNvPr id="4" name="Content Placeholder 3"/>
           <p:cNvSpPr>
             <a:spLocks noGrp="1"/>
           </p:cNvSpPr>
@@ -1530,8 +1608,8 @@
         </p:nvSpPr>
         <p:spPr>
           <a:xfrm>
-            <a:off x="457200" y="2174875"/>
-            <a:ext cx="4040188" cy="3951288"/>
+            <a:off x="457200" y="2438400"/>
+            <a:ext cx="3931920" cy="3951288"/>
           </a:xfrm>
         </p:spPr>
         <p:txBody>
@@ -1599,13 +1677,13 @@
               <a:rPr lang="zh-TW" altLang="en-US" smtClean="0"/>
               <a:t>第五層</a:t>
             </a:r>
-            <a:endParaRPr lang="zh-TW" altLang="en-US"/>
-          </a:p>
-        </p:txBody>
-      </p:sp>
-      <p:sp>
-        <p:nvSpPr>
-          <p:cNvPr id="5" name="文字版面配置區 4"/>
+            <a:endParaRPr lang="en-US" dirty="0"/>
+          </a:p>
+        </p:txBody>
+      </p:sp>
+      <p:sp>
+        <p:nvSpPr>
+          <p:cNvPr id="5" name="Text Placeholder 4"/>
           <p:cNvSpPr>
             <a:spLocks noGrp="1"/>
           </p:cNvSpPr>
@@ -1615,16 +1693,42 @@
         </p:nvSpPr>
         <p:spPr>
           <a:xfrm>
-            <a:off x="4645025" y="1535113"/>
-            <a:ext cx="4041775" cy="639762"/>
+            <a:off x="4754880" y="1676400"/>
+            <a:ext cx="3931920" cy="639762"/>
           </a:xfrm>
+          <a:noFill/>
+          <a:ln>
+            <a:noFill/>
+          </a:ln>
+          <a:effectLst/>
         </p:spPr>
-        <p:txBody>
-          <a:bodyPr anchor="b"/>
+        <p:style>
+          <a:lnRef idx="3">
+            <a:schemeClr val="lt1"/>
+          </a:lnRef>
+          <a:fillRef idx="1">
+            <a:schemeClr val="accent2"/>
+          </a:fillRef>
+          <a:effectRef idx="1">
+            <a:schemeClr val="accent2"/>
+          </a:effectRef>
+          <a:fontRef idx="none"/>
+        </p:style>
+        <p:txBody>
+          <a:bodyPr anchor="ctr">
+            <a:normAutofit/>
+          </a:bodyPr>
           <a:lstStyle>
-            <a:lvl1pPr marL="0" indent="0">
-              <a:buNone/>
-              <a:defRPr sz="2400" b="1"/>
+            <a:lvl1pPr marL="0" indent="0" algn="ctr">
+              <a:buNone/>
+              <a:defRPr lang="en-US" sz="2000" b="0" kern="1200" dirty="0" smtClean="0">
+                <a:solidFill>
+                  <a:schemeClr val="tx2"/>
+                </a:solidFill>
+                <a:latin typeface="+mn-lt"/>
+                <a:ea typeface="+mn-ea"/>
+                <a:cs typeface="+mn-cs"/>
+              </a:defRPr>
             </a:lvl1pPr>
             <a:lvl2pPr marL="457200" indent="0">
               <a:buNone/>
@@ -1670,7 +1774,7 @@
       </p:sp>
       <p:sp>
         <p:nvSpPr>
-          <p:cNvPr id="6" name="內容版面配置區 5"/>
+          <p:cNvPr id="6" name="Content Placeholder 5"/>
           <p:cNvSpPr>
             <a:spLocks noGrp="1"/>
           </p:cNvSpPr>
@@ -1680,8 +1784,8 @@
         </p:nvSpPr>
         <p:spPr>
           <a:xfrm>
-            <a:off x="4645025" y="2174875"/>
-            <a:ext cx="4041775" cy="3951288"/>
+            <a:off x="4754880" y="2438400"/>
+            <a:ext cx="3931920" cy="3951288"/>
           </a:xfrm>
         </p:spPr>
         <p:txBody>
@@ -1749,13 +1853,13 @@
               <a:rPr lang="zh-TW" altLang="en-US" smtClean="0"/>
               <a:t>第五層</a:t>
             </a:r>
-            <a:endParaRPr lang="zh-TW" altLang="en-US"/>
-          </a:p>
-        </p:txBody>
-      </p:sp>
-      <p:sp>
-        <p:nvSpPr>
-          <p:cNvPr id="7" name="日期版面配置區 6"/>
+            <a:endParaRPr lang="en-US" dirty="0"/>
+          </a:p>
+        </p:txBody>
+      </p:sp>
+      <p:sp>
+        <p:nvSpPr>
+          <p:cNvPr id="7" name="Date Placeholder 6"/>
           <p:cNvSpPr>
             <a:spLocks noGrp="1"/>
           </p:cNvSpPr>
@@ -1778,7 +1882,7 @@
       </p:sp>
       <p:sp>
         <p:nvSpPr>
-          <p:cNvPr id="8" name="頁尾版面配置區 7"/>
+          <p:cNvPr id="8" name="Footer Placeholder 7"/>
           <p:cNvSpPr>
             <a:spLocks noGrp="1"/>
           </p:cNvSpPr>
@@ -1797,7 +1901,7 @@
       </p:sp>
       <p:sp>
         <p:nvSpPr>
-          <p:cNvPr id="9" name="投影片編號版面配置區 8"/>
+          <p:cNvPr id="9" name="Slide Number Placeholder 8"/>
           <p:cNvSpPr>
             <a:spLocks noGrp="1"/>
           </p:cNvSpPr>
@@ -1818,12 +1922,42 @@
           </a:p>
         </p:txBody>
       </p:sp>
+      <p:cxnSp>
+        <p:nvCxnSpPr>
+          <p:cNvPr id="11" name="Straight Connector 10"/>
+          <p:cNvCxnSpPr/>
+          <p:nvPr/>
+        </p:nvCxnSpPr>
+        <p:spPr>
+          <a:xfrm rot="5400000">
+            <a:off x="2217817" y="4045823"/>
+            <a:ext cx="4709160" cy="794"/>
+          </a:xfrm>
+          <a:prstGeom prst="line">
+            <a:avLst/>
+          </a:prstGeom>
+          <a:ln w="19050">
+            <a:solidFill>
+              <a:schemeClr val="tx2"/>
+            </a:solidFill>
+          </a:ln>
+        </p:spPr>
+        <p:style>
+          <a:lnRef idx="1">
+            <a:schemeClr val="accent1"/>
+          </a:lnRef>
+          <a:fillRef idx="0">
+            <a:schemeClr val="accent1"/>
+          </a:fillRef>
+          <a:effectRef idx="0">
+            <a:schemeClr val="accent1"/>
+          </a:effectRef>
+          <a:fontRef idx="minor">
+            <a:schemeClr val="tx1"/>
+          </a:fontRef>
+        </p:style>
+      </p:cxnSp>
     </p:spTree>
-    <p:extLst>
-      <p:ext uri="{BB962C8B-B14F-4D97-AF65-F5344CB8AC3E}">
-        <p14:creationId xmlns:p14="http://schemas.microsoft.com/office/powerpoint/2010/main" val="3501537477"/>
-      </p:ext>
-    </p:extLst>
   </p:cSld>
   <p:clrMapOvr>
     <a:masterClrMapping/>
@@ -1850,7 +1984,7 @@
       </p:grpSpPr>
       <p:sp>
         <p:nvSpPr>
-          <p:cNvPr id="2" name="標題 1"/>
+          <p:cNvPr id="2" name="Title 1"/>
           <p:cNvSpPr>
             <a:spLocks noGrp="1"/>
           </p:cNvSpPr>
@@ -1867,13 +2001,13 @@
               <a:rPr lang="zh-TW" altLang="en-US" smtClean="0"/>
               <a:t>按一下以編輯母片標題樣式</a:t>
             </a:r>
-            <a:endParaRPr lang="zh-TW" altLang="en-US"/>
-          </a:p>
-        </p:txBody>
-      </p:sp>
-      <p:sp>
-        <p:nvSpPr>
-          <p:cNvPr id="3" name="日期版面配置區 2"/>
+            <a:endParaRPr lang="en-US"/>
+          </a:p>
+        </p:txBody>
+      </p:sp>
+      <p:sp>
+        <p:nvSpPr>
+          <p:cNvPr id="3" name="Date Placeholder 2"/>
           <p:cNvSpPr>
             <a:spLocks noGrp="1"/>
           </p:cNvSpPr>
@@ -1896,7 +2030,7 @@
       </p:sp>
       <p:sp>
         <p:nvSpPr>
-          <p:cNvPr id="4" name="頁尾版面配置區 3"/>
+          <p:cNvPr id="4" name="Footer Placeholder 3"/>
           <p:cNvSpPr>
             <a:spLocks noGrp="1"/>
           </p:cNvSpPr>
@@ -1915,7 +2049,7 @@
       </p:sp>
       <p:sp>
         <p:nvSpPr>
-          <p:cNvPr id="5" name="投影片編號版面配置區 4"/>
+          <p:cNvPr id="5" name="Slide Number Placeholder 4"/>
           <p:cNvSpPr>
             <a:spLocks noGrp="1"/>
           </p:cNvSpPr>
@@ -1937,11 +2071,6 @@
         </p:txBody>
       </p:sp>
     </p:spTree>
-    <p:extLst>
-      <p:ext uri="{BB962C8B-B14F-4D97-AF65-F5344CB8AC3E}">
-        <p14:creationId xmlns:p14="http://schemas.microsoft.com/office/powerpoint/2010/main" val="75974501"/>
-      </p:ext>
-    </p:extLst>
   </p:cSld>
   <p:clrMapOvr>
     <a:masterClrMapping/>
@@ -1968,7 +2097,7 @@
       </p:grpSpPr>
       <p:sp>
         <p:nvSpPr>
-          <p:cNvPr id="2" name="日期版面配置區 1"/>
+          <p:cNvPr id="2" name="Date Placeholder 1"/>
           <p:cNvSpPr>
             <a:spLocks noGrp="1"/>
           </p:cNvSpPr>
@@ -1991,7 +2120,7 @@
       </p:sp>
       <p:sp>
         <p:nvSpPr>
-          <p:cNvPr id="3" name="頁尾版面配置區 2"/>
+          <p:cNvPr id="3" name="Footer Placeholder 2"/>
           <p:cNvSpPr>
             <a:spLocks noGrp="1"/>
           </p:cNvSpPr>
@@ -2010,7 +2139,7 @@
       </p:sp>
       <p:sp>
         <p:nvSpPr>
-          <p:cNvPr id="4" name="投影片編號版面配置區 3"/>
+          <p:cNvPr id="4" name="Slide Number Placeholder 3"/>
           <p:cNvSpPr>
             <a:spLocks noGrp="1"/>
           </p:cNvSpPr>
@@ -2032,11 +2161,6 @@
         </p:txBody>
       </p:sp>
     </p:spTree>
-    <p:extLst>
-      <p:ext uri="{BB962C8B-B14F-4D97-AF65-F5344CB8AC3E}">
-        <p14:creationId xmlns:p14="http://schemas.microsoft.com/office/powerpoint/2010/main" val="1908322560"/>
-      </p:ext>
-    </p:extLst>
   </p:cSld>
   <p:clrMapOvr>
     <a:masterClrMapping/>
@@ -2063,7 +2187,7 @@
       </p:grpSpPr>
       <p:sp>
         <p:nvSpPr>
-          <p:cNvPr id="2" name="標題 1"/>
+          <p:cNvPr id="2" name="Title 1"/>
           <p:cNvSpPr>
             <a:spLocks noGrp="1"/>
           </p:cNvSpPr>
@@ -2073,15 +2197,17 @@
         </p:nvSpPr>
         <p:spPr>
           <a:xfrm>
-            <a:off x="457200" y="273050"/>
-            <a:ext cx="3008313" cy="1162050"/>
+            <a:off x="457200" y="792080"/>
+            <a:ext cx="2139696" cy="1261872"/>
           </a:xfrm>
         </p:spPr>
         <p:txBody>
-          <a:bodyPr anchor="b"/>
+          <a:bodyPr anchor="b">
+            <a:noAutofit/>
+          </a:bodyPr>
           <a:lstStyle>
             <a:lvl1pPr algn="l">
-              <a:defRPr sz="2000" b="1"/>
+              <a:defRPr sz="2400" b="0"/>
             </a:lvl1pPr>
           </a:lstStyle>
           <a:p>
@@ -2089,13 +2215,13 @@
               <a:rPr lang="zh-TW" altLang="en-US" smtClean="0"/>
               <a:t>按一下以編輯母片標題樣式</a:t>
             </a:r>
-            <a:endParaRPr lang="zh-TW" altLang="en-US"/>
-          </a:p>
-        </p:txBody>
-      </p:sp>
-      <p:sp>
-        <p:nvSpPr>
-          <p:cNvPr id="3" name="內容版面配置區 2"/>
+            <a:endParaRPr lang="en-US" dirty="0"/>
+          </a:p>
+        </p:txBody>
+      </p:sp>
+      <p:sp>
+        <p:nvSpPr>
+          <p:cNvPr id="3" name="Content Placeholder 2"/>
           <p:cNvSpPr>
             <a:spLocks noGrp="1"/>
           </p:cNvSpPr>
@@ -2105,8 +2231,8 @@
         </p:nvSpPr>
         <p:spPr>
           <a:xfrm>
-            <a:off x="3575050" y="273050"/>
-            <a:ext cx="5111750" cy="5853113"/>
+            <a:off x="2971800" y="792080"/>
+            <a:ext cx="5715000" cy="5577840"/>
           </a:xfrm>
         </p:spPr>
         <p:txBody>
@@ -2174,13 +2300,13 @@
               <a:rPr lang="zh-TW" altLang="en-US" smtClean="0"/>
               <a:t>第五層</a:t>
             </a:r>
-            <a:endParaRPr lang="zh-TW" altLang="en-US"/>
-          </a:p>
-        </p:txBody>
-      </p:sp>
-      <p:sp>
-        <p:nvSpPr>
-          <p:cNvPr id="4" name="文字版面配置區 3"/>
+            <a:endParaRPr lang="en-US" dirty="0"/>
+          </a:p>
+        </p:txBody>
+      </p:sp>
+      <p:sp>
+        <p:nvSpPr>
+          <p:cNvPr id="4" name="Text Placeholder 3"/>
           <p:cNvSpPr>
             <a:spLocks noGrp="1"/>
           </p:cNvSpPr>
@@ -2190,8 +2316,8 @@
         </p:nvSpPr>
         <p:spPr>
           <a:xfrm>
-            <a:off x="457200" y="1435100"/>
-            <a:ext cx="3008313" cy="4691063"/>
+            <a:off x="457201" y="2130552"/>
+            <a:ext cx="2139696" cy="4243615"/>
           </a:xfrm>
         </p:spPr>
         <p:txBody>
@@ -2245,7 +2371,7 @@
       </p:sp>
       <p:sp>
         <p:nvSpPr>
-          <p:cNvPr id="5" name="日期版面配置區 4"/>
+          <p:cNvPr id="5" name="Date Placeholder 4"/>
           <p:cNvSpPr>
             <a:spLocks noGrp="1"/>
           </p:cNvSpPr>
@@ -2268,7 +2394,7 @@
       </p:sp>
       <p:sp>
         <p:nvSpPr>
-          <p:cNvPr id="6" name="頁尾版面配置區 5"/>
+          <p:cNvPr id="6" name="Footer Placeholder 5"/>
           <p:cNvSpPr>
             <a:spLocks noGrp="1"/>
           </p:cNvSpPr>
@@ -2287,7 +2413,7 @@
       </p:sp>
       <p:sp>
         <p:nvSpPr>
-          <p:cNvPr id="7" name="投影片編號版面配置區 6"/>
+          <p:cNvPr id="7" name="Slide Number Placeholder 6"/>
           <p:cNvSpPr>
             <a:spLocks noGrp="1"/>
           </p:cNvSpPr>
@@ -2308,12 +2434,42 @@
           </a:p>
         </p:txBody>
       </p:sp>
+      <p:cxnSp>
+        <p:nvCxnSpPr>
+          <p:cNvPr id="9" name="Straight Connector 8"/>
+          <p:cNvCxnSpPr/>
+          <p:nvPr/>
+        </p:nvCxnSpPr>
+        <p:spPr>
+          <a:xfrm rot="5400000">
+            <a:off x="-13116" y="3580206"/>
+            <a:ext cx="5577840" cy="1588"/>
+          </a:xfrm>
+          <a:prstGeom prst="line">
+            <a:avLst/>
+          </a:prstGeom>
+          <a:ln w="19050">
+            <a:solidFill>
+              <a:schemeClr val="tx2"/>
+            </a:solidFill>
+          </a:ln>
+        </p:spPr>
+        <p:style>
+          <a:lnRef idx="1">
+            <a:schemeClr val="accent1"/>
+          </a:lnRef>
+          <a:fillRef idx="0">
+            <a:schemeClr val="accent1"/>
+          </a:fillRef>
+          <a:effectRef idx="0">
+            <a:schemeClr val="accent1"/>
+          </a:effectRef>
+          <a:fontRef idx="minor">
+            <a:schemeClr val="tx1"/>
+          </a:fontRef>
+        </p:style>
+      </p:cxnSp>
     </p:spTree>
-    <p:extLst>
-      <p:ext uri="{BB962C8B-B14F-4D97-AF65-F5344CB8AC3E}">
-        <p14:creationId xmlns:p14="http://schemas.microsoft.com/office/powerpoint/2010/main" val="3581213210"/>
-      </p:ext>
-    </p:extLst>
   </p:cSld>
   <p:clrMapOvr>
     <a:masterClrMapping/>
@@ -2340,7 +2496,7 @@
       </p:grpSpPr>
       <p:sp>
         <p:nvSpPr>
-          <p:cNvPr id="2" name="標題 1"/>
+          <p:cNvPr id="2" name="Title 1"/>
           <p:cNvSpPr>
             <a:spLocks noGrp="1"/>
           </p:cNvSpPr>
@@ -2350,15 +2506,17 @@
         </p:nvSpPr>
         <p:spPr>
           <a:xfrm>
-            <a:off x="1792288" y="4800600"/>
-            <a:ext cx="5486400" cy="566738"/>
+            <a:off x="457200" y="792480"/>
+            <a:ext cx="2142680" cy="1264920"/>
           </a:xfrm>
         </p:spPr>
         <p:txBody>
-          <a:bodyPr anchor="b"/>
+          <a:bodyPr anchor="b">
+            <a:normAutofit/>
+          </a:bodyPr>
           <a:lstStyle>
             <a:lvl1pPr algn="l">
-              <a:defRPr sz="2000" b="1"/>
+              <a:defRPr sz="2400" b="0"/>
             </a:lvl1pPr>
           </a:lstStyle>
           <a:p>
@@ -2366,13 +2524,13 @@
               <a:rPr lang="zh-TW" altLang="en-US" smtClean="0"/>
               <a:t>按一下以編輯母片標題樣式</a:t>
             </a:r>
-            <a:endParaRPr lang="zh-TW" altLang="en-US"/>
-          </a:p>
-        </p:txBody>
-      </p:sp>
-      <p:sp>
-        <p:nvSpPr>
-          <p:cNvPr id="3" name="圖片版面配置區 2"/>
+            <a:endParaRPr lang="en-US" dirty="0"/>
+          </a:p>
+        </p:txBody>
+      </p:sp>
+      <p:sp>
+        <p:nvSpPr>
+          <p:cNvPr id="3" name="Picture Placeholder 2"/>
           <p:cNvSpPr>
             <a:spLocks noGrp="1"/>
           </p:cNvSpPr>
@@ -2382,9 +2540,25 @@
         </p:nvSpPr>
         <p:spPr>
           <a:xfrm>
-            <a:off x="1792288" y="612775"/>
-            <a:ext cx="5486400" cy="4114800"/>
+            <a:off x="2858610" y="838201"/>
+            <a:ext cx="5904390" cy="5500456"/>
           </a:xfrm>
+          <a:solidFill>
+            <a:schemeClr val="bg2"/>
+          </a:solidFill>
+          <a:ln w="76200">
+            <a:solidFill>
+              <a:srgbClr val="FFFFFF"/>
+            </a:solidFill>
+            <a:miter lim="800000"/>
+          </a:ln>
+          <a:effectLst>
+            <a:outerShdw blurRad="50800" dist="12700" dir="5400000" algn="t" rotWithShape="0">
+              <a:prstClr val="black">
+                <a:alpha val="59000"/>
+              </a:prstClr>
+            </a:outerShdw>
+          </a:effectLst>
         </p:spPr>
         <p:txBody>
           <a:bodyPr/>
@@ -2427,13 +2601,17 @@
             </a:lvl9pPr>
           </a:lstStyle>
           <a:p>
-            <a:endParaRPr lang="zh-TW" altLang="en-US"/>
-          </a:p>
-        </p:txBody>
-      </p:sp>
-      <p:sp>
-        <p:nvSpPr>
-          <p:cNvPr id="4" name="文字版面配置區 3"/>
+            <a:r>
+              <a:rPr lang="zh-TW" altLang="en-US" smtClean="0"/>
+              <a:t>按一下圖示以新增圖片</a:t>
+            </a:r>
+            <a:endParaRPr lang="en-US" dirty="0"/>
+          </a:p>
+        </p:txBody>
+      </p:sp>
+      <p:sp>
+        <p:nvSpPr>
+          <p:cNvPr id="4" name="Text Placeholder 3"/>
           <p:cNvSpPr>
             <a:spLocks noGrp="1"/>
           </p:cNvSpPr>
@@ -2443,8 +2621,8 @@
         </p:nvSpPr>
         <p:spPr>
           <a:xfrm>
-            <a:off x="1792288" y="5367338"/>
-            <a:ext cx="5486400" cy="804862"/>
+            <a:off x="457200" y="2133600"/>
+            <a:ext cx="2139696" cy="4242816"/>
           </a:xfrm>
         </p:spPr>
         <p:txBody>
@@ -2498,7 +2676,7 @@
       </p:sp>
       <p:sp>
         <p:nvSpPr>
-          <p:cNvPr id="5" name="日期版面配置區 4"/>
+          <p:cNvPr id="5" name="Date Placeholder 4"/>
           <p:cNvSpPr>
             <a:spLocks noGrp="1"/>
           </p:cNvSpPr>
@@ -2521,7 +2699,7 @@
       </p:sp>
       <p:sp>
         <p:nvSpPr>
-          <p:cNvPr id="6" name="頁尾版面配置區 5"/>
+          <p:cNvPr id="6" name="Footer Placeholder 5"/>
           <p:cNvSpPr>
             <a:spLocks noGrp="1"/>
           </p:cNvSpPr>
@@ -2540,7 +2718,7 @@
       </p:sp>
       <p:sp>
         <p:nvSpPr>
-          <p:cNvPr id="7" name="投影片編號版面配置區 6"/>
+          <p:cNvPr id="7" name="Slide Number Placeholder 6"/>
           <p:cNvSpPr>
             <a:spLocks noGrp="1"/>
           </p:cNvSpPr>
@@ -2562,11 +2740,6 @@
         </p:txBody>
       </p:sp>
     </p:spTree>
-    <p:extLst>
-      <p:ext uri="{BB962C8B-B14F-4D97-AF65-F5344CB8AC3E}">
-        <p14:creationId xmlns:p14="http://schemas.microsoft.com/office/powerpoint/2010/main" val="1392644386"/>
-      </p:ext>
-    </p:extLst>
   </p:cSld>
   <p:clrMapOvr>
     <a:masterClrMapping/>
@@ -2598,18 +2771,64 @@
       </p:grpSpPr>
       <p:sp>
         <p:nvSpPr>
-          <p:cNvPr id="2" name="標題版面配置區 1"/>
-          <p:cNvSpPr>
-            <a:spLocks noGrp="1"/>
-          </p:cNvSpPr>
-          <p:nvPr>
-            <p:ph type="title"/>
-          </p:nvPr>
+          <p:cNvPr id="10" name="Rectangle 9"/>
+          <p:cNvSpPr/>
+          <p:nvPr/>
         </p:nvSpPr>
         <p:spPr>
           <a:xfrm>
-            <a:off x="457200" y="274638"/>
-            <a:ext cx="8229600" cy="1143000"/>
+            <a:off x="0" y="220786"/>
+            <a:ext cx="9144000" cy="228600"/>
+          </a:xfrm>
+          <a:prstGeom prst="rect">
+            <a:avLst/>
+          </a:prstGeom>
+          <a:solidFill>
+            <a:srgbClr val="FFFFFF"/>
+          </a:solidFill>
+          <a:ln>
+            <a:noFill/>
+          </a:ln>
+        </p:spPr>
+        <p:style>
+          <a:lnRef idx="2">
+            <a:schemeClr val="accent1">
+              <a:shade val="50000"/>
+            </a:schemeClr>
+          </a:lnRef>
+          <a:fillRef idx="1">
+            <a:schemeClr val="accent1"/>
+          </a:fillRef>
+          <a:effectRef idx="0">
+            <a:schemeClr val="accent1"/>
+          </a:effectRef>
+          <a:fontRef idx="minor">
+            <a:schemeClr val="lt1"/>
+          </a:fontRef>
+        </p:style>
+        <p:txBody>
+          <a:bodyPr rtlCol="0" anchor="ctr"/>
+          <a:lstStyle/>
+          <a:p>
+            <a:pPr algn="ctr"/>
+            <a:endParaRPr lang="en-US"/>
+          </a:p>
+        </p:txBody>
+      </p:sp>
+      <p:sp>
+        <p:nvSpPr>
+          <p:cNvPr id="2" name="Title Placeholder 1"/>
+          <p:cNvSpPr>
+            <a:spLocks noGrp="1"/>
+          </p:cNvSpPr>
+          <p:nvPr>
+            <p:ph type="title"/>
+          </p:nvPr>
+        </p:nvSpPr>
+        <p:spPr>
+          <a:xfrm>
+            <a:off x="457200" y="533400"/>
+            <a:ext cx="8229600" cy="990600"/>
           </a:xfrm>
           <a:prstGeom prst="rect">
             <a:avLst/>
@@ -2625,13 +2844,13 @@
               <a:rPr lang="zh-TW" altLang="en-US" smtClean="0"/>
               <a:t>按一下以編輯母片標題樣式</a:t>
             </a:r>
-            <a:endParaRPr lang="zh-TW" altLang="en-US"/>
-          </a:p>
-        </p:txBody>
-      </p:sp>
-      <p:sp>
-        <p:nvSpPr>
-          <p:cNvPr id="3" name="文字版面配置區 2"/>
+            <a:endParaRPr lang="en-US" dirty="0"/>
+          </a:p>
+        </p:txBody>
+      </p:sp>
+      <p:sp>
+        <p:nvSpPr>
+          <p:cNvPr id="3" name="Text Placeholder 2"/>
           <p:cNvSpPr>
             <a:spLocks noGrp="1"/>
           </p:cNvSpPr>
@@ -2642,7 +2861,7 @@
         <p:spPr>
           <a:xfrm>
             <a:off x="457200" y="1600200"/>
-            <a:ext cx="8229600" cy="4525963"/>
+            <a:ext cx="8229600" cy="4876800"/>
           </a:xfrm>
           <a:prstGeom prst="rect">
             <a:avLst/>
@@ -2687,24 +2906,70 @@
               <a:rPr lang="zh-TW" altLang="en-US" smtClean="0"/>
               <a:t>第五層</a:t>
             </a:r>
-            <a:endParaRPr lang="zh-TW" altLang="en-US"/>
-          </a:p>
-        </p:txBody>
-      </p:sp>
-      <p:sp>
-        <p:nvSpPr>
-          <p:cNvPr id="4" name="日期版面配置區 3"/>
-          <p:cNvSpPr>
-            <a:spLocks noGrp="1"/>
-          </p:cNvSpPr>
-          <p:nvPr>
-            <p:ph type="dt" sz="half" idx="2"/>
-          </p:nvPr>
+            <a:endParaRPr lang="en-US" dirty="0"/>
+          </a:p>
+        </p:txBody>
+      </p:sp>
+      <p:sp>
+        <p:nvSpPr>
+          <p:cNvPr id="7" name="Rectangle 6"/>
+          <p:cNvSpPr/>
+          <p:nvPr/>
         </p:nvSpPr>
         <p:spPr>
           <a:xfrm>
-            <a:off x="457200" y="6356350"/>
-            <a:ext cx="2133600" cy="365125"/>
+            <a:off x="0" y="0"/>
+            <a:ext cx="9144000" cy="365760"/>
+          </a:xfrm>
+          <a:prstGeom prst="rect">
+            <a:avLst/>
+          </a:prstGeom>
+          <a:solidFill>
+            <a:schemeClr val="accent1"/>
+          </a:solidFill>
+          <a:ln>
+            <a:noFill/>
+          </a:ln>
+        </p:spPr>
+        <p:style>
+          <a:lnRef idx="2">
+            <a:schemeClr val="accent1">
+              <a:shade val="50000"/>
+            </a:schemeClr>
+          </a:lnRef>
+          <a:fillRef idx="1">
+            <a:schemeClr val="accent1"/>
+          </a:fillRef>
+          <a:effectRef idx="0">
+            <a:schemeClr val="accent1"/>
+          </a:effectRef>
+          <a:fontRef idx="minor">
+            <a:schemeClr val="lt1"/>
+          </a:fontRef>
+        </p:style>
+        <p:txBody>
+          <a:bodyPr rtlCol="0" anchor="ctr"/>
+          <a:lstStyle/>
+          <a:p>
+            <a:pPr algn="ctr"/>
+            <a:endParaRPr lang="en-US"/>
+          </a:p>
+        </p:txBody>
+      </p:sp>
+      <p:sp>
+        <p:nvSpPr>
+          <p:cNvPr id="4" name="Date Placeholder 3"/>
+          <p:cNvSpPr>
+            <a:spLocks noGrp="1"/>
+          </p:cNvSpPr>
+          <p:nvPr>
+            <p:ph type="dt" sz="half" idx="2"/>
+          </p:nvPr>
+        </p:nvSpPr>
+        <p:spPr>
+          <a:xfrm>
+            <a:off x="457200" y="18288"/>
+            <a:ext cx="2895600" cy="329184"/>
           </a:xfrm>
           <a:prstGeom prst="rect">
             <a:avLst/>
@@ -2716,9 +2981,7 @@
             <a:lvl1pPr algn="l">
               <a:defRPr sz="1200">
                 <a:solidFill>
-                  <a:schemeClr val="tx1">
-                    <a:tint val="75000"/>
-                  </a:schemeClr>
+                  <a:srgbClr val="FFFFFF"/>
                 </a:solidFill>
               </a:defRPr>
             </a:lvl1pPr>
@@ -2734,7 +2997,7 @@
       </p:sp>
       <p:sp>
         <p:nvSpPr>
-          <p:cNvPr id="5" name="頁尾版面配置區 4"/>
+          <p:cNvPr id="5" name="Footer Placeholder 4"/>
           <p:cNvSpPr>
             <a:spLocks noGrp="1"/>
           </p:cNvSpPr>
@@ -2744,8 +3007,8 @@
         </p:nvSpPr>
         <p:spPr>
           <a:xfrm>
-            <a:off x="3124200" y="6356350"/>
-            <a:ext cx="2895600" cy="365125"/>
+            <a:off x="3429000" y="18288"/>
+            <a:ext cx="4114800" cy="329184"/>
           </a:xfrm>
           <a:prstGeom prst="rect">
             <a:avLst/>
@@ -2757,9 +3020,7 @@
             <a:lvl1pPr algn="ctr">
               <a:defRPr sz="1200">
                 <a:solidFill>
-                  <a:schemeClr val="tx1">
-                    <a:tint val="75000"/>
-                  </a:schemeClr>
+                  <a:srgbClr val="FFFFFF"/>
                 </a:solidFill>
               </a:defRPr>
             </a:lvl1pPr>
@@ -2771,7 +3032,7 @@
       </p:sp>
       <p:sp>
         <p:nvSpPr>
-          <p:cNvPr id="6" name="投影片編號版面配置區 5"/>
+          <p:cNvPr id="6" name="Slide Number Placeholder 5"/>
           <p:cNvSpPr>
             <a:spLocks noGrp="1"/>
           </p:cNvSpPr>
@@ -2781,8 +3042,8 @@
         </p:nvSpPr>
         <p:spPr>
           <a:xfrm>
-            <a:off x="6553200" y="6356350"/>
-            <a:ext cx="2133600" cy="365125"/>
+            <a:off x="7620000" y="18288"/>
+            <a:ext cx="1066800" cy="329184"/>
           </a:xfrm>
           <a:prstGeom prst="rect">
             <a:avLst/>
@@ -2791,12 +3052,10 @@
         <p:txBody>
           <a:bodyPr vert="horz" lIns="91440" tIns="45720" rIns="91440" bIns="45720" rtlCol="0" anchor="ctr"/>
           <a:lstStyle>
-            <a:lvl1pPr algn="r">
-              <a:defRPr sz="1200">
+            <a:lvl1pPr algn="l">
+              <a:defRPr sz="1400" b="1">
                 <a:solidFill>
-                  <a:schemeClr val="tx1">
-                    <a:tint val="75000"/>
-                  </a:schemeClr>
+                  <a:srgbClr val="FFFFFF"/>
                 </a:solidFill>
               </a:defRPr>
             </a:lvl1pPr>
@@ -2811,36 +3070,31 @@
         </p:txBody>
       </p:sp>
     </p:spTree>
-    <p:extLst>
-      <p:ext uri="{BB962C8B-B14F-4D97-AF65-F5344CB8AC3E}">
-        <p14:creationId xmlns:p14="http://schemas.microsoft.com/office/powerpoint/2010/main" val="4206592589"/>
-      </p:ext>
-    </p:extLst>
   </p:cSld>
   <p:clrMap bg1="lt1" tx1="dk1" bg2="lt2" tx2="dk2" accent1="accent1" accent2="accent2" accent3="accent3" accent4="accent4" accent5="accent5" accent6="accent6" hlink="hlink" folHlink="folHlink"/>
   <p:sldLayoutIdLst>
-    <p:sldLayoutId id="2147483649" r:id="rId1"/>
-    <p:sldLayoutId id="2147483650" r:id="rId2"/>
-    <p:sldLayoutId id="2147483651" r:id="rId3"/>
-    <p:sldLayoutId id="2147483652" r:id="rId4"/>
-    <p:sldLayoutId id="2147483653" r:id="rId5"/>
-    <p:sldLayoutId id="2147483654" r:id="rId6"/>
-    <p:sldLayoutId id="2147483655" r:id="rId7"/>
-    <p:sldLayoutId id="2147483656" r:id="rId8"/>
-    <p:sldLayoutId id="2147483657" r:id="rId9"/>
-    <p:sldLayoutId id="2147483658" r:id="rId10"/>
-    <p:sldLayoutId id="2147483659" r:id="rId11"/>
+    <p:sldLayoutId id="2147483661" r:id="rId1"/>
+    <p:sldLayoutId id="2147483662" r:id="rId2"/>
+    <p:sldLayoutId id="2147483663" r:id="rId3"/>
+    <p:sldLayoutId id="2147483664" r:id="rId4"/>
+    <p:sldLayoutId id="2147483665" r:id="rId5"/>
+    <p:sldLayoutId id="2147483666" r:id="rId6"/>
+    <p:sldLayoutId id="2147483667" r:id="rId7"/>
+    <p:sldLayoutId id="2147483668" r:id="rId8"/>
+    <p:sldLayoutId id="2147483669" r:id="rId9"/>
+    <p:sldLayoutId id="2147483670" r:id="rId10"/>
+    <p:sldLayoutId id="2147483671" r:id="rId11"/>
   </p:sldLayoutIdLst>
   <p:txStyles>
     <p:titleStyle>
-      <a:lvl1pPr algn="ctr" defTabSz="914400" rtl="0" eaLnBrk="1" latinLnBrk="0" hangingPunct="1">
+      <a:lvl1pPr algn="l" defTabSz="914400" rtl="0" eaLnBrk="1" latinLnBrk="0" hangingPunct="1">
         <a:spcBef>
           <a:spcPct val="0"/>
         </a:spcBef>
         <a:buNone/>
-        <a:defRPr sz="4400" kern="1200">
+        <a:defRPr sz="4000" kern="1200" spc="-100" baseline="0">
           <a:solidFill>
-            <a:schemeClr val="tx1"/>
+            <a:schemeClr val="tx2"/>
           </a:solidFill>
           <a:latin typeface="+mj-lt"/>
           <a:ea typeface="+mj-ea"/>
@@ -2849,41 +3103,15 @@
       </a:lvl1pPr>
     </p:titleStyle>
     <p:bodyStyle>
-      <a:lvl1pPr marL="342900" indent="-342900" algn="l" defTabSz="914400" rtl="0" eaLnBrk="1" latinLnBrk="0" hangingPunct="1">
+      <a:lvl1pPr marL="182880" indent="-182880" algn="l" defTabSz="914400" rtl="0" eaLnBrk="1" latinLnBrk="0" hangingPunct="1">
         <a:spcBef>
           <a:spcPct val="20000"/>
         </a:spcBef>
-        <a:buFont typeface="Arial" panose="020B0604020202020204" pitchFamily="34" charset="0"/>
-        <a:buChar char="•"/>
-        <a:defRPr sz="3200" kern="1200">
-          <a:solidFill>
-            <a:schemeClr val="tx1"/>
-          </a:solidFill>
-          <a:latin typeface="+mn-lt"/>
-          <a:ea typeface="+mn-ea"/>
-          <a:cs typeface="+mn-cs"/>
-        </a:defRPr>
-      </a:lvl1pPr>
-      <a:lvl2pPr marL="742950" indent="-285750" algn="l" defTabSz="914400" rtl="0" eaLnBrk="1" latinLnBrk="0" hangingPunct="1">
-        <a:spcBef>
-          <a:spcPct val="20000"/>
-        </a:spcBef>
-        <a:buFont typeface="Arial" panose="020B0604020202020204" pitchFamily="34" charset="0"/>
-        <a:buChar char="–"/>
-        <a:defRPr sz="2800" kern="1200">
-          <a:solidFill>
-            <a:schemeClr val="tx1"/>
-          </a:solidFill>
-          <a:latin typeface="+mn-lt"/>
-          <a:ea typeface="+mn-ea"/>
-          <a:cs typeface="+mn-cs"/>
-        </a:defRPr>
-      </a:lvl2pPr>
-      <a:lvl3pPr marL="1143000" indent="-228600" algn="l" defTabSz="914400" rtl="0" eaLnBrk="1" latinLnBrk="0" hangingPunct="1">
-        <a:spcBef>
-          <a:spcPct val="20000"/>
-        </a:spcBef>
-        <a:buFont typeface="Arial" panose="020B0604020202020204" pitchFamily="34" charset="0"/>
+        <a:buClr>
+          <a:schemeClr val="accent1"/>
+        </a:buClr>
+        <a:buSzPct val="85000"/>
+        <a:buFont typeface="Arial" pitchFamily="34" charset="0"/>
         <a:buChar char="•"/>
         <a:defRPr sz="2400" kern="1200">
           <a:solidFill>
@@ -2893,42 +3121,16 @@
           <a:ea typeface="+mn-ea"/>
           <a:cs typeface="+mn-cs"/>
         </a:defRPr>
-      </a:lvl3pPr>
-      <a:lvl4pPr marL="1600200" indent="-228600" algn="l" defTabSz="914400" rtl="0" eaLnBrk="1" latinLnBrk="0" hangingPunct="1">
+      </a:lvl1pPr>
+      <a:lvl2pPr marL="457200" indent="-182880" algn="l" defTabSz="914400" rtl="0" eaLnBrk="1" latinLnBrk="0" hangingPunct="1">
         <a:spcBef>
           <a:spcPct val="20000"/>
         </a:spcBef>
-        <a:buFont typeface="Arial" panose="020B0604020202020204" pitchFamily="34" charset="0"/>
-        <a:buChar char="–"/>
-        <a:defRPr sz="2000" kern="1200">
-          <a:solidFill>
-            <a:schemeClr val="tx1"/>
-          </a:solidFill>
-          <a:latin typeface="+mn-lt"/>
-          <a:ea typeface="+mn-ea"/>
-          <a:cs typeface="+mn-cs"/>
-        </a:defRPr>
-      </a:lvl4pPr>
-      <a:lvl5pPr marL="2057400" indent="-228600" algn="l" defTabSz="914400" rtl="0" eaLnBrk="1" latinLnBrk="0" hangingPunct="1">
-        <a:spcBef>
-          <a:spcPct val="20000"/>
-        </a:spcBef>
-        <a:buFont typeface="Arial" panose="020B0604020202020204" pitchFamily="34" charset="0"/>
-        <a:buChar char="»"/>
-        <a:defRPr sz="2000" kern="1200">
-          <a:solidFill>
-            <a:schemeClr val="tx1"/>
-          </a:solidFill>
-          <a:latin typeface="+mn-lt"/>
-          <a:ea typeface="+mn-ea"/>
-          <a:cs typeface="+mn-cs"/>
-        </a:defRPr>
-      </a:lvl5pPr>
-      <a:lvl6pPr marL="2514600" indent="-228600" algn="l" defTabSz="914400" rtl="0" eaLnBrk="1" latinLnBrk="0" hangingPunct="1">
-        <a:spcBef>
-          <a:spcPct val="20000"/>
-        </a:spcBef>
-        <a:buFont typeface="Arial" panose="020B0604020202020204" pitchFamily="34" charset="0"/>
+        <a:buClr>
+          <a:schemeClr val="accent1"/>
+        </a:buClr>
+        <a:buSzPct val="85000"/>
+        <a:buFont typeface="Arial" pitchFamily="34" charset="0"/>
         <a:buChar char="•"/>
         <a:defRPr sz="2000" kern="1200">
           <a:solidFill>
@@ -2938,14 +3140,91 @@
           <a:ea typeface="+mn-ea"/>
           <a:cs typeface="+mn-cs"/>
         </a:defRPr>
-      </a:lvl6pPr>
-      <a:lvl7pPr marL="2971800" indent="-228600" algn="l" defTabSz="914400" rtl="0" eaLnBrk="1" latinLnBrk="0" hangingPunct="1">
+      </a:lvl2pPr>
+      <a:lvl3pPr marL="731520" indent="-182880" algn="l" defTabSz="914400" rtl="0" eaLnBrk="1" latinLnBrk="0" hangingPunct="1">
         <a:spcBef>
           <a:spcPct val="20000"/>
         </a:spcBef>
-        <a:buFont typeface="Arial" panose="020B0604020202020204" pitchFamily="34" charset="0"/>
+        <a:buClr>
+          <a:schemeClr val="accent1"/>
+        </a:buClr>
+        <a:buSzPct val="90000"/>
+        <a:buFont typeface="Arial" pitchFamily="34" charset="0"/>
         <a:buChar char="•"/>
-        <a:defRPr sz="2000" kern="1200">
+        <a:defRPr sz="1800" kern="1200">
+          <a:solidFill>
+            <a:schemeClr val="tx1"/>
+          </a:solidFill>
+          <a:latin typeface="+mn-lt"/>
+          <a:ea typeface="+mn-ea"/>
+          <a:cs typeface="+mn-cs"/>
+        </a:defRPr>
+      </a:lvl3pPr>
+      <a:lvl4pPr marL="1005840" indent="-182880" algn="l" defTabSz="914400" rtl="0" eaLnBrk="1" latinLnBrk="0" hangingPunct="1">
+        <a:spcBef>
+          <a:spcPct val="20000"/>
+        </a:spcBef>
+        <a:buClr>
+          <a:schemeClr val="accent1"/>
+        </a:buClr>
+        <a:buFont typeface="Arial" pitchFamily="34" charset="0"/>
+        <a:buChar char="•"/>
+        <a:defRPr sz="1600" kern="1200">
+          <a:solidFill>
+            <a:schemeClr val="tx1"/>
+          </a:solidFill>
+          <a:latin typeface="+mn-lt"/>
+          <a:ea typeface="+mn-ea"/>
+          <a:cs typeface="+mn-cs"/>
+        </a:defRPr>
+      </a:lvl4pPr>
+      <a:lvl5pPr marL="1188720" indent="-137160" algn="l" defTabSz="914400" rtl="0" eaLnBrk="1" latinLnBrk="0" hangingPunct="1">
+        <a:spcBef>
+          <a:spcPct val="20000"/>
+        </a:spcBef>
+        <a:buClr>
+          <a:schemeClr val="accent1"/>
+        </a:buClr>
+        <a:buSzPct val="100000"/>
+        <a:buFont typeface="Arial" pitchFamily="34" charset="0"/>
+        <a:buChar char="•"/>
+        <a:defRPr sz="1400" kern="1200" baseline="0">
+          <a:solidFill>
+            <a:schemeClr val="tx1"/>
+          </a:solidFill>
+          <a:latin typeface="+mn-lt"/>
+          <a:ea typeface="+mn-ea"/>
+          <a:cs typeface="+mn-cs"/>
+        </a:defRPr>
+      </a:lvl5pPr>
+      <a:lvl6pPr marL="1371600" indent="-182880" algn="l" defTabSz="914400" rtl="0" eaLnBrk="1" latinLnBrk="0" hangingPunct="1">
+        <a:spcBef>
+          <a:spcPct val="20000"/>
+        </a:spcBef>
+        <a:buClr>
+          <a:schemeClr val="accent1"/>
+        </a:buClr>
+        <a:buFont typeface="Arial" pitchFamily="34" charset="0"/>
+        <a:buChar char="•"/>
+        <a:defRPr sz="1300" kern="1200">
+          <a:solidFill>
+            <a:schemeClr val="tx1"/>
+          </a:solidFill>
+          <a:latin typeface="+mn-lt"/>
+          <a:ea typeface="+mn-ea"/>
+          <a:cs typeface="+mn-cs"/>
+        </a:defRPr>
+      </a:lvl6pPr>
+      <a:lvl7pPr marL="1554480" indent="-182880" algn="l" defTabSz="914400" rtl="0" eaLnBrk="1" latinLnBrk="0" hangingPunct="1">
+        <a:spcBef>
+          <a:spcPct val="20000"/>
+        </a:spcBef>
+        <a:buClr>
+          <a:schemeClr val="accent1"/>
+        </a:buClr>
+        <a:buFont typeface="Arial" pitchFamily="34" charset="0"/>
+        <a:buChar char="•"/>
+        <a:defRPr sz="1300" kern="1200">
           <a:solidFill>
             <a:schemeClr val="tx1"/>
           </a:solidFill>
@@ -2954,13 +3233,16 @@
           <a:cs typeface="+mn-cs"/>
         </a:defRPr>
       </a:lvl7pPr>
-      <a:lvl8pPr marL="3429000" indent="-228600" algn="l" defTabSz="914400" rtl="0" eaLnBrk="1" latinLnBrk="0" hangingPunct="1">
+      <a:lvl8pPr marL="1737360" indent="-182880" algn="l" defTabSz="914400" rtl="0" eaLnBrk="1" latinLnBrk="0" hangingPunct="1">
         <a:spcBef>
           <a:spcPct val="20000"/>
         </a:spcBef>
-        <a:buFont typeface="Arial" panose="020B0604020202020204" pitchFamily="34" charset="0"/>
+        <a:buClr>
+          <a:schemeClr val="accent1"/>
+        </a:buClr>
+        <a:buFont typeface="Arial" pitchFamily="34" charset="0"/>
         <a:buChar char="•"/>
-        <a:defRPr sz="2000" kern="1200">
+        <a:defRPr sz="1300" kern="1200">
           <a:solidFill>
             <a:schemeClr val="tx1"/>
           </a:solidFill>
@@ -2969,13 +3251,16 @@
           <a:cs typeface="+mn-cs"/>
         </a:defRPr>
       </a:lvl8pPr>
-      <a:lvl9pPr marL="3886200" indent="-228600" algn="l" defTabSz="914400" rtl="0" eaLnBrk="1" latinLnBrk="0" hangingPunct="1">
+      <a:lvl9pPr marL="1920240" indent="-182880" algn="l" defTabSz="914400" rtl="0" eaLnBrk="1" latinLnBrk="0" hangingPunct="1">
         <a:spcBef>
           <a:spcPct val="20000"/>
         </a:spcBef>
-        <a:buFont typeface="Arial" panose="020B0604020202020204" pitchFamily="34" charset="0"/>
+        <a:buClr>
+          <a:schemeClr val="accent1"/>
+        </a:buClr>
+        <a:buFont typeface="Arial" pitchFamily="34" charset="0"/>
         <a:buChar char="•"/>
-        <a:defRPr sz="2000" kern="1200">
+        <a:defRPr sz="1300" kern="1200">
           <a:solidFill>
             <a:schemeClr val="tx1"/>
           </a:solidFill>
@@ -2987,7 +3272,7 @@
     </p:bodyStyle>
     <p:otherStyle>
       <a:defPPr>
-        <a:defRPr lang="zh-TW"/>
+        <a:defRPr lang="en-US"/>
       </a:defPPr>
       <a:lvl1pPr marL="0" algn="l" defTabSz="914400" rtl="0" eaLnBrk="1" latinLnBrk="0" hangingPunct="1">
         <a:defRPr sz="1800" kern="1200">
@@ -3138,7 +3423,7 @@
         </p:nvSpPr>
         <p:spPr>
           <a:xfrm>
-            <a:off x="3059832" y="5171977"/>
+            <a:off x="4499992" y="5445224"/>
             <a:ext cx="6264696" cy="1680592"/>
           </a:xfrm>
         </p:spPr>
@@ -3214,12 +3499,20 @@
             <p:ph type="title"/>
           </p:nvPr>
         </p:nvSpPr>
-        <p:spPr/>
-        <p:txBody>
-          <a:bodyPr/>
-          <a:lstStyle/>
-          <a:p>
-            <a:endParaRPr lang="zh-TW" altLang="en-US"/>
+        <p:spPr>
+          <a:xfrm>
+            <a:off x="539552" y="980728"/>
+            <a:ext cx="8229600" cy="990600"/>
+          </a:xfrm>
+        </p:spPr>
+        <p:txBody>
+          <a:bodyPr/>
+          <a:lstStyle/>
+          <a:p>
+            <a:r>
+              <a:rPr lang="zh-TW" altLang="en-US" dirty="0"/>
+              <a:t>背景</a:t>
+            </a:r>
           </a:p>
         </p:txBody>
       </p:sp>
@@ -3233,7 +3526,12 @@
             <p:ph idx="1"/>
           </p:nvPr>
         </p:nvSpPr>
-        <p:spPr/>
+        <p:spPr>
+          <a:xfrm>
+            <a:off x="611560" y="2636912"/>
+            <a:ext cx="7272808" cy="4012704"/>
+          </a:xfrm>
+        </p:spPr>
         <p:txBody>
           <a:bodyPr/>
           <a:lstStyle/>
@@ -3481,25 +3779,6 @@
       </p:grpSpPr>
       <p:sp>
         <p:nvSpPr>
-          <p:cNvPr id="2" name="標題 1"/>
-          <p:cNvSpPr>
-            <a:spLocks noGrp="1"/>
-          </p:cNvSpPr>
-          <p:nvPr>
-            <p:ph type="title"/>
-          </p:nvPr>
-        </p:nvSpPr>
-        <p:spPr/>
-        <p:txBody>
-          <a:bodyPr/>
-          <a:lstStyle/>
-          <a:p>
-            <a:endParaRPr lang="zh-TW" altLang="en-US"/>
-          </a:p>
-        </p:txBody>
-      </p:sp>
-      <p:sp>
-        <p:nvSpPr>
           <p:cNvPr id="3" name="內容版面配置區 2"/>
           <p:cNvSpPr>
             <a:spLocks noGrp="1"/>
@@ -3727,8 +4006,16 @@
             </a:r>
             <a:r>
               <a:rPr lang="zh-TW" altLang="zh-TW" dirty="0"/>
-              <a:t>建立 測試效果好 的模型，並每日觀察</a:t>
-            </a:r>
+              <a:t>建立 測試效果好 的模型，並每日</a:t>
+            </a:r>
+            <a:r>
+              <a:rPr lang="zh-TW" altLang="zh-TW" dirty="0" smtClean="0"/>
+              <a:t>觀察</a:t>
+            </a:r>
+            <a:endParaRPr lang="en-US" altLang="zh-TW" dirty="0" smtClean="0"/>
+          </a:p>
+          <a:p>
+            <a:endParaRPr lang="zh-TW" altLang="zh-TW" dirty="0"/>
           </a:p>
           <a:p>
             <a:r>
@@ -3869,7 +4156,7 @@
             </a:r>
             <a:r>
               <a:rPr lang="zh-TW" altLang="en-US" dirty="0" smtClean="0"/>
-              <a:t>的交易者多</a:t>
+              <a:t>的交易者多，資料參雜他們的噪聲</a:t>
             </a:r>
             <a:endParaRPr lang="zh-TW" altLang="en-US" dirty="0"/>
           </a:p>
@@ -3965,18 +4252,18 @@
           <a:lstStyle/>
           <a:p>
             <a:r>
-              <a:rPr lang="zh-TW" altLang="en-US" dirty="0" smtClean="0"/>
+              <a:rPr lang="zh-TW" altLang="en-US" sz="2800" dirty="0" smtClean="0"/>
               <a:t>川普 </a:t>
             </a:r>
             <a:r>
-              <a:rPr lang="en-US" altLang="zh-TW" dirty="0" smtClean="0"/>
+              <a:rPr lang="en-US" altLang="zh-TW" sz="2800" dirty="0" smtClean="0"/>
               <a:t>twitter </a:t>
             </a:r>
             <a:r>
-              <a:rPr lang="zh-TW" altLang="en-US" dirty="0" smtClean="0"/>
+              <a:rPr lang="zh-TW" altLang="en-US" sz="2800" dirty="0" smtClean="0"/>
               <a:t>敏感字眼影響波動巨大</a:t>
             </a:r>
-            <a:endParaRPr lang="en-US" altLang="zh-TW" dirty="0" smtClean="0"/>
+            <a:endParaRPr lang="en-US" altLang="zh-TW" sz="2800" dirty="0" smtClean="0"/>
           </a:p>
           <a:p>
             <a:endParaRPr lang="en-US" altLang="zh-TW" dirty="0" smtClean="0"/>
@@ -3997,7 +4284,23 @@
           <a:p>
             <a:r>
               <a:rPr lang="zh-TW" altLang="en-US" dirty="0" smtClean="0"/>
-              <a:t>有份量的市場交易者 不會受到 新聞的影響</a:t>
+              <a:t>有份量的市場交易者</a:t>
+            </a:r>
+            <a:r>
+              <a:rPr lang="en-US" altLang="zh-TW" dirty="0" smtClean="0"/>
+              <a:t>(</a:t>
+            </a:r>
+            <a:r>
+              <a:rPr lang="zh-TW" altLang="en-US" dirty="0" smtClean="0"/>
+              <a:t>法人</a:t>
+            </a:r>
+            <a:r>
+              <a:rPr lang="en-US" altLang="zh-TW" dirty="0" smtClean="0"/>
+              <a:t>)</a:t>
+            </a:r>
+            <a:r>
+              <a:rPr lang="zh-TW" altLang="en-US" dirty="0" smtClean="0"/>
+              <a:t> 不會受到 新聞的影響</a:t>
             </a:r>
             <a:endParaRPr lang="zh-TW" altLang="en-US" dirty="0"/>
           </a:p>
@@ -4023,39 +4326,110 @@
 </p:sld>
 </file>
 
+<file path=ppt/slides/slide8.xml><?xml version="1.0" encoding="utf-8"?>
+<p:sld xmlns:a="http://schemas.openxmlformats.org/drawingml/2006/main" xmlns:r="http://schemas.openxmlformats.org/officeDocument/2006/relationships" xmlns:p="http://schemas.openxmlformats.org/presentationml/2006/main">
+  <p:cSld>
+    <p:spTree>
+      <p:nvGrpSpPr>
+        <p:cNvPr id="1" name=""/>
+        <p:cNvGrpSpPr/>
+        <p:nvPr/>
+      </p:nvGrpSpPr>
+      <p:grpSpPr>
+        <a:xfrm>
+          <a:off x="0" y="0"/>
+          <a:ext cx="0" cy="0"/>
+          <a:chOff x="0" y="0"/>
+          <a:chExt cx="0" cy="0"/>
+        </a:xfrm>
+      </p:grpSpPr>
+      <p:sp>
+        <p:nvSpPr>
+          <p:cNvPr id="2" name="標題 1"/>
+          <p:cNvSpPr>
+            <a:spLocks noGrp="1"/>
+          </p:cNvSpPr>
+          <p:nvPr>
+            <p:ph type="title"/>
+          </p:nvPr>
+        </p:nvSpPr>
+        <p:spPr>
+          <a:xfrm>
+            <a:off x="539552" y="2852936"/>
+            <a:ext cx="8229600" cy="1143000"/>
+          </a:xfrm>
+        </p:spPr>
+        <p:txBody>
+          <a:bodyPr>
+            <a:normAutofit/>
+          </a:bodyPr>
+          <a:lstStyle/>
+          <a:p>
+            <a:r>
+              <a:rPr lang="zh-TW" altLang="en-US" sz="6600" dirty="0" smtClean="0"/>
+              <a:t>感謝您的聆聽</a:t>
+            </a:r>
+            <a:r>
+              <a:rPr lang="en-US" altLang="zh-TW" sz="6600" dirty="0" smtClean="0"/>
+              <a:t>~</a:t>
+            </a:r>
+            <a:endParaRPr lang="zh-TW" altLang="en-US" sz="6600" dirty="0"/>
+          </a:p>
+        </p:txBody>
+      </p:sp>
+    </p:spTree>
+    <p:extLst>
+      <p:ext uri="{BB962C8B-B14F-4D97-AF65-F5344CB8AC3E}">
+        <p14:creationId xmlns:p14="http://schemas.microsoft.com/office/powerpoint/2010/main" val="2721903557"/>
+      </p:ext>
+    </p:extLst>
+  </p:cSld>
+  <p:clrMapOvr>
+    <a:masterClrMapping/>
+  </p:clrMapOvr>
+  <p:timing>
+    <p:tnLst>
+      <p:par>
+        <p:cTn id="1" dur="indefinite" restart="never" nodeType="tmRoot"/>
+      </p:par>
+    </p:tnLst>
+  </p:timing>
+</p:sld>
+</file>
+
 <file path=ppt/theme/theme1.xml><?xml version="1.0" encoding="utf-8"?>
-<a:theme xmlns:a="http://schemas.openxmlformats.org/drawingml/2006/main" name="Office 佈景主題">
+<a:theme xmlns:a="http://schemas.openxmlformats.org/drawingml/2006/main" name="清晰度">
   <a:themeElements>
-    <a:clrScheme name="Office">
+    <a:clrScheme name="清晰度">
       <a:dk1>
-        <a:sysClr val="windowText" lastClr="000000"/>
+        <a:srgbClr val="292934"/>
       </a:dk1>
       <a:lt1>
-        <a:sysClr val="window" lastClr="FFFFFF"/>
+        <a:srgbClr val="FFFFFF"/>
       </a:lt1>
       <a:dk2>
-        <a:srgbClr val="1F497D"/>
+        <a:srgbClr val="D2533C"/>
       </a:dk2>
       <a:lt2>
-        <a:srgbClr val="EEECE1"/>
+        <a:srgbClr val="F3F2DC"/>
       </a:lt2>
       <a:accent1>
-        <a:srgbClr val="4F81BD"/>
+        <a:srgbClr val="93A299"/>
       </a:accent1>
       <a:accent2>
-        <a:srgbClr val="C0504D"/>
+        <a:srgbClr val="AD8F67"/>
       </a:accent2>
       <a:accent3>
-        <a:srgbClr val="9BBB59"/>
+        <a:srgbClr val="726056"/>
       </a:accent3>
       <a:accent4>
-        <a:srgbClr val="8064A2"/>
+        <a:srgbClr val="4C5A6A"/>
       </a:accent4>
       <a:accent5>
-        <a:srgbClr val="4BACC6"/>
+        <a:srgbClr val="808DA0"/>
       </a:accent5>
       <a:accent6>
-        <a:srgbClr val="F79646"/>
+        <a:srgbClr val="79463D"/>
       </a:accent6>
       <a:hlink>
         <a:srgbClr val="0000FF"/>
@@ -4064,22 +4438,22 @@
         <a:srgbClr val="800080"/>
       </a:folHlink>
     </a:clrScheme>
-    <a:fontScheme name="Office">
+    <a:fontScheme name="Office 古典 2">
       <a:majorFont>
-        <a:latin typeface="Calibri"/>
+        <a:latin typeface="Arial"/>
         <a:ea typeface=""/>
         <a:cs typeface=""/>
         <a:font script="Jpan" typeface="ＭＳ Ｐゴシック"/>
-        <a:font script="Hang" typeface="맑은 고딕"/>
-        <a:font script="Hans" typeface="宋体"/>
-        <a:font script="Hant" typeface="新細明體"/>
-        <a:font script="Arab" typeface="Times New Roman"/>
-        <a:font script="Hebr" typeface="Times New Roman"/>
-        <a:font script="Thai" typeface="Angsana New"/>
+        <a:font script="Hang" typeface="돋움"/>
+        <a:font script="Hans" typeface="方正舒体"/>
+        <a:font script="Hant" typeface="微軟正黑體"/>
+        <a:font script="Arab" typeface="Arial"/>
+        <a:font script="Hebr" typeface="Arial"/>
+        <a:font script="Thai" typeface="Cordia New"/>
         <a:font script="Ethi" typeface="Nyala"/>
         <a:font script="Beng" typeface="Vrinda"/>
         <a:font script="Gujr" typeface="Shruti"/>
-        <a:font script="Khmr" typeface="MoolBoran"/>
+        <a:font script="Khmr" typeface="DaunPenh"/>
         <a:font script="Knda" typeface="Tunga"/>
         <a:font script="Guru" typeface="Raavi"/>
         <a:font script="Cans" typeface="Euphemia"/>
@@ -4096,18 +4470,18 @@
         <a:font script="Laoo" typeface="DokChampa"/>
         <a:font script="Sinh" typeface="Iskoola Pota"/>
         <a:font script="Mong" typeface="Mongolian Baiti"/>
-        <a:font script="Viet" typeface="Times New Roman"/>
+        <a:font script="Viet" typeface="Arial"/>
         <a:font script="Uigh" typeface="Microsoft Uighur"/>
         <a:font script="Geor" typeface="Sylfaen"/>
       </a:majorFont>
       <a:minorFont>
-        <a:latin typeface="Calibri"/>
+        <a:latin typeface="Arial"/>
         <a:ea typeface=""/>
         <a:cs typeface=""/>
         <a:font script="Jpan" typeface="ＭＳ Ｐゴシック"/>
-        <a:font script="Hang" typeface="맑은 고딕"/>
-        <a:font script="Hans" typeface="宋体"/>
-        <a:font script="Hant" typeface="新細明體"/>
+        <a:font script="Hang" typeface="돋움"/>
+        <a:font script="Hans" typeface="方正舒体"/>
+        <a:font script="Hant" typeface="微軟正黑體"/>
         <a:font script="Arab" typeface="Arial"/>
         <a:font script="Hebr" typeface="Arial"/>
         <a:font script="Thai" typeface="Cordia New"/>
@@ -4136,7 +4510,7 @@
         <a:font script="Geor" typeface="Sylfaen"/>
       </a:minorFont>
     </a:fontScheme>
-    <a:fmtScheme name="Office">
+    <a:fmtScheme name="清晰度">
       <a:fillStyleLst>
         <a:solidFill>
           <a:schemeClr val="phClr"/>
@@ -4146,65 +4520,75 @@
             <a:gs pos="0">
               <a:schemeClr val="phClr">
                 <a:tint val="50000"/>
-                <a:satMod val="300000"/>
+                <a:shade val="86000"/>
+                <a:satMod val="140000"/>
               </a:schemeClr>
             </a:gs>
-            <a:gs pos="35000">
+            <a:gs pos="45000">
               <a:schemeClr val="phClr">
-                <a:tint val="37000"/>
-                <a:satMod val="300000"/>
+                <a:tint val="48000"/>
+                <a:satMod val="150000"/>
               </a:schemeClr>
             </a:gs>
             <a:gs pos="100000">
               <a:schemeClr val="phClr">
-                <a:tint val="15000"/>
-                <a:satMod val="350000"/>
+                <a:tint val="28000"/>
+                <a:satMod val="160000"/>
               </a:schemeClr>
             </a:gs>
           </a:gsLst>
-          <a:lin ang="16200000" scaled="1"/>
+          <a:path path="circle">
+            <a:fillToRect l="100000" t="100000" r="100000" b="100000"/>
+          </a:path>
         </a:gradFill>
         <a:gradFill rotWithShape="1">
           <a:gsLst>
             <a:gs pos="0">
               <a:schemeClr val="phClr">
-                <a:shade val="51000"/>
-                <a:satMod val="130000"/>
+                <a:shade val="70000"/>
+                <a:satMod val="150000"/>
               </a:schemeClr>
             </a:gs>
-            <a:gs pos="80000">
+            <a:gs pos="34000">
               <a:schemeClr val="phClr">
-                <a:shade val="93000"/>
-                <a:satMod val="130000"/>
+                <a:shade val="70000"/>
+                <a:satMod val="140000"/>
+              </a:schemeClr>
+            </a:gs>
+            <a:gs pos="70000">
+              <a:schemeClr val="phClr">
+                <a:tint val="100000"/>
+                <a:shade val="90000"/>
+                <a:satMod val="140000"/>
               </a:schemeClr>
             </a:gs>
             <a:gs pos="100000">
               <a:schemeClr val="phClr">
-                <a:shade val="94000"/>
-                <a:satMod val="135000"/>
+                <a:tint val="100000"/>
+                <a:shade val="100000"/>
+                <a:satMod val="100000"/>
               </a:schemeClr>
             </a:gs>
           </a:gsLst>
-          <a:lin ang="16200000" scaled="0"/>
+          <a:path path="circle">
+            <a:fillToRect l="100000" t="100000" r="100000" b="100000"/>
+          </a:path>
         </a:gradFill>
       </a:fillStyleLst>
       <a:lnStyleLst>
         <a:ln w="9525" cap="flat" cmpd="sng" algn="ctr">
           <a:solidFill>
-            <a:schemeClr val="phClr">
-              <a:shade val="95000"/>
-              <a:satMod val="105000"/>
-            </a:schemeClr>
+            <a:schemeClr val="phClr"/>
           </a:solidFill>
           <a:prstDash val="solid"/>
         </a:ln>
-        <a:ln w="25400" cap="flat" cmpd="sng" algn="ctr">
+        <a:ln w="26425" cap="flat" cmpd="sng" algn="ctr">
           <a:solidFill>
             <a:schemeClr val="phClr"/>
           </a:solidFill>
           <a:prstDash val="solid"/>
         </a:ln>
-        <a:ln w="38100" cap="flat" cmpd="sng" algn="ctr">
+        <a:ln w="44450" cap="flat" cmpd="sng" algn="ctr">
           <a:solidFill>
             <a:schemeClr val="phClr"/>
           </a:solidFill>
@@ -4213,28 +4597,22 @@
       </a:lnStyleLst>
       <a:effectStyleLst>
         <a:effectStyle>
+          <a:effectLst/>
+        </a:effectStyle>
+        <a:effectStyle>
           <a:effectLst>
-            <a:outerShdw blurRad="40000" dist="20000" dir="5400000" rotWithShape="0">
+            <a:outerShdw blurRad="38100" dist="25400" dir="2700000" algn="br" rotWithShape="0">
               <a:srgbClr val="000000">
-                <a:alpha val="38000"/>
+                <a:alpha val="60000"/>
               </a:srgbClr>
             </a:outerShdw>
           </a:effectLst>
         </a:effectStyle>
         <a:effectStyle>
           <a:effectLst>
-            <a:outerShdw blurRad="40000" dist="23000" dir="5400000" rotWithShape="0">
+            <a:outerShdw blurRad="38100" dist="25400" dir="2700000" algn="br" rotWithShape="0">
               <a:srgbClr val="000000">
-                <a:alpha val="35000"/>
-              </a:srgbClr>
-            </a:outerShdw>
-          </a:effectLst>
-        </a:effectStyle>
-        <a:effectStyle>
-          <a:effectLst>
-            <a:outerShdw blurRad="40000" dist="23000" dir="5400000" rotWithShape="0">
-              <a:srgbClr val="000000">
-                <a:alpha val="35000"/>
+                <a:alpha val="60000"/>
               </a:srgbClr>
             </a:outerShdw>
           </a:effectLst>
@@ -4242,12 +4620,18 @@
             <a:camera prst="orthographicFront">
               <a:rot lat="0" lon="0" rev="0"/>
             </a:camera>
-            <a:lightRig rig="threePt" dir="t">
-              <a:rot lat="0" lon="0" rev="1200000"/>
+            <a:lightRig rig="balanced" dir="t">
+              <a:rot lat="0" lon="0" rev="5100000"/>
             </a:lightRig>
           </a:scene3d>
-          <a:sp3d>
-            <a:bevelT w="63500" h="25400"/>
+          <a:sp3d contourW="6350">
+            <a:bevelT w="29210" h="12700"/>
+            <a:contourClr>
+              <a:schemeClr val="phClr">
+                <a:shade val="30000"/>
+                <a:satMod val="130000"/>
+              </a:schemeClr>
+            </a:contourClr>
           </a:sp3d>
         </a:effectStyle>
       </a:effectStyleLst>
@@ -4259,47 +4643,40 @@
           <a:gsLst>
             <a:gs pos="0">
               <a:schemeClr val="phClr">
-                <a:tint val="40000"/>
-                <a:satMod val="350000"/>
+                <a:tint val="85000"/>
+                <a:satMod val="180000"/>
               </a:schemeClr>
             </a:gs>
             <a:gs pos="40000">
               <a:schemeClr val="phClr">
-                <a:tint val="45000"/>
-                <a:shade val="99000"/>
-                <a:satMod val="350000"/>
+                <a:tint val="95000"/>
+                <a:shade val="85000"/>
+                <a:satMod val="150000"/>
               </a:schemeClr>
             </a:gs>
             <a:gs pos="100000">
               <a:schemeClr val="phClr">
-                <a:shade val="20000"/>
-                <a:satMod val="255000"/>
-              </a:schemeClr>
-            </a:gs>
-          </a:gsLst>
-          <a:path path="circle">
-            <a:fillToRect l="50000" t="-80000" r="50000" b="180000"/>
-          </a:path>
-        </a:gradFill>
-        <a:gradFill rotWithShape="1">
-          <a:gsLst>
-            <a:gs pos="0">
-              <a:schemeClr val="phClr">
-                <a:tint val="80000"/>
-                <a:satMod val="300000"/>
-              </a:schemeClr>
-            </a:gs>
-            <a:gs pos="100000">
-              <a:schemeClr val="phClr">
-                <a:shade val="30000"/>
+                <a:shade val="45000"/>
                 <a:satMod val="200000"/>
               </a:schemeClr>
             </a:gs>
           </a:gsLst>
-          <a:path path="circle">
-            <a:fillToRect l="50000" t="50000" r="50000" b="50000"/>
-          </a:path>
+          <a:lin ang="5400000" scaled="0"/>
         </a:gradFill>
+        <a:blipFill rotWithShape="1">
+          <a:blip xmlns:r="http://schemas.openxmlformats.org/officeDocument/2006/relationships" r:embed="rId1">
+            <a:duotone>
+              <a:schemeClr val="phClr">
+                <a:shade val="55000"/>
+              </a:schemeClr>
+              <a:schemeClr val="phClr">
+                <a:tint val="97000"/>
+                <a:satMod val="95000"/>
+              </a:schemeClr>
+            </a:duotone>
+          </a:blip>
+          <a:tile tx="0" ty="0" sx="70000" sy="70000" flip="none" algn="tl"/>
+        </a:blipFill>
       </a:bgFillStyleLst>
     </a:fmtScheme>
   </a:themeElements>

--- a/Report_TingWei.pptx
+++ b/Report_TingWei.pptx
@@ -302,7 +302,7 @@
           <a:p>
             <a:fld id="{C992E747-5CF5-41D8-A84D-57C8B82B3E90}" type="datetimeFigureOut">
               <a:rPr lang="zh-TW" altLang="en-US" smtClean="0"/>
-              <a:t>2019/7/11</a:t>
+              <a:t>2019/7/12</a:t>
             </a:fld>
             <a:endParaRPr lang="zh-TW" altLang="en-US"/>
           </a:p>
@@ -502,7 +502,7 @@
           <a:p>
             <a:fld id="{C992E747-5CF5-41D8-A84D-57C8B82B3E90}" type="datetimeFigureOut">
               <a:rPr lang="zh-TW" altLang="en-US" smtClean="0"/>
-              <a:t>2019/7/11</a:t>
+              <a:t>2019/7/12</a:t>
             </a:fld>
             <a:endParaRPr lang="zh-TW" altLang="en-US"/>
           </a:p>
@@ -677,7 +677,7 @@
           <a:p>
             <a:fld id="{C992E747-5CF5-41D8-A84D-57C8B82B3E90}" type="datetimeFigureOut">
               <a:rPr lang="zh-TW" altLang="en-US" smtClean="0"/>
-              <a:t>2019/7/11</a:t>
+              <a:t>2019/7/12</a:t>
             </a:fld>
             <a:endParaRPr lang="zh-TW" altLang="en-US"/>
           </a:p>
@@ -842,7 +842,7 @@
           <a:p>
             <a:fld id="{C992E747-5CF5-41D8-A84D-57C8B82B3E90}" type="datetimeFigureOut">
               <a:rPr lang="zh-TW" altLang="en-US" smtClean="0"/>
-              <a:t>2019/7/11</a:t>
+              <a:t>2019/7/12</a:t>
             </a:fld>
             <a:endParaRPr lang="zh-TW" altLang="en-US"/>
           </a:p>
@@ -1090,7 +1090,7 @@
           <a:p>
             <a:fld id="{C992E747-5CF5-41D8-A84D-57C8B82B3E90}" type="datetimeFigureOut">
               <a:rPr lang="zh-TW" altLang="en-US" smtClean="0"/>
-              <a:t>2019/7/11</a:t>
+              <a:t>2019/7/12</a:t>
             </a:fld>
             <a:endParaRPr lang="zh-TW" altLang="en-US"/>
           </a:p>
@@ -1408,7 +1408,7 @@
           <a:p>
             <a:fld id="{C992E747-5CF5-41D8-A84D-57C8B82B3E90}" type="datetimeFigureOut">
               <a:rPr lang="zh-TW" altLang="en-US" smtClean="0"/>
-              <a:t>2019/7/11</a:t>
+              <a:t>2019/7/12</a:t>
             </a:fld>
             <a:endParaRPr lang="zh-TW" altLang="en-US"/>
           </a:p>
@@ -1874,7 +1874,7 @@
           <a:p>
             <a:fld id="{C992E747-5CF5-41D8-A84D-57C8B82B3E90}" type="datetimeFigureOut">
               <a:rPr lang="zh-TW" altLang="en-US" smtClean="0"/>
-              <a:t>2019/7/11</a:t>
+              <a:t>2019/7/12</a:t>
             </a:fld>
             <a:endParaRPr lang="zh-TW" altLang="en-US"/>
           </a:p>
@@ -2022,7 +2022,7 @@
           <a:p>
             <a:fld id="{C992E747-5CF5-41D8-A84D-57C8B82B3E90}" type="datetimeFigureOut">
               <a:rPr lang="zh-TW" altLang="en-US" smtClean="0"/>
-              <a:t>2019/7/11</a:t>
+              <a:t>2019/7/12</a:t>
             </a:fld>
             <a:endParaRPr lang="zh-TW" altLang="en-US"/>
           </a:p>
@@ -2112,7 +2112,7 @@
           <a:p>
             <a:fld id="{C992E747-5CF5-41D8-A84D-57C8B82B3E90}" type="datetimeFigureOut">
               <a:rPr lang="zh-TW" altLang="en-US" smtClean="0"/>
-              <a:t>2019/7/11</a:t>
+              <a:t>2019/7/12</a:t>
             </a:fld>
             <a:endParaRPr lang="zh-TW" altLang="en-US"/>
           </a:p>
@@ -2386,7 +2386,7 @@
           <a:p>
             <a:fld id="{C992E747-5CF5-41D8-A84D-57C8B82B3E90}" type="datetimeFigureOut">
               <a:rPr lang="zh-TW" altLang="en-US" smtClean="0"/>
-              <a:t>2019/7/11</a:t>
+              <a:t>2019/7/12</a:t>
             </a:fld>
             <a:endParaRPr lang="zh-TW" altLang="en-US"/>
           </a:p>
@@ -2691,7 +2691,7 @@
           <a:p>
             <a:fld id="{C992E747-5CF5-41D8-A84D-57C8B82B3E90}" type="datetimeFigureOut">
               <a:rPr lang="zh-TW" altLang="en-US" smtClean="0"/>
-              <a:t>2019/7/11</a:t>
+              <a:t>2019/7/12</a:t>
             </a:fld>
             <a:endParaRPr lang="zh-TW" altLang="en-US"/>
           </a:p>
@@ -2989,7 +2989,7 @@
           <a:p>
             <a:fld id="{C992E747-5CF5-41D8-A84D-57C8B82B3E90}" type="datetimeFigureOut">
               <a:rPr lang="zh-TW" altLang="en-US" smtClean="0"/>
-              <a:t>2019/7/11</a:t>
+              <a:t>2019/7/12</a:t>
             </a:fld>
             <a:endParaRPr lang="zh-TW" altLang="en-US"/>
           </a:p>
@@ -4036,30 +4036,15 @@
           <a:p>
             <a:r>
               <a:rPr lang="en-US" altLang="zh-TW" dirty="0"/>
-              <a:t>2. </a:t>
-            </a:r>
-            <a:r>
-              <a:rPr lang="zh-TW" altLang="zh-TW" dirty="0"/>
-              <a:t>使用 時間序列 模型，著重在預測 </a:t>
+              <a:t>2</a:t>
+            </a:r>
+            <a:r>
+              <a:rPr lang="en-US" altLang="zh-TW" dirty="0" smtClean="0"/>
+              <a:t>. </a:t>
             </a:r>
             <a:r>
               <a:rPr lang="en-US" altLang="zh-TW" dirty="0"/>
-              <a:t>“</a:t>
-            </a:r>
-            <a:r>
-              <a:rPr lang="zh-TW" altLang="zh-TW" dirty="0"/>
-              <a:t>趨勢</a:t>
-            </a:r>
-            <a:r>
-              <a:rPr lang="en-US" altLang="zh-TW" dirty="0"/>
-              <a:t>”</a:t>
-            </a:r>
-            <a:endParaRPr lang="zh-TW" altLang="zh-TW" dirty="0"/>
-          </a:p>
-          <a:p>
-            <a:r>
-              <a:rPr lang="en-US" altLang="zh-TW" dirty="0"/>
-              <a:t>3. Model Ensemble </a:t>
+              <a:t>Model Ensemble </a:t>
             </a:r>
             <a:r>
               <a:rPr lang="zh-TW" altLang="zh-TW" dirty="0"/>
@@ -4156,7 +4141,44 @@
             </a:r>
             <a:r>
               <a:rPr lang="zh-TW" altLang="en-US" dirty="0" smtClean="0"/>
-              <a:t>的交易者多，資料參雜他們的噪聲</a:t>
+              <a:t>的交易者多，資料參雜他們的噪</a:t>
+            </a:r>
+            <a:r>
+              <a:rPr lang="zh-TW" altLang="en-US" dirty="0" smtClean="0"/>
+              <a:t>聲</a:t>
+            </a:r>
+            <a:endParaRPr lang="en-US" altLang="zh-TW" dirty="0" smtClean="0"/>
+          </a:p>
+          <a:p>
+            <a:endParaRPr lang="en-US" altLang="zh-TW" dirty="0"/>
+          </a:p>
+          <a:p>
+            <a:r>
+              <a:rPr lang="zh-TW" altLang="en-US" dirty="0" smtClean="0"/>
+              <a:t>若抓早期資料一併訓練，模型</a:t>
+            </a:r>
+            <a:r>
+              <a:rPr lang="zh-TW" altLang="en-US" dirty="0" smtClean="0"/>
+              <a:t>訓練完後，早就不適用於現在市場</a:t>
+            </a:r>
+            <a:endParaRPr lang="en-US" altLang="zh-TW" dirty="0" smtClean="0"/>
+          </a:p>
+          <a:p>
+            <a:r>
+              <a:rPr lang="zh-TW" altLang="en-US" dirty="0"/>
+              <a:t>拿近期資料</a:t>
+            </a:r>
+            <a:r>
+              <a:rPr lang="zh-TW" altLang="en-US" dirty="0" smtClean="0"/>
+              <a:t>訓練，失去優勢</a:t>
+            </a:r>
+            <a:r>
+              <a:rPr lang="en-US" altLang="zh-TW" dirty="0" smtClean="0"/>
+              <a:t>? </a:t>
+            </a:r>
+            <a:r>
+              <a:rPr lang="zh-TW" altLang="en-US" dirty="0" smtClean="0"/>
+              <a:t>實驗後也發現準確率沒有提升</a:t>
             </a:r>
             <a:endParaRPr lang="zh-TW" altLang="en-US" dirty="0"/>
           </a:p>
@@ -4273,11 +4295,11 @@
           </a:p>
           <a:p>
             <a:r>
-              <a:rPr lang="zh-TW" altLang="en-US" sz="4800" b="1" dirty="0"/>
+              <a:rPr lang="zh-TW" altLang="en-US" sz="3600" b="1" dirty="0"/>
               <a:t>問題 </a:t>
             </a:r>
             <a:r>
-              <a:rPr lang="en-US" altLang="zh-TW" sz="4800" b="1" dirty="0"/>
+              <a:rPr lang="en-US" altLang="zh-TW" sz="3600" b="1" dirty="0"/>
               <a:t>:</a:t>
             </a:r>
           </a:p>

--- a/Report_TingWei.pptx
+++ b/Report_TingWei.pptx
@@ -11,8 +11,9 @@
     <p:sldId id="261" r:id="rId5"/>
     <p:sldId id="259" r:id="rId6"/>
     <p:sldId id="260" r:id="rId7"/>
-    <p:sldId id="262" r:id="rId8"/>
-    <p:sldId id="263" r:id="rId9"/>
+    <p:sldId id="264" r:id="rId8"/>
+    <p:sldId id="262" r:id="rId9"/>
+    <p:sldId id="263" r:id="rId10"/>
   </p:sldIdLst>
   <p:sldSz cx="9144000" cy="6858000" type="screen4x3"/>
   <p:notesSz cx="6858000" cy="9144000"/>
@@ -4141,25 +4142,17 @@
             </a:r>
             <a:r>
               <a:rPr lang="zh-TW" altLang="en-US" dirty="0" smtClean="0"/>
-              <a:t>的交易者多，資料參雜他們的噪</a:t>
-            </a:r>
+              <a:t>的交易者多，資料參雜他們的噪聲</a:t>
+            </a:r>
+            <a:endParaRPr lang="en-US" altLang="zh-TW" dirty="0" smtClean="0"/>
+          </a:p>
+          <a:p>
+            <a:endParaRPr lang="en-US" altLang="zh-TW" dirty="0"/>
+          </a:p>
+          <a:p>
             <a:r>
               <a:rPr lang="zh-TW" altLang="en-US" dirty="0" smtClean="0"/>
-              <a:t>聲</a:t>
-            </a:r>
-            <a:endParaRPr lang="en-US" altLang="zh-TW" dirty="0" smtClean="0"/>
-          </a:p>
-          <a:p>
-            <a:endParaRPr lang="en-US" altLang="zh-TW" dirty="0"/>
-          </a:p>
-          <a:p>
-            <a:r>
-              <a:rPr lang="zh-TW" altLang="en-US" dirty="0" smtClean="0"/>
-              <a:t>若抓早期資料一併訓練，模型</a:t>
-            </a:r>
-            <a:r>
-              <a:rPr lang="zh-TW" altLang="en-US" dirty="0" smtClean="0"/>
-              <a:t>訓練完後，早就不適用於現在市場</a:t>
+              <a:t>若抓早期資料一併訓練，模型訓練完後，早就不適用於現在市場</a:t>
             </a:r>
             <a:endParaRPr lang="en-US" altLang="zh-TW" dirty="0" smtClean="0"/>
           </a:p>
@@ -4231,6 +4224,107 @@
             <p:ph type="title"/>
           </p:nvPr>
         </p:nvSpPr>
+        <p:spPr/>
+        <p:txBody>
+          <a:bodyPr/>
+          <a:lstStyle/>
+          <a:p>
+            <a:r>
+              <a:rPr lang="zh-TW" altLang="en-US" dirty="0" smtClean="0"/>
+              <a:t>現在方向</a:t>
+            </a:r>
+            <a:endParaRPr lang="zh-TW" altLang="en-US" dirty="0"/>
+          </a:p>
+        </p:txBody>
+      </p:sp>
+      <p:sp>
+        <p:nvSpPr>
+          <p:cNvPr id="3" name="內容版面配置區 2"/>
+          <p:cNvSpPr>
+            <a:spLocks noGrp="1"/>
+          </p:cNvSpPr>
+          <p:nvPr>
+            <p:ph idx="1"/>
+          </p:nvPr>
+        </p:nvSpPr>
+        <p:spPr>
+          <a:xfrm>
+            <a:off x="611560" y="2204864"/>
+            <a:ext cx="8229600" cy="4876800"/>
+          </a:xfrm>
+        </p:spPr>
+        <p:txBody>
+          <a:bodyPr/>
+          <a:lstStyle/>
+          <a:p>
+            <a:r>
+              <a:rPr lang="zh-TW" altLang="en-US" dirty="0" smtClean="0"/>
+              <a:t>改為使用</a:t>
+            </a:r>
+            <a:r>
+              <a:rPr lang="en-US" altLang="zh-TW" dirty="0" smtClean="0"/>
+              <a:t>”</a:t>
+            </a:r>
+            <a:r>
+              <a:rPr lang="zh-TW" altLang="en-US" dirty="0" smtClean="0"/>
+              <a:t>時間序列</a:t>
+            </a:r>
+            <a:r>
+              <a:rPr lang="en-US" altLang="zh-TW" dirty="0" smtClean="0"/>
+              <a:t>”</a:t>
+            </a:r>
+            <a:r>
+              <a:rPr lang="zh-TW" altLang="en-US" dirty="0" smtClean="0"/>
+              <a:t>方法建構模型 </a:t>
+            </a:r>
+            <a:r>
+              <a:rPr lang="en-US" altLang="zh-TW" dirty="0" smtClean="0"/>
+              <a:t>(ARIMA, GARCH, GARCH-M, E-GARCH)</a:t>
+            </a:r>
+            <a:endParaRPr lang="zh-TW" altLang="en-US" dirty="0"/>
+          </a:p>
+        </p:txBody>
+      </p:sp>
+    </p:spTree>
+    <p:extLst>
+      <p:ext uri="{BB962C8B-B14F-4D97-AF65-F5344CB8AC3E}">
+        <p14:creationId xmlns:p14="http://schemas.microsoft.com/office/powerpoint/2010/main" val="1132452580"/>
+      </p:ext>
+    </p:extLst>
+  </p:cSld>
+  <p:clrMapOvr>
+    <a:masterClrMapping/>
+  </p:clrMapOvr>
+</p:sld>
+</file>
+
+<file path=ppt/slides/slide8.xml><?xml version="1.0" encoding="utf-8"?>
+<p:sld xmlns:a="http://schemas.openxmlformats.org/drawingml/2006/main" xmlns:r="http://schemas.openxmlformats.org/officeDocument/2006/relationships" xmlns:p="http://schemas.openxmlformats.org/presentationml/2006/main">
+  <p:cSld>
+    <p:spTree>
+      <p:nvGrpSpPr>
+        <p:cNvPr id="1" name=""/>
+        <p:cNvGrpSpPr/>
+        <p:nvPr/>
+      </p:nvGrpSpPr>
+      <p:grpSpPr>
+        <a:xfrm>
+          <a:off x="0" y="0"/>
+          <a:ext cx="0" cy="0"/>
+          <a:chOff x="0" y="0"/>
+          <a:chExt cx="0" cy="0"/>
+        </a:xfrm>
+      </p:grpSpPr>
+      <p:sp>
+        <p:nvSpPr>
+          <p:cNvPr id="2" name="標題 1"/>
+          <p:cNvSpPr>
+            <a:spLocks noGrp="1"/>
+          </p:cNvSpPr>
+          <p:nvPr>
+            <p:ph type="title"/>
+          </p:nvPr>
+        </p:nvSpPr>
         <p:spPr>
           <a:xfrm>
             <a:off x="251520" y="404664"/>
@@ -4348,7 +4442,7 @@
 </p:sld>
 </file>
 
-<file path=ppt/slides/slide8.xml><?xml version="1.0" encoding="utf-8"?>
+<file path=ppt/slides/slide9.xml><?xml version="1.0" encoding="utf-8"?>
 <p:sld xmlns:a="http://schemas.openxmlformats.org/drawingml/2006/main" xmlns:r="http://schemas.openxmlformats.org/officeDocument/2006/relationships" xmlns:p="http://schemas.openxmlformats.org/presentationml/2006/main">
   <p:cSld>
     <p:spTree>

--- a/Report_TingWei.pptx
+++ b/Report_TingWei.pptx
@@ -113,6 +113,2541 @@
     </a:lvl9pPr>
   </p:defaultTextStyle>
 </p:presentation>
+</file>
+
+<file path=ppt/diagrams/colors1.xml><?xml version="1.0" encoding="utf-8"?>
+<dgm:colorsDef xmlns:dgm="http://schemas.openxmlformats.org/drawingml/2006/diagram" xmlns:a="http://schemas.openxmlformats.org/drawingml/2006/main" uniqueId="urn:microsoft.com/office/officeart/2005/8/colors/accent1_2">
+  <dgm:title val=""/>
+  <dgm:desc val=""/>
+  <dgm:catLst>
+    <dgm:cat type="accent1" pri="11200"/>
+  </dgm:catLst>
+  <dgm:styleLbl name="node0">
+    <dgm:fillClrLst meth="repeat">
+      <a:schemeClr val="accent1"/>
+    </dgm:fillClrLst>
+    <dgm:linClrLst meth="repeat">
+      <a:schemeClr val="lt1"/>
+    </dgm:linClrLst>
+    <dgm:effectClrLst/>
+    <dgm:txLinClrLst/>
+    <dgm:txFillClrLst/>
+    <dgm:txEffectClrLst/>
+  </dgm:styleLbl>
+  <dgm:styleLbl name="alignNode1">
+    <dgm:fillClrLst meth="repeat">
+      <a:schemeClr val="accent1"/>
+    </dgm:fillClrLst>
+    <dgm:linClrLst meth="repeat">
+      <a:schemeClr val="accent1"/>
+    </dgm:linClrLst>
+    <dgm:effectClrLst/>
+    <dgm:txLinClrLst/>
+    <dgm:txFillClrLst/>
+    <dgm:txEffectClrLst/>
+  </dgm:styleLbl>
+  <dgm:styleLbl name="node1">
+    <dgm:fillClrLst meth="repeat">
+      <a:schemeClr val="accent1"/>
+    </dgm:fillClrLst>
+    <dgm:linClrLst meth="repeat">
+      <a:schemeClr val="lt1"/>
+    </dgm:linClrLst>
+    <dgm:effectClrLst/>
+    <dgm:txLinClrLst/>
+    <dgm:txFillClrLst/>
+    <dgm:txEffectClrLst/>
+  </dgm:styleLbl>
+  <dgm:styleLbl name="lnNode1">
+    <dgm:fillClrLst meth="repeat">
+      <a:schemeClr val="accent1"/>
+    </dgm:fillClrLst>
+    <dgm:linClrLst meth="repeat">
+      <a:schemeClr val="lt1"/>
+    </dgm:linClrLst>
+    <dgm:effectClrLst/>
+    <dgm:txLinClrLst/>
+    <dgm:txFillClrLst/>
+    <dgm:txEffectClrLst/>
+  </dgm:styleLbl>
+  <dgm:styleLbl name="vennNode1">
+    <dgm:fillClrLst meth="repeat">
+      <a:schemeClr val="accent1">
+        <a:alpha val="50000"/>
+      </a:schemeClr>
+    </dgm:fillClrLst>
+    <dgm:linClrLst meth="repeat">
+      <a:schemeClr val="lt1"/>
+    </dgm:linClrLst>
+    <dgm:effectClrLst/>
+    <dgm:txLinClrLst/>
+    <dgm:txFillClrLst/>
+    <dgm:txEffectClrLst/>
+  </dgm:styleLbl>
+  <dgm:styleLbl name="node2">
+    <dgm:fillClrLst meth="repeat">
+      <a:schemeClr val="accent1"/>
+    </dgm:fillClrLst>
+    <dgm:linClrLst meth="repeat">
+      <a:schemeClr val="lt1"/>
+    </dgm:linClrLst>
+    <dgm:effectClrLst/>
+    <dgm:txLinClrLst/>
+    <dgm:txFillClrLst/>
+    <dgm:txEffectClrLst/>
+  </dgm:styleLbl>
+  <dgm:styleLbl name="node3">
+    <dgm:fillClrLst meth="repeat">
+      <a:schemeClr val="accent1"/>
+    </dgm:fillClrLst>
+    <dgm:linClrLst meth="repeat">
+      <a:schemeClr val="lt1"/>
+    </dgm:linClrLst>
+    <dgm:effectClrLst/>
+    <dgm:txLinClrLst/>
+    <dgm:txFillClrLst/>
+    <dgm:txEffectClrLst/>
+  </dgm:styleLbl>
+  <dgm:styleLbl name="node4">
+    <dgm:fillClrLst meth="repeat">
+      <a:schemeClr val="accent1"/>
+    </dgm:fillClrLst>
+    <dgm:linClrLst meth="repeat">
+      <a:schemeClr val="lt1"/>
+    </dgm:linClrLst>
+    <dgm:effectClrLst/>
+    <dgm:txLinClrLst/>
+    <dgm:txFillClrLst/>
+    <dgm:txEffectClrLst/>
+  </dgm:styleLbl>
+  <dgm:styleLbl name="fgImgPlace1">
+    <dgm:fillClrLst meth="repeat">
+      <a:schemeClr val="accent1">
+        <a:tint val="50000"/>
+      </a:schemeClr>
+    </dgm:fillClrLst>
+    <dgm:linClrLst meth="repeat">
+      <a:schemeClr val="lt1"/>
+    </dgm:linClrLst>
+    <dgm:effectClrLst/>
+    <dgm:txLinClrLst/>
+    <dgm:txFillClrLst meth="repeat">
+      <a:schemeClr val="lt1"/>
+    </dgm:txFillClrLst>
+    <dgm:txEffectClrLst/>
+  </dgm:styleLbl>
+  <dgm:styleLbl name="alignImgPlace1">
+    <dgm:fillClrLst meth="repeat">
+      <a:schemeClr val="accent1">
+        <a:tint val="50000"/>
+      </a:schemeClr>
+    </dgm:fillClrLst>
+    <dgm:linClrLst meth="repeat">
+      <a:schemeClr val="lt1"/>
+    </dgm:linClrLst>
+    <dgm:effectClrLst/>
+    <dgm:txLinClrLst/>
+    <dgm:txFillClrLst meth="repeat">
+      <a:schemeClr val="lt1"/>
+    </dgm:txFillClrLst>
+    <dgm:txEffectClrLst/>
+  </dgm:styleLbl>
+  <dgm:styleLbl name="bgImgPlace1">
+    <dgm:fillClrLst meth="repeat">
+      <a:schemeClr val="accent1">
+        <a:tint val="50000"/>
+      </a:schemeClr>
+    </dgm:fillClrLst>
+    <dgm:linClrLst meth="repeat">
+      <a:schemeClr val="lt1"/>
+    </dgm:linClrLst>
+    <dgm:effectClrLst/>
+    <dgm:txLinClrLst/>
+    <dgm:txFillClrLst meth="repeat">
+      <a:schemeClr val="lt1"/>
+    </dgm:txFillClrLst>
+    <dgm:txEffectClrLst/>
+  </dgm:styleLbl>
+  <dgm:styleLbl name="sibTrans2D1">
+    <dgm:fillClrLst meth="repeat">
+      <a:schemeClr val="accent1">
+        <a:tint val="60000"/>
+      </a:schemeClr>
+    </dgm:fillClrLst>
+    <dgm:linClrLst meth="repeat">
+      <a:schemeClr val="accent1">
+        <a:tint val="60000"/>
+      </a:schemeClr>
+    </dgm:linClrLst>
+    <dgm:effectClrLst/>
+    <dgm:txLinClrLst/>
+    <dgm:txFillClrLst/>
+    <dgm:txEffectClrLst/>
+  </dgm:styleLbl>
+  <dgm:styleLbl name="fgSibTrans2D1">
+    <dgm:fillClrLst meth="repeat">
+      <a:schemeClr val="accent1">
+        <a:tint val="60000"/>
+      </a:schemeClr>
+    </dgm:fillClrLst>
+    <dgm:linClrLst meth="repeat">
+      <a:schemeClr val="accent1">
+        <a:tint val="60000"/>
+      </a:schemeClr>
+    </dgm:linClrLst>
+    <dgm:effectClrLst/>
+    <dgm:txLinClrLst/>
+    <dgm:txFillClrLst/>
+    <dgm:txEffectClrLst/>
+  </dgm:styleLbl>
+  <dgm:styleLbl name="bgSibTrans2D1">
+    <dgm:fillClrLst meth="repeat">
+      <a:schemeClr val="accent1">
+        <a:tint val="60000"/>
+      </a:schemeClr>
+    </dgm:fillClrLst>
+    <dgm:linClrLst meth="repeat">
+      <a:schemeClr val="accent1">
+        <a:tint val="60000"/>
+      </a:schemeClr>
+    </dgm:linClrLst>
+    <dgm:effectClrLst/>
+    <dgm:txLinClrLst/>
+    <dgm:txFillClrLst/>
+    <dgm:txEffectClrLst/>
+  </dgm:styleLbl>
+  <dgm:styleLbl name="sibTrans1D1">
+    <dgm:fillClrLst meth="repeat">
+      <a:schemeClr val="accent1"/>
+    </dgm:fillClrLst>
+    <dgm:linClrLst meth="repeat">
+      <a:schemeClr val="accent1"/>
+    </dgm:linClrLst>
+    <dgm:effectClrLst/>
+    <dgm:txLinClrLst/>
+    <dgm:txFillClrLst meth="repeat">
+      <a:schemeClr val="tx1"/>
+    </dgm:txFillClrLst>
+    <dgm:txEffectClrLst/>
+  </dgm:styleLbl>
+  <dgm:styleLbl name="callout">
+    <dgm:fillClrLst meth="repeat">
+      <a:schemeClr val="accent1"/>
+    </dgm:fillClrLst>
+    <dgm:linClrLst meth="repeat">
+      <a:schemeClr val="accent1">
+        <a:tint val="50000"/>
+      </a:schemeClr>
+    </dgm:linClrLst>
+    <dgm:effectClrLst/>
+    <dgm:txLinClrLst/>
+    <dgm:txFillClrLst meth="repeat">
+      <a:schemeClr val="tx1"/>
+    </dgm:txFillClrLst>
+    <dgm:txEffectClrLst/>
+  </dgm:styleLbl>
+  <dgm:styleLbl name="asst0">
+    <dgm:fillClrLst meth="repeat">
+      <a:schemeClr val="accent1"/>
+    </dgm:fillClrLst>
+    <dgm:linClrLst meth="repeat">
+      <a:schemeClr val="lt1"/>
+    </dgm:linClrLst>
+    <dgm:effectClrLst/>
+    <dgm:txLinClrLst/>
+    <dgm:txFillClrLst/>
+    <dgm:txEffectClrLst/>
+  </dgm:styleLbl>
+  <dgm:styleLbl name="asst1">
+    <dgm:fillClrLst meth="repeat">
+      <a:schemeClr val="accent1"/>
+    </dgm:fillClrLst>
+    <dgm:linClrLst meth="repeat">
+      <a:schemeClr val="lt1"/>
+    </dgm:linClrLst>
+    <dgm:effectClrLst/>
+    <dgm:txLinClrLst/>
+    <dgm:txFillClrLst/>
+    <dgm:txEffectClrLst/>
+  </dgm:styleLbl>
+  <dgm:styleLbl name="asst2">
+    <dgm:fillClrLst meth="repeat">
+      <a:schemeClr val="accent1"/>
+    </dgm:fillClrLst>
+    <dgm:linClrLst meth="repeat">
+      <a:schemeClr val="lt1"/>
+    </dgm:linClrLst>
+    <dgm:effectClrLst/>
+    <dgm:txLinClrLst/>
+    <dgm:txFillClrLst/>
+    <dgm:txEffectClrLst/>
+  </dgm:styleLbl>
+  <dgm:styleLbl name="asst3">
+    <dgm:fillClrLst meth="repeat">
+      <a:schemeClr val="accent1"/>
+    </dgm:fillClrLst>
+    <dgm:linClrLst meth="repeat">
+      <a:schemeClr val="lt1"/>
+    </dgm:linClrLst>
+    <dgm:effectClrLst/>
+    <dgm:txLinClrLst/>
+    <dgm:txFillClrLst/>
+    <dgm:txEffectClrLst/>
+  </dgm:styleLbl>
+  <dgm:styleLbl name="asst4">
+    <dgm:fillClrLst meth="repeat">
+      <a:schemeClr val="accent1"/>
+    </dgm:fillClrLst>
+    <dgm:linClrLst meth="repeat">
+      <a:schemeClr val="lt1"/>
+    </dgm:linClrLst>
+    <dgm:effectClrLst/>
+    <dgm:txLinClrLst/>
+    <dgm:txFillClrLst/>
+    <dgm:txEffectClrLst/>
+  </dgm:styleLbl>
+  <dgm:styleLbl name="parChTrans2D1">
+    <dgm:fillClrLst meth="repeat">
+      <a:schemeClr val="accent1">
+        <a:tint val="60000"/>
+      </a:schemeClr>
+    </dgm:fillClrLst>
+    <dgm:linClrLst meth="repeat">
+      <a:schemeClr val="accent1">
+        <a:tint val="60000"/>
+      </a:schemeClr>
+    </dgm:linClrLst>
+    <dgm:effectClrLst/>
+    <dgm:txLinClrLst/>
+    <dgm:txFillClrLst meth="repeat">
+      <a:schemeClr val="lt1"/>
+    </dgm:txFillClrLst>
+    <dgm:txEffectClrLst/>
+  </dgm:styleLbl>
+  <dgm:styleLbl name="parChTrans2D2">
+    <dgm:fillClrLst meth="repeat">
+      <a:schemeClr val="accent1"/>
+    </dgm:fillClrLst>
+    <dgm:linClrLst meth="repeat">
+      <a:schemeClr val="accent1"/>
+    </dgm:linClrLst>
+    <dgm:effectClrLst/>
+    <dgm:txLinClrLst/>
+    <dgm:txFillClrLst meth="repeat">
+      <a:schemeClr val="lt1"/>
+    </dgm:txFillClrLst>
+    <dgm:txEffectClrLst/>
+  </dgm:styleLbl>
+  <dgm:styleLbl name="parChTrans2D3">
+    <dgm:fillClrLst meth="repeat">
+      <a:schemeClr val="accent1"/>
+    </dgm:fillClrLst>
+    <dgm:linClrLst meth="repeat">
+      <a:schemeClr val="accent1"/>
+    </dgm:linClrLst>
+    <dgm:effectClrLst/>
+    <dgm:txLinClrLst/>
+    <dgm:txFillClrLst meth="repeat">
+      <a:schemeClr val="lt1"/>
+    </dgm:txFillClrLst>
+    <dgm:txEffectClrLst/>
+  </dgm:styleLbl>
+  <dgm:styleLbl name="parChTrans2D4">
+    <dgm:fillClrLst meth="repeat">
+      <a:schemeClr val="accent1"/>
+    </dgm:fillClrLst>
+    <dgm:linClrLst meth="repeat">
+      <a:schemeClr val="accent1"/>
+    </dgm:linClrLst>
+    <dgm:effectClrLst/>
+    <dgm:txLinClrLst/>
+    <dgm:txFillClrLst meth="repeat">
+      <a:schemeClr val="lt1"/>
+    </dgm:txFillClrLst>
+    <dgm:txEffectClrLst/>
+  </dgm:styleLbl>
+  <dgm:styleLbl name="parChTrans1D1">
+    <dgm:fillClrLst meth="repeat">
+      <a:schemeClr val="accent1"/>
+    </dgm:fillClrLst>
+    <dgm:linClrLst meth="repeat">
+      <a:schemeClr val="accent1">
+        <a:shade val="60000"/>
+      </a:schemeClr>
+    </dgm:linClrLst>
+    <dgm:effectClrLst/>
+    <dgm:txLinClrLst/>
+    <dgm:txFillClrLst meth="repeat">
+      <a:schemeClr val="tx1"/>
+    </dgm:txFillClrLst>
+    <dgm:txEffectClrLst/>
+  </dgm:styleLbl>
+  <dgm:styleLbl name="parChTrans1D2">
+    <dgm:fillClrLst meth="repeat">
+      <a:schemeClr val="accent1"/>
+    </dgm:fillClrLst>
+    <dgm:linClrLst meth="repeat">
+      <a:schemeClr val="accent1">
+        <a:shade val="60000"/>
+      </a:schemeClr>
+    </dgm:linClrLst>
+    <dgm:effectClrLst/>
+    <dgm:txLinClrLst/>
+    <dgm:txFillClrLst meth="repeat">
+      <a:schemeClr val="tx1"/>
+    </dgm:txFillClrLst>
+    <dgm:txEffectClrLst/>
+  </dgm:styleLbl>
+  <dgm:styleLbl name="parChTrans1D3">
+    <dgm:fillClrLst meth="repeat">
+      <a:schemeClr val="accent1"/>
+    </dgm:fillClrLst>
+    <dgm:linClrLst meth="repeat">
+      <a:schemeClr val="accent1">
+        <a:shade val="80000"/>
+      </a:schemeClr>
+    </dgm:linClrLst>
+    <dgm:effectClrLst/>
+    <dgm:txLinClrLst/>
+    <dgm:txFillClrLst meth="repeat">
+      <a:schemeClr val="tx1"/>
+    </dgm:txFillClrLst>
+    <dgm:txEffectClrLst/>
+  </dgm:styleLbl>
+  <dgm:styleLbl name="parChTrans1D4">
+    <dgm:fillClrLst meth="repeat">
+      <a:schemeClr val="accent1"/>
+    </dgm:fillClrLst>
+    <dgm:linClrLst meth="repeat">
+      <a:schemeClr val="accent1">
+        <a:shade val="80000"/>
+      </a:schemeClr>
+    </dgm:linClrLst>
+    <dgm:effectClrLst/>
+    <dgm:txLinClrLst/>
+    <dgm:txFillClrLst meth="repeat">
+      <a:schemeClr val="tx1"/>
+    </dgm:txFillClrLst>
+    <dgm:txEffectClrLst/>
+  </dgm:styleLbl>
+  <dgm:styleLbl name="fgAcc1">
+    <dgm:fillClrLst meth="repeat">
+      <a:schemeClr val="lt1">
+        <a:alpha val="90000"/>
+      </a:schemeClr>
+    </dgm:fillClrLst>
+    <dgm:linClrLst meth="repeat">
+      <a:schemeClr val="accent1"/>
+    </dgm:linClrLst>
+    <dgm:effectClrLst/>
+    <dgm:txLinClrLst/>
+    <dgm:txFillClrLst meth="repeat">
+      <a:schemeClr val="dk1"/>
+    </dgm:txFillClrLst>
+    <dgm:txEffectClrLst/>
+  </dgm:styleLbl>
+  <dgm:styleLbl name="conFgAcc1">
+    <dgm:fillClrLst meth="repeat">
+      <a:schemeClr val="lt1">
+        <a:alpha val="90000"/>
+      </a:schemeClr>
+    </dgm:fillClrLst>
+    <dgm:linClrLst meth="repeat">
+      <a:schemeClr val="accent1"/>
+    </dgm:linClrLst>
+    <dgm:effectClrLst/>
+    <dgm:txLinClrLst/>
+    <dgm:txFillClrLst meth="repeat">
+      <a:schemeClr val="dk1"/>
+    </dgm:txFillClrLst>
+    <dgm:txEffectClrLst/>
+  </dgm:styleLbl>
+  <dgm:styleLbl name="alignAcc1">
+    <dgm:fillClrLst meth="repeat">
+      <a:schemeClr val="lt1">
+        <a:alpha val="90000"/>
+      </a:schemeClr>
+    </dgm:fillClrLst>
+    <dgm:linClrLst meth="repeat">
+      <a:schemeClr val="accent1"/>
+    </dgm:linClrLst>
+    <dgm:effectClrLst/>
+    <dgm:txLinClrLst/>
+    <dgm:txFillClrLst meth="repeat">
+      <a:schemeClr val="dk1"/>
+    </dgm:txFillClrLst>
+    <dgm:txEffectClrLst/>
+  </dgm:styleLbl>
+  <dgm:styleLbl name="trAlignAcc1">
+    <dgm:fillClrLst meth="repeat">
+      <a:schemeClr val="lt1">
+        <a:alpha val="40000"/>
+      </a:schemeClr>
+    </dgm:fillClrLst>
+    <dgm:linClrLst meth="repeat">
+      <a:schemeClr val="accent1"/>
+    </dgm:linClrLst>
+    <dgm:effectClrLst/>
+    <dgm:txLinClrLst/>
+    <dgm:txFillClrLst meth="repeat">
+      <a:schemeClr val="dk1"/>
+    </dgm:txFillClrLst>
+    <dgm:txEffectClrLst/>
+  </dgm:styleLbl>
+  <dgm:styleLbl name="bgAcc1">
+    <dgm:fillClrLst meth="repeat">
+      <a:schemeClr val="lt1">
+        <a:alpha val="90000"/>
+      </a:schemeClr>
+    </dgm:fillClrLst>
+    <dgm:linClrLst meth="repeat">
+      <a:schemeClr val="accent1"/>
+    </dgm:linClrLst>
+    <dgm:effectClrLst/>
+    <dgm:txLinClrLst/>
+    <dgm:txFillClrLst meth="repeat">
+      <a:schemeClr val="dk1"/>
+    </dgm:txFillClrLst>
+    <dgm:txEffectClrLst/>
+  </dgm:styleLbl>
+  <dgm:styleLbl name="solidFgAcc1">
+    <dgm:fillClrLst meth="repeat">
+      <a:schemeClr val="lt1"/>
+    </dgm:fillClrLst>
+    <dgm:linClrLst meth="repeat">
+      <a:schemeClr val="accent1"/>
+    </dgm:linClrLst>
+    <dgm:effectClrLst/>
+    <dgm:txLinClrLst/>
+    <dgm:txFillClrLst meth="repeat">
+      <a:schemeClr val="dk1"/>
+    </dgm:txFillClrLst>
+    <dgm:txEffectClrLst/>
+  </dgm:styleLbl>
+  <dgm:styleLbl name="solidAlignAcc1">
+    <dgm:fillClrLst meth="repeat">
+      <a:schemeClr val="lt1"/>
+    </dgm:fillClrLst>
+    <dgm:linClrLst meth="repeat">
+      <a:schemeClr val="accent1"/>
+    </dgm:linClrLst>
+    <dgm:effectClrLst/>
+    <dgm:txLinClrLst/>
+    <dgm:txFillClrLst meth="repeat">
+      <a:schemeClr val="dk1"/>
+    </dgm:txFillClrLst>
+    <dgm:txEffectClrLst/>
+  </dgm:styleLbl>
+  <dgm:styleLbl name="solidBgAcc1">
+    <dgm:fillClrLst meth="repeat">
+      <a:schemeClr val="lt1"/>
+    </dgm:fillClrLst>
+    <dgm:linClrLst meth="repeat">
+      <a:schemeClr val="accent1"/>
+    </dgm:linClrLst>
+    <dgm:effectClrLst/>
+    <dgm:txLinClrLst/>
+    <dgm:txFillClrLst meth="repeat">
+      <a:schemeClr val="dk1"/>
+    </dgm:txFillClrLst>
+    <dgm:txEffectClrLst/>
+  </dgm:styleLbl>
+  <dgm:styleLbl name="fgAccFollowNode1">
+    <dgm:fillClrLst meth="repeat">
+      <a:schemeClr val="accent1">
+        <a:alpha val="90000"/>
+        <a:tint val="40000"/>
+      </a:schemeClr>
+    </dgm:fillClrLst>
+    <dgm:linClrLst meth="repeat">
+      <a:schemeClr val="accent1">
+        <a:alpha val="90000"/>
+        <a:tint val="40000"/>
+      </a:schemeClr>
+    </dgm:linClrLst>
+    <dgm:effectClrLst/>
+    <dgm:txLinClrLst/>
+    <dgm:txFillClrLst meth="repeat">
+      <a:schemeClr val="dk1"/>
+    </dgm:txFillClrLst>
+    <dgm:txEffectClrLst/>
+  </dgm:styleLbl>
+  <dgm:styleLbl name="alignAccFollowNode1">
+    <dgm:fillClrLst meth="repeat">
+      <a:schemeClr val="accent1">
+        <a:alpha val="90000"/>
+        <a:tint val="40000"/>
+      </a:schemeClr>
+    </dgm:fillClrLst>
+    <dgm:linClrLst meth="repeat">
+      <a:schemeClr val="accent1">
+        <a:alpha val="90000"/>
+        <a:tint val="40000"/>
+      </a:schemeClr>
+    </dgm:linClrLst>
+    <dgm:effectClrLst/>
+    <dgm:txLinClrLst/>
+    <dgm:txFillClrLst meth="repeat">
+      <a:schemeClr val="dk1"/>
+    </dgm:txFillClrLst>
+    <dgm:txEffectClrLst/>
+  </dgm:styleLbl>
+  <dgm:styleLbl name="bgAccFollowNode1">
+    <dgm:fillClrLst meth="repeat">
+      <a:schemeClr val="accent1">
+        <a:alpha val="90000"/>
+        <a:tint val="40000"/>
+      </a:schemeClr>
+    </dgm:fillClrLst>
+    <dgm:linClrLst meth="repeat">
+      <a:schemeClr val="accent1">
+        <a:alpha val="90000"/>
+        <a:tint val="40000"/>
+      </a:schemeClr>
+    </dgm:linClrLst>
+    <dgm:effectClrLst/>
+    <dgm:txLinClrLst/>
+    <dgm:txFillClrLst meth="repeat">
+      <a:schemeClr val="dk1"/>
+    </dgm:txFillClrLst>
+    <dgm:txEffectClrLst/>
+  </dgm:styleLbl>
+  <dgm:styleLbl name="fgAcc0">
+    <dgm:fillClrLst meth="repeat">
+      <a:schemeClr val="lt1">
+        <a:alpha val="90000"/>
+      </a:schemeClr>
+    </dgm:fillClrLst>
+    <dgm:linClrLst meth="repeat">
+      <a:schemeClr val="accent1"/>
+    </dgm:linClrLst>
+    <dgm:effectClrLst/>
+    <dgm:txLinClrLst/>
+    <dgm:txFillClrLst meth="repeat">
+      <a:schemeClr val="dk1"/>
+    </dgm:txFillClrLst>
+    <dgm:txEffectClrLst/>
+  </dgm:styleLbl>
+  <dgm:styleLbl name="fgAcc2">
+    <dgm:fillClrLst meth="repeat">
+      <a:schemeClr val="lt1">
+        <a:alpha val="90000"/>
+      </a:schemeClr>
+    </dgm:fillClrLst>
+    <dgm:linClrLst meth="repeat">
+      <a:schemeClr val="accent1"/>
+    </dgm:linClrLst>
+    <dgm:effectClrLst/>
+    <dgm:txLinClrLst/>
+    <dgm:txFillClrLst meth="repeat">
+      <a:schemeClr val="dk1"/>
+    </dgm:txFillClrLst>
+    <dgm:txEffectClrLst/>
+  </dgm:styleLbl>
+  <dgm:styleLbl name="fgAcc3">
+    <dgm:fillClrLst meth="repeat">
+      <a:schemeClr val="lt1">
+        <a:alpha val="90000"/>
+      </a:schemeClr>
+    </dgm:fillClrLst>
+    <dgm:linClrLst meth="repeat">
+      <a:schemeClr val="accent1"/>
+    </dgm:linClrLst>
+    <dgm:effectClrLst/>
+    <dgm:txLinClrLst/>
+    <dgm:txFillClrLst meth="repeat">
+      <a:schemeClr val="dk1"/>
+    </dgm:txFillClrLst>
+    <dgm:txEffectClrLst/>
+  </dgm:styleLbl>
+  <dgm:styleLbl name="fgAcc4">
+    <dgm:fillClrLst meth="repeat">
+      <a:schemeClr val="lt1">
+        <a:alpha val="90000"/>
+      </a:schemeClr>
+    </dgm:fillClrLst>
+    <dgm:linClrLst meth="repeat">
+      <a:schemeClr val="accent1"/>
+    </dgm:linClrLst>
+    <dgm:effectClrLst/>
+    <dgm:txLinClrLst/>
+    <dgm:txFillClrLst meth="repeat">
+      <a:schemeClr val="dk1"/>
+    </dgm:txFillClrLst>
+    <dgm:txEffectClrLst/>
+  </dgm:styleLbl>
+  <dgm:styleLbl name="bgShp">
+    <dgm:fillClrLst meth="repeat">
+      <a:schemeClr val="accent1">
+        <a:tint val="40000"/>
+      </a:schemeClr>
+    </dgm:fillClrLst>
+    <dgm:linClrLst meth="repeat">
+      <a:schemeClr val="accent1"/>
+    </dgm:linClrLst>
+    <dgm:effectClrLst/>
+    <dgm:txLinClrLst/>
+    <dgm:txFillClrLst meth="repeat">
+      <a:schemeClr val="dk1"/>
+    </dgm:txFillClrLst>
+    <dgm:txEffectClrLst/>
+  </dgm:styleLbl>
+  <dgm:styleLbl name="dkBgShp">
+    <dgm:fillClrLst meth="repeat">
+      <a:schemeClr val="accent1">
+        <a:shade val="80000"/>
+      </a:schemeClr>
+    </dgm:fillClrLst>
+    <dgm:linClrLst meth="repeat">
+      <a:schemeClr val="accent1"/>
+    </dgm:linClrLst>
+    <dgm:effectClrLst/>
+    <dgm:txLinClrLst/>
+    <dgm:txFillClrLst meth="repeat">
+      <a:schemeClr val="lt1"/>
+    </dgm:txFillClrLst>
+    <dgm:txEffectClrLst/>
+  </dgm:styleLbl>
+  <dgm:styleLbl name="trBgShp">
+    <dgm:fillClrLst meth="repeat">
+      <a:schemeClr val="accent1">
+        <a:tint val="50000"/>
+        <a:alpha val="40000"/>
+      </a:schemeClr>
+    </dgm:fillClrLst>
+    <dgm:linClrLst meth="repeat">
+      <a:schemeClr val="accent1"/>
+    </dgm:linClrLst>
+    <dgm:effectClrLst/>
+    <dgm:txLinClrLst/>
+    <dgm:txFillClrLst meth="repeat">
+      <a:schemeClr val="lt1"/>
+    </dgm:txFillClrLst>
+    <dgm:txEffectClrLst/>
+  </dgm:styleLbl>
+  <dgm:styleLbl name="fgShp">
+    <dgm:fillClrLst meth="repeat">
+      <a:schemeClr val="accent1">
+        <a:tint val="60000"/>
+      </a:schemeClr>
+    </dgm:fillClrLst>
+    <dgm:linClrLst meth="repeat">
+      <a:schemeClr val="lt1"/>
+    </dgm:linClrLst>
+    <dgm:effectClrLst/>
+    <dgm:txLinClrLst/>
+    <dgm:txFillClrLst meth="repeat">
+      <a:schemeClr val="dk1"/>
+    </dgm:txFillClrLst>
+    <dgm:txEffectClrLst/>
+  </dgm:styleLbl>
+  <dgm:styleLbl name="revTx">
+    <dgm:fillClrLst meth="repeat">
+      <a:schemeClr val="lt1">
+        <a:alpha val="0"/>
+      </a:schemeClr>
+    </dgm:fillClrLst>
+    <dgm:linClrLst meth="repeat">
+      <a:schemeClr val="dk1">
+        <a:alpha val="0"/>
+      </a:schemeClr>
+    </dgm:linClrLst>
+    <dgm:effectClrLst/>
+    <dgm:txLinClrLst/>
+    <dgm:txFillClrLst meth="repeat">
+      <a:schemeClr val="tx1"/>
+    </dgm:txFillClrLst>
+    <dgm:txEffectClrLst/>
+  </dgm:styleLbl>
+</dgm:colorsDef>
+</file>
+
+<file path=ppt/diagrams/data1.xml><?xml version="1.0" encoding="utf-8"?>
+<dgm:dataModel xmlns:dgm="http://schemas.openxmlformats.org/drawingml/2006/diagram" xmlns:a="http://schemas.openxmlformats.org/drawingml/2006/main">
+  <dgm:ptLst>
+    <dgm:pt modelId="{722F1073-A131-4FE9-A180-10E89D3AFCA5}" type="doc">
+      <dgm:prSet loTypeId="urn:microsoft.com/office/officeart/2005/8/layout/process1" loCatId="process" qsTypeId="urn:microsoft.com/office/officeart/2005/8/quickstyle/simple1" qsCatId="simple" csTypeId="urn:microsoft.com/office/officeart/2005/8/colors/accent1_2" csCatId="accent1" phldr="1"/>
+      <dgm:spPr/>
+    </dgm:pt>
+    <dgm:pt modelId="{0BE99F57-E0FA-4C8F-8786-41E5C712CCAA}">
+      <dgm:prSet phldrT="[文字]"/>
+      <dgm:spPr/>
+      <dgm:t>
+        <a:bodyPr/>
+        <a:lstStyle/>
+        <a:p>
+          <a:r>
+            <a:rPr lang="zh-TW" altLang="en-US" dirty="0" smtClean="0"/>
+            <a:t>建好一個預測波動性不錯的模型</a:t>
+          </a:r>
+          <a:endParaRPr lang="zh-TW" altLang="en-US" dirty="0"/>
+        </a:p>
+      </dgm:t>
+    </dgm:pt>
+    <dgm:pt modelId="{E298F703-053F-4171-8271-72E7BBFE389F}" type="parTrans" cxnId="{225F048E-5544-49E6-913B-C8C6B3CADEA4}">
+      <dgm:prSet/>
+      <dgm:spPr/>
+      <dgm:t>
+        <a:bodyPr/>
+        <a:lstStyle/>
+        <a:p>
+          <a:endParaRPr lang="zh-TW" altLang="en-US"/>
+        </a:p>
+      </dgm:t>
+    </dgm:pt>
+    <dgm:pt modelId="{E4CF22C3-7235-4777-A129-DA6CA3F8E114}" type="sibTrans" cxnId="{225F048E-5544-49E6-913B-C8C6B3CADEA4}">
+      <dgm:prSet/>
+      <dgm:spPr/>
+      <dgm:t>
+        <a:bodyPr/>
+        <a:lstStyle/>
+        <a:p>
+          <a:endParaRPr lang="zh-TW" altLang="en-US"/>
+        </a:p>
+      </dgm:t>
+    </dgm:pt>
+    <dgm:pt modelId="{D88EB3E7-4AAE-4712-86B4-E0DD91893C65}">
+      <dgm:prSet phldrT="[文字]"/>
+      <dgm:spPr/>
+      <dgm:t>
+        <a:bodyPr/>
+        <a:lstStyle/>
+        <a:p>
+          <a:r>
+            <a:rPr lang="zh-TW" altLang="en-US" dirty="0" smtClean="0"/>
+            <a:t>根據交易員</a:t>
+          </a:r>
+          <a:r>
+            <a:rPr lang="en-US" altLang="zh-TW" dirty="0" smtClean="0"/>
+            <a:t>domain knowledge</a:t>
+          </a:r>
+          <a:r>
+            <a:rPr lang="zh-TW" altLang="en-US" dirty="0" smtClean="0"/>
+            <a:t>與相關論文改良</a:t>
+          </a:r>
+          <a:endParaRPr lang="zh-TW" altLang="en-US" dirty="0"/>
+        </a:p>
+      </dgm:t>
+    </dgm:pt>
+    <dgm:pt modelId="{B48815D5-D8B1-4093-9EB5-243032D2E5BE}" type="parTrans" cxnId="{91DC3E2E-2E33-41C7-AD7F-D9AE37E8EBBD}">
+      <dgm:prSet/>
+      <dgm:spPr/>
+      <dgm:t>
+        <a:bodyPr/>
+        <a:lstStyle/>
+        <a:p>
+          <a:endParaRPr lang="zh-TW" altLang="en-US"/>
+        </a:p>
+      </dgm:t>
+    </dgm:pt>
+    <dgm:pt modelId="{2DF93163-9CF3-44DC-80B4-C06F4D4E53EF}" type="sibTrans" cxnId="{91DC3E2E-2E33-41C7-AD7F-D9AE37E8EBBD}">
+      <dgm:prSet/>
+      <dgm:spPr/>
+      <dgm:t>
+        <a:bodyPr/>
+        <a:lstStyle/>
+        <a:p>
+          <a:endParaRPr lang="zh-TW" altLang="en-US"/>
+        </a:p>
+      </dgm:t>
+    </dgm:pt>
+    <dgm:pt modelId="{AC41623E-3F9B-4AF7-825C-0C8A494CFF13}">
+      <dgm:prSet phldrT="[文字]"/>
+      <dgm:spPr/>
+      <dgm:t>
+        <a:bodyPr/>
+        <a:lstStyle/>
+        <a:p>
+          <a:r>
+            <a:rPr lang="zh-TW" altLang="en-US" dirty="0" smtClean="0"/>
+            <a:t>拿到市場驗證</a:t>
+          </a:r>
+          <a:endParaRPr lang="zh-TW" altLang="en-US" dirty="0"/>
+        </a:p>
+      </dgm:t>
+    </dgm:pt>
+    <dgm:pt modelId="{9D35AA19-0975-40C5-91AE-89722994D9F1}" type="parTrans" cxnId="{0C4B533A-4EEA-4A44-A77A-5BA13A3B8E86}">
+      <dgm:prSet/>
+      <dgm:spPr/>
+      <dgm:t>
+        <a:bodyPr/>
+        <a:lstStyle/>
+        <a:p>
+          <a:endParaRPr lang="zh-TW" altLang="en-US"/>
+        </a:p>
+      </dgm:t>
+    </dgm:pt>
+    <dgm:pt modelId="{A623DCC3-5FD7-4677-976E-4138D4D801D1}" type="sibTrans" cxnId="{0C4B533A-4EEA-4A44-A77A-5BA13A3B8E86}">
+      <dgm:prSet/>
+      <dgm:spPr/>
+      <dgm:t>
+        <a:bodyPr/>
+        <a:lstStyle/>
+        <a:p>
+          <a:endParaRPr lang="zh-TW" altLang="en-US"/>
+        </a:p>
+      </dgm:t>
+    </dgm:pt>
+    <dgm:pt modelId="{A37B29BD-44EB-445B-836B-C64B47691891}" type="pres">
+      <dgm:prSet presAssocID="{722F1073-A131-4FE9-A180-10E89D3AFCA5}" presName="Name0" presStyleCnt="0">
+        <dgm:presLayoutVars>
+          <dgm:dir/>
+          <dgm:resizeHandles val="exact"/>
+        </dgm:presLayoutVars>
+      </dgm:prSet>
+      <dgm:spPr/>
+    </dgm:pt>
+    <dgm:pt modelId="{4969B8DC-64E3-4F66-B880-D4909C1F90F4}" type="pres">
+      <dgm:prSet presAssocID="{0BE99F57-E0FA-4C8F-8786-41E5C712CCAA}" presName="node" presStyleLbl="node1" presStyleIdx="0" presStyleCnt="3">
+        <dgm:presLayoutVars>
+          <dgm:bulletEnabled val="1"/>
+        </dgm:presLayoutVars>
+      </dgm:prSet>
+      <dgm:spPr/>
+      <dgm:t>
+        <a:bodyPr/>
+        <a:lstStyle/>
+        <a:p>
+          <a:endParaRPr lang="zh-TW" altLang="en-US"/>
+        </a:p>
+      </dgm:t>
+    </dgm:pt>
+    <dgm:pt modelId="{508302E1-E866-449F-9687-D7D23245E90F}" type="pres">
+      <dgm:prSet presAssocID="{E4CF22C3-7235-4777-A129-DA6CA3F8E114}" presName="sibTrans" presStyleLbl="sibTrans2D1" presStyleIdx="0" presStyleCnt="2"/>
+      <dgm:spPr/>
+    </dgm:pt>
+    <dgm:pt modelId="{C0285EEE-EB90-48A1-A21C-F79278273193}" type="pres">
+      <dgm:prSet presAssocID="{E4CF22C3-7235-4777-A129-DA6CA3F8E114}" presName="connectorText" presStyleLbl="sibTrans2D1" presStyleIdx="0" presStyleCnt="2"/>
+      <dgm:spPr/>
+    </dgm:pt>
+    <dgm:pt modelId="{C79F2CCE-7A88-4597-8D7E-C45EE11C2C25}" type="pres">
+      <dgm:prSet presAssocID="{D88EB3E7-4AAE-4712-86B4-E0DD91893C65}" presName="node" presStyleLbl="node1" presStyleIdx="1" presStyleCnt="3" custScaleX="161159">
+        <dgm:presLayoutVars>
+          <dgm:bulletEnabled val="1"/>
+        </dgm:presLayoutVars>
+      </dgm:prSet>
+      <dgm:spPr/>
+    </dgm:pt>
+    <dgm:pt modelId="{E5AD1277-8F1C-41C1-AA79-D37C6757D446}" type="pres">
+      <dgm:prSet presAssocID="{2DF93163-9CF3-44DC-80B4-C06F4D4E53EF}" presName="sibTrans" presStyleLbl="sibTrans2D1" presStyleIdx="1" presStyleCnt="2"/>
+      <dgm:spPr/>
+    </dgm:pt>
+    <dgm:pt modelId="{2E276ED1-3176-47FA-8079-3328396D3862}" type="pres">
+      <dgm:prSet presAssocID="{2DF93163-9CF3-44DC-80B4-C06F4D4E53EF}" presName="connectorText" presStyleLbl="sibTrans2D1" presStyleIdx="1" presStyleCnt="2"/>
+      <dgm:spPr/>
+    </dgm:pt>
+    <dgm:pt modelId="{A4BC10AB-BA26-46A3-A1D9-663175F1505C}" type="pres">
+      <dgm:prSet presAssocID="{AC41623E-3F9B-4AF7-825C-0C8A494CFF13}" presName="node" presStyleLbl="node1" presStyleIdx="2" presStyleCnt="3" custScaleX="111227">
+        <dgm:presLayoutVars>
+          <dgm:bulletEnabled val="1"/>
+        </dgm:presLayoutVars>
+      </dgm:prSet>
+      <dgm:spPr/>
+    </dgm:pt>
+  </dgm:ptLst>
+  <dgm:cxnLst>
+    <dgm:cxn modelId="{2F023EFF-3A43-4034-8C3A-694159BA899B}" type="presOf" srcId="{E4CF22C3-7235-4777-A129-DA6CA3F8E114}" destId="{C0285EEE-EB90-48A1-A21C-F79278273193}" srcOrd="1" destOrd="0" presId="urn:microsoft.com/office/officeart/2005/8/layout/process1"/>
+    <dgm:cxn modelId="{B078467F-55CF-40AE-97BF-FFA426102A57}" type="presOf" srcId="{0BE99F57-E0FA-4C8F-8786-41E5C712CCAA}" destId="{4969B8DC-64E3-4F66-B880-D4909C1F90F4}" srcOrd="0" destOrd="0" presId="urn:microsoft.com/office/officeart/2005/8/layout/process1"/>
+    <dgm:cxn modelId="{60ECA149-8660-4C7A-B6A9-86C9CD9AC0C5}" type="presOf" srcId="{E4CF22C3-7235-4777-A129-DA6CA3F8E114}" destId="{508302E1-E866-449F-9687-D7D23245E90F}" srcOrd="0" destOrd="0" presId="urn:microsoft.com/office/officeart/2005/8/layout/process1"/>
+    <dgm:cxn modelId="{5D881D32-8F9B-4E59-A1F9-6D19655EDB5D}" type="presOf" srcId="{D88EB3E7-4AAE-4712-86B4-E0DD91893C65}" destId="{C79F2CCE-7A88-4597-8D7E-C45EE11C2C25}" srcOrd="0" destOrd="0" presId="urn:microsoft.com/office/officeart/2005/8/layout/process1"/>
+    <dgm:cxn modelId="{91DC3E2E-2E33-41C7-AD7F-D9AE37E8EBBD}" srcId="{722F1073-A131-4FE9-A180-10E89D3AFCA5}" destId="{D88EB3E7-4AAE-4712-86B4-E0DD91893C65}" srcOrd="1" destOrd="0" parTransId="{B48815D5-D8B1-4093-9EB5-243032D2E5BE}" sibTransId="{2DF93163-9CF3-44DC-80B4-C06F4D4E53EF}"/>
+    <dgm:cxn modelId="{5B8515B3-14E5-4A2E-9D74-F8ED7F5C6168}" type="presOf" srcId="{2DF93163-9CF3-44DC-80B4-C06F4D4E53EF}" destId="{2E276ED1-3176-47FA-8079-3328396D3862}" srcOrd="1" destOrd="0" presId="urn:microsoft.com/office/officeart/2005/8/layout/process1"/>
+    <dgm:cxn modelId="{CD440B30-1F92-4200-8160-C2C88B380929}" type="presOf" srcId="{AC41623E-3F9B-4AF7-825C-0C8A494CFF13}" destId="{A4BC10AB-BA26-46A3-A1D9-663175F1505C}" srcOrd="0" destOrd="0" presId="urn:microsoft.com/office/officeart/2005/8/layout/process1"/>
+    <dgm:cxn modelId="{0C4B533A-4EEA-4A44-A77A-5BA13A3B8E86}" srcId="{722F1073-A131-4FE9-A180-10E89D3AFCA5}" destId="{AC41623E-3F9B-4AF7-825C-0C8A494CFF13}" srcOrd="2" destOrd="0" parTransId="{9D35AA19-0975-40C5-91AE-89722994D9F1}" sibTransId="{A623DCC3-5FD7-4677-976E-4138D4D801D1}"/>
+    <dgm:cxn modelId="{225F048E-5544-49E6-913B-C8C6B3CADEA4}" srcId="{722F1073-A131-4FE9-A180-10E89D3AFCA5}" destId="{0BE99F57-E0FA-4C8F-8786-41E5C712CCAA}" srcOrd="0" destOrd="0" parTransId="{E298F703-053F-4171-8271-72E7BBFE389F}" sibTransId="{E4CF22C3-7235-4777-A129-DA6CA3F8E114}"/>
+    <dgm:cxn modelId="{98C291DB-CFC5-4E9B-B474-30A405D40B34}" type="presOf" srcId="{722F1073-A131-4FE9-A180-10E89D3AFCA5}" destId="{A37B29BD-44EB-445B-836B-C64B47691891}" srcOrd="0" destOrd="0" presId="urn:microsoft.com/office/officeart/2005/8/layout/process1"/>
+    <dgm:cxn modelId="{5976D57E-8E8B-4228-A7A7-F5BDA5DEF0B5}" type="presOf" srcId="{2DF93163-9CF3-44DC-80B4-C06F4D4E53EF}" destId="{E5AD1277-8F1C-41C1-AA79-D37C6757D446}" srcOrd="0" destOrd="0" presId="urn:microsoft.com/office/officeart/2005/8/layout/process1"/>
+    <dgm:cxn modelId="{80DC0656-BBEB-4DF5-8DC4-2E7150B53AE8}" type="presParOf" srcId="{A37B29BD-44EB-445B-836B-C64B47691891}" destId="{4969B8DC-64E3-4F66-B880-D4909C1F90F4}" srcOrd="0" destOrd="0" presId="urn:microsoft.com/office/officeart/2005/8/layout/process1"/>
+    <dgm:cxn modelId="{894A52DC-F8F6-47E0-83AE-A5BF5D92BBFB}" type="presParOf" srcId="{A37B29BD-44EB-445B-836B-C64B47691891}" destId="{508302E1-E866-449F-9687-D7D23245E90F}" srcOrd="1" destOrd="0" presId="urn:microsoft.com/office/officeart/2005/8/layout/process1"/>
+    <dgm:cxn modelId="{391544BB-ECD7-451A-8105-38CCB9A822F6}" type="presParOf" srcId="{508302E1-E866-449F-9687-D7D23245E90F}" destId="{C0285EEE-EB90-48A1-A21C-F79278273193}" srcOrd="0" destOrd="0" presId="urn:microsoft.com/office/officeart/2005/8/layout/process1"/>
+    <dgm:cxn modelId="{BCAFF1EC-F9D8-4738-934E-81CD474C4AA3}" type="presParOf" srcId="{A37B29BD-44EB-445B-836B-C64B47691891}" destId="{C79F2CCE-7A88-4597-8D7E-C45EE11C2C25}" srcOrd="2" destOrd="0" presId="urn:microsoft.com/office/officeart/2005/8/layout/process1"/>
+    <dgm:cxn modelId="{39A25F67-861A-42E4-A875-219738A24089}" type="presParOf" srcId="{A37B29BD-44EB-445B-836B-C64B47691891}" destId="{E5AD1277-8F1C-41C1-AA79-D37C6757D446}" srcOrd="3" destOrd="0" presId="urn:microsoft.com/office/officeart/2005/8/layout/process1"/>
+    <dgm:cxn modelId="{8C8B8984-9F59-4234-8A64-0D7F5DC9B070}" type="presParOf" srcId="{E5AD1277-8F1C-41C1-AA79-D37C6757D446}" destId="{2E276ED1-3176-47FA-8079-3328396D3862}" srcOrd="0" destOrd="0" presId="urn:microsoft.com/office/officeart/2005/8/layout/process1"/>
+    <dgm:cxn modelId="{621E43AB-A155-4A66-83B4-0DC9BCD0AD7F}" type="presParOf" srcId="{A37B29BD-44EB-445B-836B-C64B47691891}" destId="{A4BC10AB-BA26-46A3-A1D9-663175F1505C}" srcOrd="4" destOrd="0" presId="urn:microsoft.com/office/officeart/2005/8/layout/process1"/>
+  </dgm:cxnLst>
+  <dgm:bg/>
+  <dgm:whole/>
+  <dgm:extLst>
+    <a:ext uri="http://schemas.microsoft.com/office/drawing/2008/diagram">
+      <dsp:dataModelExt xmlns:dsp="http://schemas.microsoft.com/office/drawing/2008/diagram" relId="rId6" minVer="http://schemas.openxmlformats.org/drawingml/2006/diagram"/>
+    </a:ext>
+  </dgm:extLst>
+</dgm:dataModel>
+</file>
+
+<file path=ppt/diagrams/drawing1.xml><?xml version="1.0" encoding="utf-8"?>
+<dsp:drawing xmlns:dgm="http://schemas.openxmlformats.org/drawingml/2006/diagram" xmlns:dsp="http://schemas.microsoft.com/office/drawing/2008/diagram" xmlns:a="http://schemas.openxmlformats.org/drawingml/2006/main">
+  <dsp:spTree>
+    <dsp:nvGrpSpPr>
+      <dsp:cNvPr id="0" name=""/>
+      <dsp:cNvGrpSpPr/>
+    </dsp:nvGrpSpPr>
+    <dsp:grpSpPr/>
+    <dsp:sp modelId="{4969B8DC-64E3-4F66-B880-D4909C1F90F4}">
+      <dsp:nvSpPr>
+        <dsp:cNvPr id="0" name=""/>
+        <dsp:cNvSpPr/>
+      </dsp:nvSpPr>
+      <dsp:spPr>
+        <a:xfrm>
+          <a:off x="1793" y="1377652"/>
+          <a:ext cx="1702366" cy="1308694"/>
+        </a:xfrm>
+        <a:prstGeom prst="roundRect">
+          <a:avLst>
+            <a:gd name="adj" fmla="val 10000"/>
+          </a:avLst>
+        </a:prstGeom>
+        <a:solidFill>
+          <a:schemeClr val="accent1">
+            <a:hueOff val="0"/>
+            <a:satOff val="0"/>
+            <a:lumOff val="0"/>
+            <a:alphaOff val="0"/>
+          </a:schemeClr>
+        </a:solidFill>
+        <a:ln w="26425" cap="flat" cmpd="sng" algn="ctr">
+          <a:solidFill>
+            <a:schemeClr val="lt1">
+              <a:hueOff val="0"/>
+              <a:satOff val="0"/>
+              <a:lumOff val="0"/>
+              <a:alphaOff val="0"/>
+            </a:schemeClr>
+          </a:solidFill>
+          <a:prstDash val="solid"/>
+        </a:ln>
+        <a:effectLst/>
+      </dsp:spPr>
+      <dsp:style>
+        <a:lnRef idx="2">
+          <a:scrgbClr r="0" g="0" b="0"/>
+        </a:lnRef>
+        <a:fillRef idx="1">
+          <a:scrgbClr r="0" g="0" b="0"/>
+        </a:fillRef>
+        <a:effectRef idx="0">
+          <a:scrgbClr r="0" g="0" b="0"/>
+        </a:effectRef>
+        <a:fontRef idx="minor">
+          <a:schemeClr val="lt1"/>
+        </a:fontRef>
+      </dsp:style>
+      <dsp:txBody>
+        <a:bodyPr spcFirstLastPara="0" vert="horz" wrap="square" lIns="64770" tIns="64770" rIns="64770" bIns="64770" numCol="1" spcCol="1270" anchor="ctr" anchorCtr="0">
+          <a:noAutofit/>
+        </a:bodyPr>
+        <a:lstStyle/>
+        <a:p>
+          <a:pPr lvl="0" algn="ctr" defTabSz="755650">
+            <a:lnSpc>
+              <a:spcPct val="90000"/>
+            </a:lnSpc>
+            <a:spcBef>
+              <a:spcPct val="0"/>
+            </a:spcBef>
+            <a:spcAft>
+              <a:spcPct val="35000"/>
+            </a:spcAft>
+          </a:pPr>
+          <a:r>
+            <a:rPr lang="zh-TW" altLang="en-US" sz="1700" kern="1200" dirty="0" smtClean="0"/>
+            <a:t>建好一個預測波動性不錯的模型</a:t>
+          </a:r>
+          <a:endParaRPr lang="zh-TW" altLang="en-US" sz="1700" kern="1200" dirty="0"/>
+        </a:p>
+      </dsp:txBody>
+      <dsp:txXfrm>
+        <a:off x="40123" y="1415982"/>
+        <a:ext cx="1625706" cy="1232034"/>
+      </dsp:txXfrm>
+    </dsp:sp>
+    <dsp:sp modelId="{508302E1-E866-449F-9687-D7D23245E90F}">
+      <dsp:nvSpPr>
+        <dsp:cNvPr id="0" name=""/>
+        <dsp:cNvSpPr/>
+      </dsp:nvSpPr>
+      <dsp:spPr>
+        <a:xfrm>
+          <a:off x="1874396" y="1820906"/>
+          <a:ext cx="360901" cy="422186"/>
+        </a:xfrm>
+        <a:prstGeom prst="rightArrow">
+          <a:avLst>
+            <a:gd name="adj1" fmla="val 60000"/>
+            <a:gd name="adj2" fmla="val 50000"/>
+          </a:avLst>
+        </a:prstGeom>
+        <a:solidFill>
+          <a:schemeClr val="accent1">
+            <a:tint val="60000"/>
+            <a:hueOff val="0"/>
+            <a:satOff val="0"/>
+            <a:lumOff val="0"/>
+            <a:alphaOff val="0"/>
+          </a:schemeClr>
+        </a:solidFill>
+        <a:ln>
+          <a:noFill/>
+        </a:ln>
+        <a:effectLst/>
+      </dsp:spPr>
+      <dsp:style>
+        <a:lnRef idx="0">
+          <a:scrgbClr r="0" g="0" b="0"/>
+        </a:lnRef>
+        <a:fillRef idx="1">
+          <a:scrgbClr r="0" g="0" b="0"/>
+        </a:fillRef>
+        <a:effectRef idx="0">
+          <a:scrgbClr r="0" g="0" b="0"/>
+        </a:effectRef>
+        <a:fontRef idx="minor">
+          <a:schemeClr val="lt1"/>
+        </a:fontRef>
+      </dsp:style>
+      <dsp:txBody>
+        <a:bodyPr spcFirstLastPara="0" vert="horz" wrap="square" lIns="0" tIns="0" rIns="0" bIns="0" numCol="1" spcCol="1270" anchor="ctr" anchorCtr="0">
+          <a:noAutofit/>
+        </a:bodyPr>
+        <a:lstStyle/>
+        <a:p>
+          <a:pPr lvl="0" algn="ctr" defTabSz="622300">
+            <a:lnSpc>
+              <a:spcPct val="90000"/>
+            </a:lnSpc>
+            <a:spcBef>
+              <a:spcPct val="0"/>
+            </a:spcBef>
+            <a:spcAft>
+              <a:spcPct val="35000"/>
+            </a:spcAft>
+          </a:pPr>
+          <a:endParaRPr lang="zh-TW" altLang="en-US" sz="1400" kern="1200"/>
+        </a:p>
+      </dsp:txBody>
+      <dsp:txXfrm>
+        <a:off x="1874396" y="1905343"/>
+        <a:ext cx="252631" cy="253312"/>
+      </dsp:txXfrm>
+    </dsp:sp>
+    <dsp:sp modelId="{C79F2CCE-7A88-4597-8D7E-C45EE11C2C25}">
+      <dsp:nvSpPr>
+        <dsp:cNvPr id="0" name=""/>
+        <dsp:cNvSpPr/>
+      </dsp:nvSpPr>
+      <dsp:spPr>
+        <a:xfrm>
+          <a:off x="2385106" y="1377652"/>
+          <a:ext cx="2743517" cy="1308694"/>
+        </a:xfrm>
+        <a:prstGeom prst="roundRect">
+          <a:avLst>
+            <a:gd name="adj" fmla="val 10000"/>
+          </a:avLst>
+        </a:prstGeom>
+        <a:solidFill>
+          <a:schemeClr val="accent1">
+            <a:hueOff val="0"/>
+            <a:satOff val="0"/>
+            <a:lumOff val="0"/>
+            <a:alphaOff val="0"/>
+          </a:schemeClr>
+        </a:solidFill>
+        <a:ln w="26425" cap="flat" cmpd="sng" algn="ctr">
+          <a:solidFill>
+            <a:schemeClr val="lt1">
+              <a:hueOff val="0"/>
+              <a:satOff val="0"/>
+              <a:lumOff val="0"/>
+              <a:alphaOff val="0"/>
+            </a:schemeClr>
+          </a:solidFill>
+          <a:prstDash val="solid"/>
+        </a:ln>
+        <a:effectLst/>
+      </dsp:spPr>
+      <dsp:style>
+        <a:lnRef idx="2">
+          <a:scrgbClr r="0" g="0" b="0"/>
+        </a:lnRef>
+        <a:fillRef idx="1">
+          <a:scrgbClr r="0" g="0" b="0"/>
+        </a:fillRef>
+        <a:effectRef idx="0">
+          <a:scrgbClr r="0" g="0" b="0"/>
+        </a:effectRef>
+        <a:fontRef idx="minor">
+          <a:schemeClr val="lt1"/>
+        </a:fontRef>
+      </dsp:style>
+      <dsp:txBody>
+        <a:bodyPr spcFirstLastPara="0" vert="horz" wrap="square" lIns="64770" tIns="64770" rIns="64770" bIns="64770" numCol="1" spcCol="1270" anchor="ctr" anchorCtr="0">
+          <a:noAutofit/>
+        </a:bodyPr>
+        <a:lstStyle/>
+        <a:p>
+          <a:pPr lvl="0" algn="ctr" defTabSz="755650">
+            <a:lnSpc>
+              <a:spcPct val="90000"/>
+            </a:lnSpc>
+            <a:spcBef>
+              <a:spcPct val="0"/>
+            </a:spcBef>
+            <a:spcAft>
+              <a:spcPct val="35000"/>
+            </a:spcAft>
+          </a:pPr>
+          <a:r>
+            <a:rPr lang="zh-TW" altLang="en-US" sz="1700" kern="1200" dirty="0" smtClean="0"/>
+            <a:t>根據交易員</a:t>
+          </a:r>
+          <a:r>
+            <a:rPr lang="en-US" altLang="zh-TW" sz="1700" kern="1200" dirty="0" smtClean="0"/>
+            <a:t>domain knowledge</a:t>
+          </a:r>
+          <a:r>
+            <a:rPr lang="zh-TW" altLang="en-US" sz="1700" kern="1200" dirty="0" smtClean="0"/>
+            <a:t>與相關論文改良</a:t>
+          </a:r>
+          <a:endParaRPr lang="zh-TW" altLang="en-US" sz="1700" kern="1200" dirty="0"/>
+        </a:p>
+      </dsp:txBody>
+      <dsp:txXfrm>
+        <a:off x="2423436" y="1415982"/>
+        <a:ext cx="2666857" cy="1232034"/>
+      </dsp:txXfrm>
+    </dsp:sp>
+    <dsp:sp modelId="{E5AD1277-8F1C-41C1-AA79-D37C6757D446}">
+      <dsp:nvSpPr>
+        <dsp:cNvPr id="0" name=""/>
+        <dsp:cNvSpPr/>
+      </dsp:nvSpPr>
+      <dsp:spPr>
+        <a:xfrm>
+          <a:off x="5298861" y="1820906"/>
+          <a:ext cx="360901" cy="422186"/>
+        </a:xfrm>
+        <a:prstGeom prst="rightArrow">
+          <a:avLst>
+            <a:gd name="adj1" fmla="val 60000"/>
+            <a:gd name="adj2" fmla="val 50000"/>
+          </a:avLst>
+        </a:prstGeom>
+        <a:solidFill>
+          <a:schemeClr val="accent1">
+            <a:tint val="60000"/>
+            <a:hueOff val="0"/>
+            <a:satOff val="0"/>
+            <a:lumOff val="0"/>
+            <a:alphaOff val="0"/>
+          </a:schemeClr>
+        </a:solidFill>
+        <a:ln>
+          <a:noFill/>
+        </a:ln>
+        <a:effectLst/>
+      </dsp:spPr>
+      <dsp:style>
+        <a:lnRef idx="0">
+          <a:scrgbClr r="0" g="0" b="0"/>
+        </a:lnRef>
+        <a:fillRef idx="1">
+          <a:scrgbClr r="0" g="0" b="0"/>
+        </a:fillRef>
+        <a:effectRef idx="0">
+          <a:scrgbClr r="0" g="0" b="0"/>
+        </a:effectRef>
+        <a:fontRef idx="minor">
+          <a:schemeClr val="lt1"/>
+        </a:fontRef>
+      </dsp:style>
+      <dsp:txBody>
+        <a:bodyPr spcFirstLastPara="0" vert="horz" wrap="square" lIns="0" tIns="0" rIns="0" bIns="0" numCol="1" spcCol="1270" anchor="ctr" anchorCtr="0">
+          <a:noAutofit/>
+        </a:bodyPr>
+        <a:lstStyle/>
+        <a:p>
+          <a:pPr lvl="0" algn="ctr" defTabSz="622300">
+            <a:lnSpc>
+              <a:spcPct val="90000"/>
+            </a:lnSpc>
+            <a:spcBef>
+              <a:spcPct val="0"/>
+            </a:spcBef>
+            <a:spcAft>
+              <a:spcPct val="35000"/>
+            </a:spcAft>
+          </a:pPr>
+          <a:endParaRPr lang="zh-TW" altLang="en-US" sz="1400" kern="1200"/>
+        </a:p>
+      </dsp:txBody>
+      <dsp:txXfrm>
+        <a:off x="5298861" y="1905343"/>
+        <a:ext cx="252631" cy="253312"/>
+      </dsp:txXfrm>
+    </dsp:sp>
+    <dsp:sp modelId="{A4BC10AB-BA26-46A3-A1D9-663175F1505C}">
+      <dsp:nvSpPr>
+        <dsp:cNvPr id="0" name=""/>
+        <dsp:cNvSpPr/>
+      </dsp:nvSpPr>
+      <dsp:spPr>
+        <a:xfrm>
+          <a:off x="5809571" y="1377652"/>
+          <a:ext cx="1893491" cy="1308694"/>
+        </a:xfrm>
+        <a:prstGeom prst="roundRect">
+          <a:avLst>
+            <a:gd name="adj" fmla="val 10000"/>
+          </a:avLst>
+        </a:prstGeom>
+        <a:solidFill>
+          <a:schemeClr val="accent1">
+            <a:hueOff val="0"/>
+            <a:satOff val="0"/>
+            <a:lumOff val="0"/>
+            <a:alphaOff val="0"/>
+          </a:schemeClr>
+        </a:solidFill>
+        <a:ln w="26425" cap="flat" cmpd="sng" algn="ctr">
+          <a:solidFill>
+            <a:schemeClr val="lt1">
+              <a:hueOff val="0"/>
+              <a:satOff val="0"/>
+              <a:lumOff val="0"/>
+              <a:alphaOff val="0"/>
+            </a:schemeClr>
+          </a:solidFill>
+          <a:prstDash val="solid"/>
+        </a:ln>
+        <a:effectLst/>
+      </dsp:spPr>
+      <dsp:style>
+        <a:lnRef idx="2">
+          <a:scrgbClr r="0" g="0" b="0"/>
+        </a:lnRef>
+        <a:fillRef idx="1">
+          <a:scrgbClr r="0" g="0" b="0"/>
+        </a:fillRef>
+        <a:effectRef idx="0">
+          <a:scrgbClr r="0" g="0" b="0"/>
+        </a:effectRef>
+        <a:fontRef idx="minor">
+          <a:schemeClr val="lt1"/>
+        </a:fontRef>
+      </dsp:style>
+      <dsp:txBody>
+        <a:bodyPr spcFirstLastPara="0" vert="horz" wrap="square" lIns="64770" tIns="64770" rIns="64770" bIns="64770" numCol="1" spcCol="1270" anchor="ctr" anchorCtr="0">
+          <a:noAutofit/>
+        </a:bodyPr>
+        <a:lstStyle/>
+        <a:p>
+          <a:pPr lvl="0" algn="ctr" defTabSz="755650">
+            <a:lnSpc>
+              <a:spcPct val="90000"/>
+            </a:lnSpc>
+            <a:spcBef>
+              <a:spcPct val="0"/>
+            </a:spcBef>
+            <a:spcAft>
+              <a:spcPct val="35000"/>
+            </a:spcAft>
+          </a:pPr>
+          <a:r>
+            <a:rPr lang="zh-TW" altLang="en-US" sz="1700" kern="1200" dirty="0" smtClean="0"/>
+            <a:t>拿到市場驗證</a:t>
+          </a:r>
+          <a:endParaRPr lang="zh-TW" altLang="en-US" sz="1700" kern="1200" dirty="0"/>
+        </a:p>
+      </dsp:txBody>
+      <dsp:txXfrm>
+        <a:off x="5847901" y="1415982"/>
+        <a:ext cx="1816831" cy="1232034"/>
+      </dsp:txXfrm>
+    </dsp:sp>
+  </dsp:spTree>
+</dsp:drawing>
+</file>
+
+<file path=ppt/diagrams/layout1.xml><?xml version="1.0" encoding="utf-8"?>
+<dgm:layoutDef xmlns:dgm="http://schemas.openxmlformats.org/drawingml/2006/diagram" xmlns:a="http://schemas.openxmlformats.org/drawingml/2006/main" uniqueId="urn:microsoft.com/office/officeart/2005/8/layout/process1">
+  <dgm:title val=""/>
+  <dgm:desc val=""/>
+  <dgm:catLst>
+    <dgm:cat type="process" pri="1000"/>
+    <dgm:cat type="convert" pri="15000"/>
+  </dgm:catLst>
+  <dgm:sampData useDef="1">
+    <dgm:dataModel>
+      <dgm:ptLst/>
+      <dgm:bg/>
+      <dgm:whole/>
+    </dgm:dataModel>
+  </dgm:sampData>
+  <dgm:styleData>
+    <dgm:dataModel>
+      <dgm:ptLst>
+        <dgm:pt modelId="0" type="doc"/>
+        <dgm:pt modelId="1"/>
+        <dgm:pt modelId="2"/>
+      </dgm:ptLst>
+      <dgm:cxnLst>
+        <dgm:cxn modelId="3" srcId="0" destId="1" srcOrd="0" destOrd="0"/>
+        <dgm:cxn modelId="4" srcId="0" destId="2" srcOrd="1" destOrd="0"/>
+      </dgm:cxnLst>
+      <dgm:bg/>
+      <dgm:whole/>
+    </dgm:dataModel>
+  </dgm:styleData>
+  <dgm:clrData>
+    <dgm:dataModel>
+      <dgm:ptLst>
+        <dgm:pt modelId="0" type="doc"/>
+        <dgm:pt modelId="1"/>
+        <dgm:pt modelId="2"/>
+        <dgm:pt modelId="3"/>
+        <dgm:pt modelId="4"/>
+      </dgm:ptLst>
+      <dgm:cxnLst>
+        <dgm:cxn modelId="5" srcId="0" destId="1" srcOrd="0" destOrd="0"/>
+        <dgm:cxn modelId="6" srcId="0" destId="2" srcOrd="1" destOrd="0"/>
+        <dgm:cxn modelId="7" srcId="0" destId="3" srcOrd="2" destOrd="0"/>
+        <dgm:cxn modelId="8" srcId="0" destId="4" srcOrd="3" destOrd="0"/>
+      </dgm:cxnLst>
+      <dgm:bg/>
+      <dgm:whole/>
+    </dgm:dataModel>
+  </dgm:clrData>
+  <dgm:layoutNode name="Name0">
+    <dgm:varLst>
+      <dgm:dir/>
+      <dgm:resizeHandles val="exact"/>
+    </dgm:varLst>
+    <dgm:choose name="Name1">
+      <dgm:if name="Name2" func="var" arg="dir" op="equ" val="norm">
+        <dgm:alg type="lin"/>
+      </dgm:if>
+      <dgm:else name="Name3">
+        <dgm:alg type="lin">
+          <dgm:param type="linDir" val="fromR"/>
+        </dgm:alg>
+      </dgm:else>
+    </dgm:choose>
+    <dgm:shape xmlns:r="http://schemas.openxmlformats.org/officeDocument/2006/relationships" r:blip="">
+      <dgm:adjLst/>
+    </dgm:shape>
+    <dgm:presOf/>
+    <dgm:constrLst>
+      <dgm:constr type="w" for="ch" ptType="node" refType="w"/>
+      <dgm:constr type="h" for="ch" ptType="node" op="equ"/>
+      <dgm:constr type="primFontSz" for="ch" ptType="node" op="equ" val="65"/>
+      <dgm:constr type="w" for="ch" ptType="sibTrans" refType="w" refFor="ch" refPtType="node" op="equ" fact="0.4"/>
+      <dgm:constr type="h" for="ch" ptType="sibTrans" op="equ"/>
+      <dgm:constr type="primFontSz" for="des" forName="connectorText" op="equ" val="55"/>
+      <dgm:constr type="primFontSz" for="des" forName="connectorText" refType="primFontSz" refFor="ch" refPtType="node" op="lte" fact="0.8"/>
+    </dgm:constrLst>
+    <dgm:ruleLst/>
+    <dgm:forEach name="nodesForEach" axis="ch" ptType="node">
+      <dgm:layoutNode name="node">
+        <dgm:varLst>
+          <dgm:bulletEnabled val="1"/>
+        </dgm:varLst>
+        <dgm:alg type="tx"/>
+        <dgm:shape xmlns:r="http://schemas.openxmlformats.org/officeDocument/2006/relationships" type="roundRect" r:blip="">
+          <dgm:adjLst>
+            <dgm:adj idx="1" val="0.1"/>
+          </dgm:adjLst>
+        </dgm:shape>
+        <dgm:presOf axis="desOrSelf" ptType="node"/>
+        <dgm:constrLst>
+          <dgm:constr type="h" refType="w" fact="0.6"/>
+          <dgm:constr type="tMarg" refType="primFontSz" fact="0.3"/>
+          <dgm:constr type="bMarg" refType="primFontSz" fact="0.3"/>
+          <dgm:constr type="lMarg" refType="primFontSz" fact="0.3"/>
+          <dgm:constr type="rMarg" refType="primFontSz" fact="0.3"/>
+        </dgm:constrLst>
+        <dgm:ruleLst>
+          <dgm:rule type="primFontSz" val="18" fact="NaN" max="NaN"/>
+          <dgm:rule type="h" val="NaN" fact="1.5" max="NaN"/>
+          <dgm:rule type="primFontSz" val="5" fact="NaN" max="NaN"/>
+          <dgm:rule type="h" val="INF" fact="NaN" max="NaN"/>
+        </dgm:ruleLst>
+      </dgm:layoutNode>
+      <dgm:forEach name="sibTransForEach" axis="followSib" ptType="sibTrans" cnt="1">
+        <dgm:layoutNode name="sibTrans">
+          <dgm:alg type="conn">
+            <dgm:param type="begPts" val="auto"/>
+            <dgm:param type="endPts" val="auto"/>
+          </dgm:alg>
+          <dgm:shape xmlns:r="http://schemas.openxmlformats.org/officeDocument/2006/relationships" type="conn" r:blip="">
+            <dgm:adjLst/>
+          </dgm:shape>
+          <dgm:presOf axis="self"/>
+          <dgm:constrLst>
+            <dgm:constr type="h" refType="w" fact="0.62"/>
+            <dgm:constr type="connDist"/>
+            <dgm:constr type="begPad" refType="connDist" fact="0.25"/>
+            <dgm:constr type="endPad" refType="connDist" fact="0.22"/>
+          </dgm:constrLst>
+          <dgm:ruleLst/>
+          <dgm:layoutNode name="connectorText">
+            <dgm:alg type="tx">
+              <dgm:param type="autoTxRot" val="grav"/>
+            </dgm:alg>
+            <dgm:shape xmlns:r="http://schemas.openxmlformats.org/officeDocument/2006/relationships" type="conn" r:blip="" hideGeom="1">
+              <dgm:adjLst/>
+            </dgm:shape>
+            <dgm:presOf axis="self"/>
+            <dgm:constrLst>
+              <dgm:constr type="lMarg"/>
+              <dgm:constr type="rMarg"/>
+              <dgm:constr type="tMarg"/>
+              <dgm:constr type="bMarg"/>
+            </dgm:constrLst>
+            <dgm:ruleLst>
+              <dgm:rule type="primFontSz" val="5" fact="NaN" max="NaN"/>
+            </dgm:ruleLst>
+          </dgm:layoutNode>
+        </dgm:layoutNode>
+      </dgm:forEach>
+    </dgm:forEach>
+  </dgm:layoutNode>
+</dgm:layoutDef>
+</file>
+
+<file path=ppt/diagrams/quickStyle1.xml><?xml version="1.0" encoding="utf-8"?>
+<dgm:styleDef xmlns:dgm="http://schemas.openxmlformats.org/drawingml/2006/diagram" xmlns:a="http://schemas.openxmlformats.org/drawingml/2006/main" uniqueId="urn:microsoft.com/office/officeart/2005/8/quickstyle/simple1">
+  <dgm:title val=""/>
+  <dgm:desc val=""/>
+  <dgm:catLst>
+    <dgm:cat type="simple" pri="10100"/>
+  </dgm:catLst>
+  <dgm:scene3d>
+    <a:camera prst="orthographicFront"/>
+    <a:lightRig rig="threePt" dir="t"/>
+  </dgm:scene3d>
+  <dgm:styleLbl name="node0">
+    <dgm:scene3d>
+      <a:camera prst="orthographicFront"/>
+      <a:lightRig rig="threePt" dir="t"/>
+    </dgm:scene3d>
+    <dgm:sp3d/>
+    <dgm:txPr/>
+    <dgm:style>
+      <a:lnRef idx="2">
+        <a:scrgbClr r="0" g="0" b="0"/>
+      </a:lnRef>
+      <a:fillRef idx="1">
+        <a:scrgbClr r="0" g="0" b="0"/>
+      </a:fillRef>
+      <a:effectRef idx="0">
+        <a:scrgbClr r="0" g="0" b="0"/>
+      </a:effectRef>
+      <a:fontRef idx="minor">
+        <a:schemeClr val="lt1"/>
+      </a:fontRef>
+    </dgm:style>
+  </dgm:styleLbl>
+  <dgm:styleLbl name="lnNode1">
+    <dgm:scene3d>
+      <a:camera prst="orthographicFront"/>
+      <a:lightRig rig="threePt" dir="t"/>
+    </dgm:scene3d>
+    <dgm:sp3d/>
+    <dgm:txPr/>
+    <dgm:style>
+      <a:lnRef idx="2">
+        <a:scrgbClr r="0" g="0" b="0"/>
+      </a:lnRef>
+      <a:fillRef idx="1">
+        <a:scrgbClr r="0" g="0" b="0"/>
+      </a:fillRef>
+      <a:effectRef idx="0">
+        <a:scrgbClr r="0" g="0" b="0"/>
+      </a:effectRef>
+      <a:fontRef idx="minor">
+        <a:schemeClr val="lt1"/>
+      </a:fontRef>
+    </dgm:style>
+  </dgm:styleLbl>
+  <dgm:styleLbl name="vennNode1">
+    <dgm:scene3d>
+      <a:camera prst="orthographicFront"/>
+      <a:lightRig rig="threePt" dir="t"/>
+    </dgm:scene3d>
+    <dgm:sp3d/>
+    <dgm:txPr/>
+    <dgm:style>
+      <a:lnRef idx="2">
+        <a:scrgbClr r="0" g="0" b="0"/>
+      </a:lnRef>
+      <a:fillRef idx="1">
+        <a:scrgbClr r="0" g="0" b="0"/>
+      </a:fillRef>
+      <a:effectRef idx="0">
+        <a:scrgbClr r="0" g="0" b="0"/>
+      </a:effectRef>
+      <a:fontRef idx="minor">
+        <a:schemeClr val="tx1"/>
+      </a:fontRef>
+    </dgm:style>
+  </dgm:styleLbl>
+  <dgm:styleLbl name="alignNode1">
+    <dgm:scene3d>
+      <a:camera prst="orthographicFront"/>
+      <a:lightRig rig="threePt" dir="t"/>
+    </dgm:scene3d>
+    <dgm:sp3d/>
+    <dgm:txPr/>
+    <dgm:style>
+      <a:lnRef idx="2">
+        <a:scrgbClr r="0" g="0" b="0"/>
+      </a:lnRef>
+      <a:fillRef idx="1">
+        <a:scrgbClr r="0" g="0" b="0"/>
+      </a:fillRef>
+      <a:effectRef idx="0">
+        <a:scrgbClr r="0" g="0" b="0"/>
+      </a:effectRef>
+      <a:fontRef idx="minor">
+        <a:schemeClr val="lt1"/>
+      </a:fontRef>
+    </dgm:style>
+  </dgm:styleLbl>
+  <dgm:styleLbl name="node1">
+    <dgm:scene3d>
+      <a:camera prst="orthographicFront"/>
+      <a:lightRig rig="threePt" dir="t"/>
+    </dgm:scene3d>
+    <dgm:sp3d/>
+    <dgm:txPr/>
+    <dgm:style>
+      <a:lnRef idx="2">
+        <a:scrgbClr r="0" g="0" b="0"/>
+      </a:lnRef>
+      <a:fillRef idx="1">
+        <a:scrgbClr r="0" g="0" b="0"/>
+      </a:fillRef>
+      <a:effectRef idx="0">
+        <a:scrgbClr r="0" g="0" b="0"/>
+      </a:effectRef>
+      <a:fontRef idx="minor">
+        <a:schemeClr val="lt1"/>
+      </a:fontRef>
+    </dgm:style>
+  </dgm:styleLbl>
+  <dgm:styleLbl name="node2">
+    <dgm:scene3d>
+      <a:camera prst="orthographicFront"/>
+      <a:lightRig rig="threePt" dir="t"/>
+    </dgm:scene3d>
+    <dgm:sp3d/>
+    <dgm:txPr/>
+    <dgm:style>
+      <a:lnRef idx="2">
+        <a:scrgbClr r="0" g="0" b="0"/>
+      </a:lnRef>
+      <a:fillRef idx="1">
+        <a:scrgbClr r="0" g="0" b="0"/>
+      </a:fillRef>
+      <a:effectRef idx="0">
+        <a:scrgbClr r="0" g="0" b="0"/>
+      </a:effectRef>
+      <a:fontRef idx="minor">
+        <a:schemeClr val="lt1"/>
+      </a:fontRef>
+    </dgm:style>
+  </dgm:styleLbl>
+  <dgm:styleLbl name="node3">
+    <dgm:scene3d>
+      <a:camera prst="orthographicFront"/>
+      <a:lightRig rig="threePt" dir="t"/>
+    </dgm:scene3d>
+    <dgm:sp3d/>
+    <dgm:txPr/>
+    <dgm:style>
+      <a:lnRef idx="2">
+        <a:scrgbClr r="0" g="0" b="0"/>
+      </a:lnRef>
+      <a:fillRef idx="1">
+        <a:scrgbClr r="0" g="0" b="0"/>
+      </a:fillRef>
+      <a:effectRef idx="0">
+        <a:scrgbClr r="0" g="0" b="0"/>
+      </a:effectRef>
+      <a:fontRef idx="minor">
+        <a:schemeClr val="lt1"/>
+      </a:fontRef>
+    </dgm:style>
+  </dgm:styleLbl>
+  <dgm:styleLbl name="node4">
+    <dgm:scene3d>
+      <a:camera prst="orthographicFront"/>
+      <a:lightRig rig="threePt" dir="t"/>
+    </dgm:scene3d>
+    <dgm:sp3d/>
+    <dgm:txPr/>
+    <dgm:style>
+      <a:lnRef idx="2">
+        <a:scrgbClr r="0" g="0" b="0"/>
+      </a:lnRef>
+      <a:fillRef idx="1">
+        <a:scrgbClr r="0" g="0" b="0"/>
+      </a:fillRef>
+      <a:effectRef idx="0">
+        <a:scrgbClr r="0" g="0" b="0"/>
+      </a:effectRef>
+      <a:fontRef idx="minor">
+        <a:schemeClr val="lt1"/>
+      </a:fontRef>
+    </dgm:style>
+  </dgm:styleLbl>
+  <dgm:styleLbl name="fgImgPlace1">
+    <dgm:scene3d>
+      <a:camera prst="orthographicFront"/>
+      <a:lightRig rig="threePt" dir="t"/>
+    </dgm:scene3d>
+    <dgm:sp3d/>
+    <dgm:txPr/>
+    <dgm:style>
+      <a:lnRef idx="2">
+        <a:scrgbClr r="0" g="0" b="0"/>
+      </a:lnRef>
+      <a:fillRef idx="1">
+        <a:scrgbClr r="0" g="0" b="0"/>
+      </a:fillRef>
+      <a:effectRef idx="0">
+        <a:scrgbClr r="0" g="0" b="0"/>
+      </a:effectRef>
+      <a:fontRef idx="minor"/>
+    </dgm:style>
+  </dgm:styleLbl>
+  <dgm:styleLbl name="alignImgPlace1">
+    <dgm:scene3d>
+      <a:camera prst="orthographicFront"/>
+      <a:lightRig rig="threePt" dir="t"/>
+    </dgm:scene3d>
+    <dgm:sp3d/>
+    <dgm:txPr/>
+    <dgm:style>
+      <a:lnRef idx="2">
+        <a:scrgbClr r="0" g="0" b="0"/>
+      </a:lnRef>
+      <a:fillRef idx="1">
+        <a:scrgbClr r="0" g="0" b="0"/>
+      </a:fillRef>
+      <a:effectRef idx="0">
+        <a:scrgbClr r="0" g="0" b="0"/>
+      </a:effectRef>
+      <a:fontRef idx="minor"/>
+    </dgm:style>
+  </dgm:styleLbl>
+  <dgm:styleLbl name="bgImgPlace1">
+    <dgm:scene3d>
+      <a:camera prst="orthographicFront"/>
+      <a:lightRig rig="threePt" dir="t"/>
+    </dgm:scene3d>
+    <dgm:sp3d/>
+    <dgm:txPr/>
+    <dgm:style>
+      <a:lnRef idx="2">
+        <a:scrgbClr r="0" g="0" b="0"/>
+      </a:lnRef>
+      <a:fillRef idx="1">
+        <a:scrgbClr r="0" g="0" b="0"/>
+      </a:fillRef>
+      <a:effectRef idx="0">
+        <a:scrgbClr r="0" g="0" b="0"/>
+      </a:effectRef>
+      <a:fontRef idx="minor"/>
+    </dgm:style>
+  </dgm:styleLbl>
+  <dgm:styleLbl name="sibTrans2D1">
+    <dgm:scene3d>
+      <a:camera prst="orthographicFront"/>
+      <a:lightRig rig="threePt" dir="t"/>
+    </dgm:scene3d>
+    <dgm:sp3d/>
+    <dgm:txPr/>
+    <dgm:style>
+      <a:lnRef idx="0">
+        <a:scrgbClr r="0" g="0" b="0"/>
+      </a:lnRef>
+      <a:fillRef idx="1">
+        <a:scrgbClr r="0" g="0" b="0"/>
+      </a:fillRef>
+      <a:effectRef idx="0">
+        <a:scrgbClr r="0" g="0" b="0"/>
+      </a:effectRef>
+      <a:fontRef idx="minor">
+        <a:schemeClr val="lt1"/>
+      </a:fontRef>
+    </dgm:style>
+  </dgm:styleLbl>
+  <dgm:styleLbl name="fgSibTrans2D1">
+    <dgm:scene3d>
+      <a:camera prst="orthographicFront"/>
+      <a:lightRig rig="threePt" dir="t"/>
+    </dgm:scene3d>
+    <dgm:sp3d/>
+    <dgm:txPr/>
+    <dgm:style>
+      <a:lnRef idx="0">
+        <a:scrgbClr r="0" g="0" b="0"/>
+      </a:lnRef>
+      <a:fillRef idx="1">
+        <a:scrgbClr r="0" g="0" b="0"/>
+      </a:fillRef>
+      <a:effectRef idx="0">
+        <a:scrgbClr r="0" g="0" b="0"/>
+      </a:effectRef>
+      <a:fontRef idx="minor">
+        <a:schemeClr val="lt1"/>
+      </a:fontRef>
+    </dgm:style>
+  </dgm:styleLbl>
+  <dgm:styleLbl name="bgSibTrans2D1">
+    <dgm:scene3d>
+      <a:camera prst="orthographicFront"/>
+      <a:lightRig rig="threePt" dir="t"/>
+    </dgm:scene3d>
+    <dgm:sp3d/>
+    <dgm:txPr/>
+    <dgm:style>
+      <a:lnRef idx="0">
+        <a:scrgbClr r="0" g="0" b="0"/>
+      </a:lnRef>
+      <a:fillRef idx="1">
+        <a:scrgbClr r="0" g="0" b="0"/>
+      </a:fillRef>
+      <a:effectRef idx="0">
+        <a:scrgbClr r="0" g="0" b="0"/>
+      </a:effectRef>
+      <a:fontRef idx="minor">
+        <a:schemeClr val="lt1"/>
+      </a:fontRef>
+    </dgm:style>
+  </dgm:styleLbl>
+  <dgm:styleLbl name="sibTrans1D1">
+    <dgm:scene3d>
+      <a:camera prst="orthographicFront"/>
+      <a:lightRig rig="threePt" dir="t"/>
+    </dgm:scene3d>
+    <dgm:sp3d/>
+    <dgm:txPr/>
+    <dgm:style>
+      <a:lnRef idx="1">
+        <a:scrgbClr r="0" g="0" b="0"/>
+      </a:lnRef>
+      <a:fillRef idx="0">
+        <a:scrgbClr r="0" g="0" b="0"/>
+      </a:fillRef>
+      <a:effectRef idx="0">
+        <a:scrgbClr r="0" g="0" b="0"/>
+      </a:effectRef>
+      <a:fontRef idx="minor"/>
+    </dgm:style>
+  </dgm:styleLbl>
+  <dgm:styleLbl name="callout">
+    <dgm:scene3d>
+      <a:camera prst="orthographicFront"/>
+      <a:lightRig rig="threePt" dir="t"/>
+    </dgm:scene3d>
+    <dgm:sp3d/>
+    <dgm:txPr/>
+    <dgm:style>
+      <a:lnRef idx="2">
+        <a:scrgbClr r="0" g="0" b="0"/>
+      </a:lnRef>
+      <a:fillRef idx="1">
+        <a:scrgbClr r="0" g="0" b="0"/>
+      </a:fillRef>
+      <a:effectRef idx="0">
+        <a:scrgbClr r="0" g="0" b="0"/>
+      </a:effectRef>
+      <a:fontRef idx="minor"/>
+    </dgm:style>
+  </dgm:styleLbl>
+  <dgm:styleLbl name="asst0">
+    <dgm:scene3d>
+      <a:camera prst="orthographicFront"/>
+      <a:lightRig rig="threePt" dir="t"/>
+    </dgm:scene3d>
+    <dgm:sp3d/>
+    <dgm:txPr/>
+    <dgm:style>
+      <a:lnRef idx="2">
+        <a:scrgbClr r="0" g="0" b="0"/>
+      </a:lnRef>
+      <a:fillRef idx="1">
+        <a:scrgbClr r="0" g="0" b="0"/>
+      </a:fillRef>
+      <a:effectRef idx="0">
+        <a:scrgbClr r="0" g="0" b="0"/>
+      </a:effectRef>
+      <a:fontRef idx="minor">
+        <a:schemeClr val="lt1"/>
+      </a:fontRef>
+    </dgm:style>
+  </dgm:styleLbl>
+  <dgm:styleLbl name="asst1">
+    <dgm:scene3d>
+      <a:camera prst="orthographicFront"/>
+      <a:lightRig rig="threePt" dir="t"/>
+    </dgm:scene3d>
+    <dgm:sp3d/>
+    <dgm:txPr/>
+    <dgm:style>
+      <a:lnRef idx="2">
+        <a:scrgbClr r="0" g="0" b="0"/>
+      </a:lnRef>
+      <a:fillRef idx="1">
+        <a:scrgbClr r="0" g="0" b="0"/>
+      </a:fillRef>
+      <a:effectRef idx="0">
+        <a:scrgbClr r="0" g="0" b="0"/>
+      </a:effectRef>
+      <a:fontRef idx="minor">
+        <a:schemeClr val="lt1"/>
+      </a:fontRef>
+    </dgm:style>
+  </dgm:styleLbl>
+  <dgm:styleLbl name="asst2">
+    <dgm:scene3d>
+      <a:camera prst="orthographicFront"/>
+      <a:lightRig rig="threePt" dir="t"/>
+    </dgm:scene3d>
+    <dgm:sp3d/>
+    <dgm:txPr/>
+    <dgm:style>
+      <a:lnRef idx="2">
+        <a:scrgbClr r="0" g="0" b="0"/>
+      </a:lnRef>
+      <a:fillRef idx="1">
+        <a:scrgbClr r="0" g="0" b="0"/>
+      </a:fillRef>
+      <a:effectRef idx="0">
+        <a:scrgbClr r="0" g="0" b="0"/>
+      </a:effectRef>
+      <a:fontRef idx="minor">
+        <a:schemeClr val="lt1"/>
+      </a:fontRef>
+    </dgm:style>
+  </dgm:styleLbl>
+  <dgm:styleLbl name="asst3">
+    <dgm:scene3d>
+      <a:camera prst="orthographicFront"/>
+      <a:lightRig rig="threePt" dir="t"/>
+    </dgm:scene3d>
+    <dgm:sp3d/>
+    <dgm:txPr/>
+    <dgm:style>
+      <a:lnRef idx="2">
+        <a:scrgbClr r="0" g="0" b="0"/>
+      </a:lnRef>
+      <a:fillRef idx="1">
+        <a:scrgbClr r="0" g="0" b="0"/>
+      </a:fillRef>
+      <a:effectRef idx="0">
+        <a:scrgbClr r="0" g="0" b="0"/>
+      </a:effectRef>
+      <a:fontRef idx="minor">
+        <a:schemeClr val="lt1"/>
+      </a:fontRef>
+    </dgm:style>
+  </dgm:styleLbl>
+  <dgm:styleLbl name="asst4">
+    <dgm:scene3d>
+      <a:camera prst="orthographicFront"/>
+      <a:lightRig rig="threePt" dir="t"/>
+    </dgm:scene3d>
+    <dgm:sp3d/>
+    <dgm:txPr/>
+    <dgm:style>
+      <a:lnRef idx="2">
+        <a:scrgbClr r="0" g="0" b="0"/>
+      </a:lnRef>
+      <a:fillRef idx="1">
+        <a:scrgbClr r="0" g="0" b="0"/>
+      </a:fillRef>
+      <a:effectRef idx="0">
+        <a:scrgbClr r="0" g="0" b="0"/>
+      </a:effectRef>
+      <a:fontRef idx="minor">
+        <a:schemeClr val="lt1"/>
+      </a:fontRef>
+    </dgm:style>
+  </dgm:styleLbl>
+  <dgm:styleLbl name="parChTrans2D1">
+    <dgm:scene3d>
+      <a:camera prst="orthographicFront"/>
+      <a:lightRig rig="threePt" dir="t"/>
+    </dgm:scene3d>
+    <dgm:sp3d/>
+    <dgm:txPr/>
+    <dgm:style>
+      <a:lnRef idx="2">
+        <a:scrgbClr r="0" g="0" b="0"/>
+      </a:lnRef>
+      <a:fillRef idx="1">
+        <a:scrgbClr r="0" g="0" b="0"/>
+      </a:fillRef>
+      <a:effectRef idx="0">
+        <a:scrgbClr r="0" g="0" b="0"/>
+      </a:effectRef>
+      <a:fontRef idx="minor">
+        <a:schemeClr val="lt1"/>
+      </a:fontRef>
+    </dgm:style>
+  </dgm:styleLbl>
+  <dgm:styleLbl name="parChTrans2D2">
+    <dgm:scene3d>
+      <a:camera prst="orthographicFront"/>
+      <a:lightRig rig="threePt" dir="t"/>
+    </dgm:scene3d>
+    <dgm:sp3d/>
+    <dgm:txPr/>
+    <dgm:style>
+      <a:lnRef idx="2">
+        <a:scrgbClr r="0" g="0" b="0"/>
+      </a:lnRef>
+      <a:fillRef idx="1">
+        <a:scrgbClr r="0" g="0" b="0"/>
+      </a:fillRef>
+      <a:effectRef idx="0">
+        <a:scrgbClr r="0" g="0" b="0"/>
+      </a:effectRef>
+      <a:fontRef idx="minor">
+        <a:schemeClr val="lt1"/>
+      </a:fontRef>
+    </dgm:style>
+  </dgm:styleLbl>
+  <dgm:styleLbl name="parChTrans2D3">
+    <dgm:scene3d>
+      <a:camera prst="orthographicFront"/>
+      <a:lightRig rig="threePt" dir="t"/>
+    </dgm:scene3d>
+    <dgm:sp3d/>
+    <dgm:txPr/>
+    <dgm:style>
+      <a:lnRef idx="2">
+        <a:scrgbClr r="0" g="0" b="0"/>
+      </a:lnRef>
+      <a:fillRef idx="1">
+        <a:scrgbClr r="0" g="0" b="0"/>
+      </a:fillRef>
+      <a:effectRef idx="0">
+        <a:scrgbClr r="0" g="0" b="0"/>
+      </a:effectRef>
+      <a:fontRef idx="minor">
+        <a:schemeClr val="lt1"/>
+      </a:fontRef>
+    </dgm:style>
+  </dgm:styleLbl>
+  <dgm:styleLbl name="parChTrans2D4">
+    <dgm:scene3d>
+      <a:camera prst="orthographicFront"/>
+      <a:lightRig rig="threePt" dir="t"/>
+    </dgm:scene3d>
+    <dgm:sp3d/>
+    <dgm:txPr/>
+    <dgm:style>
+      <a:lnRef idx="2">
+        <a:scrgbClr r="0" g="0" b="0"/>
+      </a:lnRef>
+      <a:fillRef idx="1">
+        <a:scrgbClr r="0" g="0" b="0"/>
+      </a:fillRef>
+      <a:effectRef idx="0">
+        <a:scrgbClr r="0" g="0" b="0"/>
+      </a:effectRef>
+      <a:fontRef idx="minor">
+        <a:schemeClr val="lt1"/>
+      </a:fontRef>
+    </dgm:style>
+  </dgm:styleLbl>
+  <dgm:styleLbl name="parChTrans1D1">
+    <dgm:scene3d>
+      <a:camera prst="orthographicFront"/>
+      <a:lightRig rig="threePt" dir="t"/>
+    </dgm:scene3d>
+    <dgm:sp3d/>
+    <dgm:txPr/>
+    <dgm:style>
+      <a:lnRef idx="2">
+        <a:scrgbClr r="0" g="0" b="0"/>
+      </a:lnRef>
+      <a:fillRef idx="0">
+        <a:scrgbClr r="0" g="0" b="0"/>
+      </a:fillRef>
+      <a:effectRef idx="0">
+        <a:scrgbClr r="0" g="0" b="0"/>
+      </a:effectRef>
+      <a:fontRef idx="minor"/>
+    </dgm:style>
+  </dgm:styleLbl>
+  <dgm:styleLbl name="parChTrans1D2">
+    <dgm:scene3d>
+      <a:camera prst="orthographicFront"/>
+      <a:lightRig rig="threePt" dir="t"/>
+    </dgm:scene3d>
+    <dgm:sp3d/>
+    <dgm:txPr/>
+    <dgm:style>
+      <a:lnRef idx="2">
+        <a:scrgbClr r="0" g="0" b="0"/>
+      </a:lnRef>
+      <a:fillRef idx="0">
+        <a:scrgbClr r="0" g="0" b="0"/>
+      </a:fillRef>
+      <a:effectRef idx="0">
+        <a:scrgbClr r="0" g="0" b="0"/>
+      </a:effectRef>
+      <a:fontRef idx="minor"/>
+    </dgm:style>
+  </dgm:styleLbl>
+  <dgm:styleLbl name="parChTrans1D3">
+    <dgm:scene3d>
+      <a:camera prst="orthographicFront"/>
+      <a:lightRig rig="threePt" dir="t"/>
+    </dgm:scene3d>
+    <dgm:sp3d/>
+    <dgm:txPr/>
+    <dgm:style>
+      <a:lnRef idx="2">
+        <a:scrgbClr r="0" g="0" b="0"/>
+      </a:lnRef>
+      <a:fillRef idx="0">
+        <a:scrgbClr r="0" g="0" b="0"/>
+      </a:fillRef>
+      <a:effectRef idx="0">
+        <a:scrgbClr r="0" g="0" b="0"/>
+      </a:effectRef>
+      <a:fontRef idx="minor"/>
+    </dgm:style>
+  </dgm:styleLbl>
+  <dgm:styleLbl name="parChTrans1D4">
+    <dgm:scene3d>
+      <a:camera prst="orthographicFront"/>
+      <a:lightRig rig="threePt" dir="t"/>
+    </dgm:scene3d>
+    <dgm:sp3d/>
+    <dgm:txPr/>
+    <dgm:style>
+      <a:lnRef idx="2">
+        <a:scrgbClr r="0" g="0" b="0"/>
+      </a:lnRef>
+      <a:fillRef idx="0">
+        <a:scrgbClr r="0" g="0" b="0"/>
+      </a:fillRef>
+      <a:effectRef idx="0">
+        <a:scrgbClr r="0" g="0" b="0"/>
+      </a:effectRef>
+      <a:fontRef idx="minor"/>
+    </dgm:style>
+  </dgm:styleLbl>
+  <dgm:styleLbl name="fgAcc1">
+    <dgm:scene3d>
+      <a:camera prst="orthographicFront"/>
+      <a:lightRig rig="threePt" dir="t"/>
+    </dgm:scene3d>
+    <dgm:sp3d/>
+    <dgm:txPr/>
+    <dgm:style>
+      <a:lnRef idx="2">
+        <a:scrgbClr r="0" g="0" b="0"/>
+      </a:lnRef>
+      <a:fillRef idx="1">
+        <a:scrgbClr r="0" g="0" b="0"/>
+      </a:fillRef>
+      <a:effectRef idx="0">
+        <a:scrgbClr r="0" g="0" b="0"/>
+      </a:effectRef>
+      <a:fontRef idx="minor"/>
+    </dgm:style>
+  </dgm:styleLbl>
+  <dgm:styleLbl name="conFgAcc1">
+    <dgm:scene3d>
+      <a:camera prst="orthographicFront"/>
+      <a:lightRig rig="threePt" dir="t"/>
+    </dgm:scene3d>
+    <dgm:sp3d/>
+    <dgm:txPr/>
+    <dgm:style>
+      <a:lnRef idx="2">
+        <a:scrgbClr r="0" g="0" b="0"/>
+      </a:lnRef>
+      <a:fillRef idx="1">
+        <a:scrgbClr r="0" g="0" b="0"/>
+      </a:fillRef>
+      <a:effectRef idx="0">
+        <a:scrgbClr r="0" g="0" b="0"/>
+      </a:effectRef>
+      <a:fontRef idx="minor"/>
+    </dgm:style>
+  </dgm:styleLbl>
+  <dgm:styleLbl name="alignAcc1">
+    <dgm:scene3d>
+      <a:camera prst="orthographicFront"/>
+      <a:lightRig rig="threePt" dir="t"/>
+    </dgm:scene3d>
+    <dgm:sp3d/>
+    <dgm:txPr/>
+    <dgm:style>
+      <a:lnRef idx="2">
+        <a:scrgbClr r="0" g="0" b="0"/>
+      </a:lnRef>
+      <a:fillRef idx="1">
+        <a:scrgbClr r="0" g="0" b="0"/>
+      </a:fillRef>
+      <a:effectRef idx="0">
+        <a:scrgbClr r="0" g="0" b="0"/>
+      </a:effectRef>
+      <a:fontRef idx="minor"/>
+    </dgm:style>
+  </dgm:styleLbl>
+  <dgm:styleLbl name="trAlignAcc1">
+    <dgm:scene3d>
+      <a:camera prst="orthographicFront"/>
+      <a:lightRig rig="threePt" dir="t"/>
+    </dgm:scene3d>
+    <dgm:sp3d/>
+    <dgm:txPr/>
+    <dgm:style>
+      <a:lnRef idx="1">
+        <a:scrgbClr r="0" g="0" b="0"/>
+      </a:lnRef>
+      <a:fillRef idx="1">
+        <a:scrgbClr r="0" g="0" b="0"/>
+      </a:fillRef>
+      <a:effectRef idx="0">
+        <a:scrgbClr r="0" g="0" b="0"/>
+      </a:effectRef>
+      <a:fontRef idx="minor"/>
+    </dgm:style>
+  </dgm:styleLbl>
+  <dgm:styleLbl name="bgAcc1">
+    <dgm:scene3d>
+      <a:camera prst="orthographicFront"/>
+      <a:lightRig rig="threePt" dir="t"/>
+    </dgm:scene3d>
+    <dgm:sp3d/>
+    <dgm:txPr/>
+    <dgm:style>
+      <a:lnRef idx="2">
+        <a:scrgbClr r="0" g="0" b="0"/>
+      </a:lnRef>
+      <a:fillRef idx="1">
+        <a:scrgbClr r="0" g="0" b="0"/>
+      </a:fillRef>
+      <a:effectRef idx="0">
+        <a:scrgbClr r="0" g="0" b="0"/>
+      </a:effectRef>
+      <a:fontRef idx="minor"/>
+    </dgm:style>
+  </dgm:styleLbl>
+  <dgm:styleLbl name="solidFgAcc1">
+    <dgm:scene3d>
+      <a:camera prst="orthographicFront"/>
+      <a:lightRig rig="threePt" dir="t"/>
+    </dgm:scene3d>
+    <dgm:sp3d/>
+    <dgm:txPr/>
+    <dgm:style>
+      <a:lnRef idx="2">
+        <a:scrgbClr r="0" g="0" b="0"/>
+      </a:lnRef>
+      <a:fillRef idx="1">
+        <a:scrgbClr r="0" g="0" b="0"/>
+      </a:fillRef>
+      <a:effectRef idx="0">
+        <a:scrgbClr r="0" g="0" b="0"/>
+      </a:effectRef>
+      <a:fontRef idx="minor"/>
+    </dgm:style>
+  </dgm:styleLbl>
+  <dgm:styleLbl name="solidAlignAcc1">
+    <dgm:scene3d>
+      <a:camera prst="orthographicFront"/>
+      <a:lightRig rig="threePt" dir="t"/>
+    </dgm:scene3d>
+    <dgm:sp3d/>
+    <dgm:txPr/>
+    <dgm:style>
+      <a:lnRef idx="2">
+        <a:scrgbClr r="0" g="0" b="0"/>
+      </a:lnRef>
+      <a:fillRef idx="1">
+        <a:scrgbClr r="0" g="0" b="0"/>
+      </a:fillRef>
+      <a:effectRef idx="0">
+        <a:scrgbClr r="0" g="0" b="0"/>
+      </a:effectRef>
+      <a:fontRef idx="minor"/>
+    </dgm:style>
+  </dgm:styleLbl>
+  <dgm:styleLbl name="solidBgAcc1">
+    <dgm:scene3d>
+      <a:camera prst="orthographicFront"/>
+      <a:lightRig rig="threePt" dir="t"/>
+    </dgm:scene3d>
+    <dgm:sp3d/>
+    <dgm:txPr/>
+    <dgm:style>
+      <a:lnRef idx="2">
+        <a:scrgbClr r="0" g="0" b="0"/>
+      </a:lnRef>
+      <a:fillRef idx="1">
+        <a:scrgbClr r="0" g="0" b="0"/>
+      </a:fillRef>
+      <a:effectRef idx="0">
+        <a:scrgbClr r="0" g="0" b="0"/>
+      </a:effectRef>
+      <a:fontRef idx="minor"/>
+    </dgm:style>
+  </dgm:styleLbl>
+  <dgm:styleLbl name="fgAccFollowNode1">
+    <dgm:scene3d>
+      <a:camera prst="orthographicFront"/>
+      <a:lightRig rig="threePt" dir="t"/>
+    </dgm:scene3d>
+    <dgm:sp3d/>
+    <dgm:txPr/>
+    <dgm:style>
+      <a:lnRef idx="2">
+        <a:scrgbClr r="0" g="0" b="0"/>
+      </a:lnRef>
+      <a:fillRef idx="1">
+        <a:scrgbClr r="0" g="0" b="0"/>
+      </a:fillRef>
+      <a:effectRef idx="0">
+        <a:scrgbClr r="0" g="0" b="0"/>
+      </a:effectRef>
+      <a:fontRef idx="minor"/>
+    </dgm:style>
+  </dgm:styleLbl>
+  <dgm:styleLbl name="alignAccFollowNode1">
+    <dgm:scene3d>
+      <a:camera prst="orthographicFront"/>
+      <a:lightRig rig="threePt" dir="t"/>
+    </dgm:scene3d>
+    <dgm:sp3d/>
+    <dgm:txPr/>
+    <dgm:style>
+      <a:lnRef idx="2">
+        <a:scrgbClr r="0" g="0" b="0"/>
+      </a:lnRef>
+      <a:fillRef idx="1">
+        <a:scrgbClr r="0" g="0" b="0"/>
+      </a:fillRef>
+      <a:effectRef idx="0">
+        <a:scrgbClr r="0" g="0" b="0"/>
+      </a:effectRef>
+      <a:fontRef idx="minor"/>
+    </dgm:style>
+  </dgm:styleLbl>
+  <dgm:styleLbl name="bgAccFollowNode1">
+    <dgm:scene3d>
+      <a:camera prst="orthographicFront"/>
+      <a:lightRig rig="threePt" dir="t"/>
+    </dgm:scene3d>
+    <dgm:sp3d/>
+    <dgm:txPr/>
+    <dgm:style>
+      <a:lnRef idx="2">
+        <a:scrgbClr r="0" g="0" b="0"/>
+      </a:lnRef>
+      <a:fillRef idx="1">
+        <a:scrgbClr r="0" g="0" b="0"/>
+      </a:fillRef>
+      <a:effectRef idx="0">
+        <a:scrgbClr r="0" g="0" b="0"/>
+      </a:effectRef>
+      <a:fontRef idx="minor"/>
+    </dgm:style>
+  </dgm:styleLbl>
+  <dgm:styleLbl name="fgAcc0">
+    <dgm:scene3d>
+      <a:camera prst="orthographicFront"/>
+      <a:lightRig rig="threePt" dir="t"/>
+    </dgm:scene3d>
+    <dgm:sp3d/>
+    <dgm:txPr/>
+    <dgm:style>
+      <a:lnRef idx="2">
+        <a:scrgbClr r="0" g="0" b="0"/>
+      </a:lnRef>
+      <a:fillRef idx="1">
+        <a:scrgbClr r="0" g="0" b="0"/>
+      </a:fillRef>
+      <a:effectRef idx="0">
+        <a:scrgbClr r="0" g="0" b="0"/>
+      </a:effectRef>
+      <a:fontRef idx="minor"/>
+    </dgm:style>
+  </dgm:styleLbl>
+  <dgm:styleLbl name="fgAcc2">
+    <dgm:scene3d>
+      <a:camera prst="orthographicFront"/>
+      <a:lightRig rig="threePt" dir="t"/>
+    </dgm:scene3d>
+    <dgm:sp3d/>
+    <dgm:txPr/>
+    <dgm:style>
+      <a:lnRef idx="2">
+        <a:scrgbClr r="0" g="0" b="0"/>
+      </a:lnRef>
+      <a:fillRef idx="1">
+        <a:scrgbClr r="0" g="0" b="0"/>
+      </a:fillRef>
+      <a:effectRef idx="0">
+        <a:scrgbClr r="0" g="0" b="0"/>
+      </a:effectRef>
+      <a:fontRef idx="minor"/>
+    </dgm:style>
+  </dgm:styleLbl>
+  <dgm:styleLbl name="fgAcc3">
+    <dgm:scene3d>
+      <a:camera prst="orthographicFront"/>
+      <a:lightRig rig="threePt" dir="t"/>
+    </dgm:scene3d>
+    <dgm:sp3d/>
+    <dgm:txPr/>
+    <dgm:style>
+      <a:lnRef idx="2">
+        <a:scrgbClr r="0" g="0" b="0"/>
+      </a:lnRef>
+      <a:fillRef idx="1">
+        <a:scrgbClr r="0" g="0" b="0"/>
+      </a:fillRef>
+      <a:effectRef idx="0">
+        <a:scrgbClr r="0" g="0" b="0"/>
+      </a:effectRef>
+      <a:fontRef idx="minor"/>
+    </dgm:style>
+  </dgm:styleLbl>
+  <dgm:styleLbl name="fgAcc4">
+    <dgm:scene3d>
+      <a:camera prst="orthographicFront"/>
+      <a:lightRig rig="threePt" dir="t"/>
+    </dgm:scene3d>
+    <dgm:sp3d/>
+    <dgm:txPr/>
+    <dgm:style>
+      <a:lnRef idx="2">
+        <a:scrgbClr r="0" g="0" b="0"/>
+      </a:lnRef>
+      <a:fillRef idx="1">
+        <a:scrgbClr r="0" g="0" b="0"/>
+      </a:fillRef>
+      <a:effectRef idx="0">
+        <a:scrgbClr r="0" g="0" b="0"/>
+      </a:effectRef>
+      <a:fontRef idx="minor"/>
+    </dgm:style>
+  </dgm:styleLbl>
+  <dgm:styleLbl name="bgShp">
+    <dgm:scene3d>
+      <a:camera prst="orthographicFront"/>
+      <a:lightRig rig="threePt" dir="t"/>
+    </dgm:scene3d>
+    <dgm:sp3d/>
+    <dgm:txPr/>
+    <dgm:style>
+      <a:lnRef idx="0">
+        <a:scrgbClr r="0" g="0" b="0"/>
+      </a:lnRef>
+      <a:fillRef idx="1">
+        <a:scrgbClr r="0" g="0" b="0"/>
+      </a:fillRef>
+      <a:effectRef idx="0">
+        <a:scrgbClr r="0" g="0" b="0"/>
+      </a:effectRef>
+      <a:fontRef idx="minor"/>
+    </dgm:style>
+  </dgm:styleLbl>
+  <dgm:styleLbl name="dkBgShp">
+    <dgm:scene3d>
+      <a:camera prst="orthographicFront"/>
+      <a:lightRig rig="threePt" dir="t"/>
+    </dgm:scene3d>
+    <dgm:sp3d/>
+    <dgm:txPr/>
+    <dgm:style>
+      <a:lnRef idx="0">
+        <a:scrgbClr r="0" g="0" b="0"/>
+      </a:lnRef>
+      <a:fillRef idx="1">
+        <a:scrgbClr r="0" g="0" b="0"/>
+      </a:fillRef>
+      <a:effectRef idx="0">
+        <a:scrgbClr r="0" g="0" b="0"/>
+      </a:effectRef>
+      <a:fontRef idx="minor"/>
+    </dgm:style>
+  </dgm:styleLbl>
+  <dgm:styleLbl name="trBgShp">
+    <dgm:scene3d>
+      <a:camera prst="orthographicFront"/>
+      <a:lightRig rig="threePt" dir="t"/>
+    </dgm:scene3d>
+    <dgm:sp3d/>
+    <dgm:txPr/>
+    <dgm:style>
+      <a:lnRef idx="0">
+        <a:scrgbClr r="0" g="0" b="0"/>
+      </a:lnRef>
+      <a:fillRef idx="1">
+        <a:scrgbClr r="0" g="0" b="0"/>
+      </a:fillRef>
+      <a:effectRef idx="0">
+        <a:scrgbClr r="0" g="0" b="0"/>
+      </a:effectRef>
+      <a:fontRef idx="minor"/>
+    </dgm:style>
+  </dgm:styleLbl>
+  <dgm:styleLbl name="fgShp">
+    <dgm:scene3d>
+      <a:camera prst="orthographicFront"/>
+      <a:lightRig rig="threePt" dir="t"/>
+    </dgm:scene3d>
+    <dgm:sp3d/>
+    <dgm:txPr/>
+    <dgm:style>
+      <a:lnRef idx="2">
+        <a:scrgbClr r="0" g="0" b="0"/>
+      </a:lnRef>
+      <a:fillRef idx="1">
+        <a:scrgbClr r="0" g="0" b="0"/>
+      </a:fillRef>
+      <a:effectRef idx="0">
+        <a:scrgbClr r="0" g="0" b="0"/>
+      </a:effectRef>
+      <a:fontRef idx="minor"/>
+    </dgm:style>
+  </dgm:styleLbl>
+  <dgm:styleLbl name="revTx">
+    <dgm:scene3d>
+      <a:camera prst="orthographicFront"/>
+      <a:lightRig rig="threePt" dir="t"/>
+    </dgm:scene3d>
+    <dgm:sp3d/>
+    <dgm:txPr/>
+    <dgm:style>
+      <a:lnRef idx="0">
+        <a:scrgbClr r="0" g="0" b="0"/>
+      </a:lnRef>
+      <a:fillRef idx="0">
+        <a:scrgbClr r="0" g="0" b="0"/>
+      </a:fillRef>
+      <a:effectRef idx="0">
+        <a:scrgbClr r="0" g="0" b="0"/>
+      </a:effectRef>
+      <a:fontRef idx="minor"/>
+    </dgm:style>
+  </dgm:styleLbl>
+</dgm:styleDef>
 </file>
 
 <file path=ppt/slideLayouts/slideLayout1.xml><?xml version="1.0" encoding="utf-8"?>
@@ -4279,12 +6814,40 @@
             </a:r>
             <a:r>
               <a:rPr lang="en-US" altLang="zh-TW" dirty="0" smtClean="0"/>
-              <a:t>(ARIMA, GARCH, GARCH-M, E-GARCH)</a:t>
-            </a:r>
-            <a:endParaRPr lang="zh-TW" altLang="en-US" dirty="0"/>
-          </a:p>
-        </p:txBody>
-      </p:sp>
+              <a:t>(ARIMA, GARCH, GARCH-M, E-GARCH</a:t>
+            </a:r>
+            <a:r>
+              <a:rPr lang="en-US" altLang="zh-TW" dirty="0" smtClean="0"/>
+              <a:t>)</a:t>
+            </a:r>
+          </a:p>
+          <a:p>
+            <a:endParaRPr lang="en-US" altLang="zh-TW" dirty="0"/>
+          </a:p>
+        </p:txBody>
+      </p:sp>
+      <p:graphicFrame>
+        <p:nvGraphicFramePr>
+          <p:cNvPr id="4" name="資料庫圖表 3"/>
+          <p:cNvGraphicFramePr/>
+          <p:nvPr>
+            <p:extLst>
+              <p:ext uri="{D42A27DB-BD31-4B8C-83A1-F6EECF244321}">
+                <p14:modId xmlns:p14="http://schemas.microsoft.com/office/powerpoint/2010/main" val="2622097033"/>
+              </p:ext>
+            </p:extLst>
+          </p:nvPr>
+        </p:nvGraphicFramePr>
+        <p:xfrm>
+          <a:off x="755576" y="2636912"/>
+          <a:ext cx="7704856" cy="4064000"/>
+        </p:xfrm>
+        <a:graphic>
+          <a:graphicData uri="http://schemas.openxmlformats.org/drawingml/2006/diagram">
+            <dgm:relIds xmlns:dgm="http://schemas.openxmlformats.org/drawingml/2006/diagram" xmlns:r="http://schemas.openxmlformats.org/officeDocument/2006/relationships" r:dm="rId2" r:lo="rId3" r:qs="rId4" r:cs="rId5"/>
+          </a:graphicData>
+        </a:graphic>
+      </p:graphicFrame>
     </p:spTree>
     <p:extLst>
       <p:ext uri="{BB962C8B-B14F-4D97-AF65-F5344CB8AC3E}">
